--- a/proposal_dec.pptx
+++ b/proposal_dec.pptx
@@ -13,28 +13,36 @@
     <p:sldId id="261" r:id="rId7"/>
     <p:sldId id="262" r:id="rId8"/>
     <p:sldId id="272" r:id="rId9"/>
-    <p:sldId id="263" r:id="rId10"/>
-    <p:sldId id="264" r:id="rId11"/>
-    <p:sldId id="265" r:id="rId12"/>
-    <p:sldId id="281" r:id="rId13"/>
-    <p:sldId id="282" r:id="rId14"/>
-    <p:sldId id="266" r:id="rId15"/>
-    <p:sldId id="267" r:id="rId16"/>
-    <p:sldId id="268" r:id="rId17"/>
-    <p:sldId id="269" r:id="rId18"/>
-    <p:sldId id="270" r:id="rId19"/>
-    <p:sldId id="284" r:id="rId20"/>
-    <p:sldId id="271" r:id="rId21"/>
-    <p:sldId id="283" r:id="rId22"/>
-    <p:sldId id="273" r:id="rId23"/>
-    <p:sldId id="274" r:id="rId24"/>
-    <p:sldId id="275" r:id="rId25"/>
-    <p:sldId id="276" r:id="rId26"/>
-    <p:sldId id="286" r:id="rId27"/>
-    <p:sldId id="285" r:id="rId28"/>
-    <p:sldId id="278" r:id="rId29"/>
-    <p:sldId id="279" r:id="rId30"/>
-    <p:sldId id="280" r:id="rId31"/>
+    <p:sldId id="290" r:id="rId10"/>
+    <p:sldId id="291" r:id="rId11"/>
+    <p:sldId id="263" r:id="rId12"/>
+    <p:sldId id="264" r:id="rId13"/>
+    <p:sldId id="294" r:id="rId14"/>
+    <p:sldId id="265" r:id="rId15"/>
+    <p:sldId id="281" r:id="rId16"/>
+    <p:sldId id="282" r:id="rId17"/>
+    <p:sldId id="295" r:id="rId18"/>
+    <p:sldId id="266" r:id="rId19"/>
+    <p:sldId id="267" r:id="rId20"/>
+    <p:sldId id="268" r:id="rId21"/>
+    <p:sldId id="269" r:id="rId22"/>
+    <p:sldId id="270" r:id="rId23"/>
+    <p:sldId id="284" r:id="rId24"/>
+    <p:sldId id="271" r:id="rId25"/>
+    <p:sldId id="283" r:id="rId26"/>
+    <p:sldId id="273" r:id="rId27"/>
+    <p:sldId id="274" r:id="rId28"/>
+    <p:sldId id="275" r:id="rId29"/>
+    <p:sldId id="276" r:id="rId30"/>
+    <p:sldId id="286" r:id="rId31"/>
+    <p:sldId id="285" r:id="rId32"/>
+    <p:sldId id="278" r:id="rId33"/>
+    <p:sldId id="279" r:id="rId34"/>
+    <p:sldId id="288" r:id="rId35"/>
+    <p:sldId id="296" r:id="rId36"/>
+    <p:sldId id="287" r:id="rId37"/>
+    <p:sldId id="280" r:id="rId38"/>
+    <p:sldId id="289" r:id="rId39"/>
   </p:sldIdLst>
   <p:sldSz cx="12192000" cy="6858000"/>
   <p:notesSz cx="6858000" cy="9144000"/>
@@ -3016,10 +3024,10 @@
           <a:lstStyle/>
           <a:p>
             <a:r>
-              <a:rPr lang="en-US" dirty="0" smtClean="0"/>
+              <a:rPr lang="en-US" b="1" dirty="0" smtClean="0"/>
               <a:t>Privacy Enabled Noise Free Data Collection in Vehicle Networks</a:t>
             </a:r>
-            <a:endParaRPr lang="en-US" dirty="0"/>
+            <a:endParaRPr lang="en-US" b="1" dirty="0"/>
           </a:p>
         </p:txBody>
       </p:sp>
@@ -3035,7 +3043,7 @@
         </p:nvSpPr>
         <p:spPr>
           <a:xfrm>
-            <a:off x="1524000" y="3602038"/>
+            <a:off x="892628" y="3602038"/>
             <a:ext cx="10145486" cy="2864076"/>
           </a:xfrm>
         </p:spPr>
@@ -3046,68 +3054,68 @@
           <a:lstStyle/>
           <a:p>
             <a:r>
-              <a:rPr lang="en-US" dirty="0" smtClean="0"/>
+              <a:rPr lang="en-US" b="1" dirty="0" smtClean="0"/>
               <a:t>MS Thesis Proposal</a:t>
             </a:r>
           </a:p>
           <a:p>
             <a:r>
-              <a:rPr lang="en-US" dirty="0" smtClean="0"/>
+              <a:rPr lang="en-US" b="1" dirty="0" smtClean="0"/>
               <a:t>Anuj Dimri</a:t>
             </a:r>
           </a:p>
           <a:p>
-            <a:endParaRPr lang="en-US" dirty="0"/>
-          </a:p>
-          <a:p>
-            <a:r>
-              <a:rPr lang="en-US" dirty="0" smtClean="0"/>
+            <a:endParaRPr lang="en-US" b="1" dirty="0"/>
+          </a:p>
+          <a:p>
+            <a:r>
+              <a:rPr lang="en-US" b="1" dirty="0" smtClean="0"/>
               <a:t>Committee Members</a:t>
             </a:r>
           </a:p>
           <a:p>
             <a:r>
-              <a:rPr lang="en-US" dirty="0" smtClean="0"/>
+              <a:rPr lang="en-US" b="1" dirty="0" smtClean="0"/>
               <a:t>Prof. </a:t>
             </a:r>
             <a:r>
-              <a:rPr lang="en-US" dirty="0" err="1" smtClean="0"/>
+              <a:rPr lang="en-US" b="1" dirty="0" err="1" smtClean="0"/>
               <a:t>Sneha</a:t>
             </a:r>
             <a:r>
-              <a:rPr lang="en-US" dirty="0" smtClean="0"/>
+              <a:rPr lang="en-US" b="1" dirty="0" smtClean="0"/>
               <a:t> </a:t>
             </a:r>
             <a:r>
-              <a:rPr lang="en-US" dirty="0" err="1" smtClean="0"/>
+              <a:rPr lang="en-US" b="1" dirty="0" err="1" smtClean="0"/>
               <a:t>Kasera</a:t>
             </a:r>
             <a:r>
-              <a:rPr lang="en-US" dirty="0" smtClean="0"/>
+              <a:rPr lang="en-US" b="1" dirty="0" smtClean="0"/>
               <a:t> (Chair)</a:t>
             </a:r>
           </a:p>
           <a:p>
             <a:r>
-              <a:rPr lang="en-US" dirty="0" smtClean="0"/>
+              <a:rPr lang="en-US" b="1" dirty="0" smtClean="0"/>
               <a:t>Prof. Neal </a:t>
             </a:r>
             <a:r>
-              <a:rPr lang="en-US" dirty="0" err="1" smtClean="0"/>
+              <a:rPr lang="en-US" b="1" dirty="0" err="1" smtClean="0"/>
               <a:t>Patwari</a:t>
             </a:r>
-            <a:endParaRPr lang="en-US" dirty="0" smtClean="0"/>
-          </a:p>
-          <a:p>
-            <a:r>
-              <a:rPr lang="en-US" dirty="0" smtClean="0"/>
+            <a:endParaRPr lang="en-US" b="1" dirty="0" smtClean="0"/>
+          </a:p>
+          <a:p>
+            <a:r>
+              <a:rPr lang="en-US" b="1" dirty="0" smtClean="0"/>
               <a:t>Prof. Aditya </a:t>
             </a:r>
             <a:r>
-              <a:rPr lang="en-US" dirty="0" err="1" smtClean="0"/>
+              <a:rPr lang="en-US" b="1" dirty="0" err="1" smtClean="0"/>
               <a:t>Bhaskara</a:t>
             </a:r>
-            <a:endParaRPr lang="en-US" dirty="0" smtClean="0"/>
+            <a:endParaRPr lang="en-US" b="1" dirty="0" smtClean="0"/>
           </a:p>
           <a:p>
             <a:endParaRPr lang="en-US" dirty="0" smtClean="0"/>
@@ -3164,6 +3172,540 @@
             <p:ph type="title"/>
           </p:nvPr>
         </p:nvSpPr>
+        <p:spPr/>
+        <p:txBody>
+          <a:bodyPr/>
+          <a:lstStyle/>
+          <a:p>
+            <a:r>
+              <a:rPr lang="en-US" b="1" dirty="0" smtClean="0"/>
+              <a:t>Challenges</a:t>
+            </a:r>
+            <a:endParaRPr lang="en-US" b="1" dirty="0"/>
+          </a:p>
+        </p:txBody>
+      </p:sp>
+      <p:sp>
+        <p:nvSpPr>
+          <p:cNvPr id="3" name="Content Placeholder 2"/>
+          <p:cNvSpPr>
+            <a:spLocks noGrp="1"/>
+          </p:cNvSpPr>
+          <p:nvPr>
+            <p:ph idx="1"/>
+          </p:nvPr>
+        </p:nvSpPr>
+        <p:spPr/>
+        <p:txBody>
+          <a:bodyPr/>
+          <a:lstStyle/>
+          <a:p>
+            <a:r>
+              <a:rPr lang="en-US" dirty="0"/>
+              <a:t>To simulate real vehicular environment and make the vehicles communicate with each other. </a:t>
+            </a:r>
+          </a:p>
+          <a:p>
+            <a:r>
+              <a:rPr lang="en-US" dirty="0"/>
+              <a:t>To keep track of large number of vehicles and the messages which are being transmitted. </a:t>
+            </a:r>
+          </a:p>
+          <a:p>
+            <a:r>
+              <a:rPr lang="en-US" dirty="0"/>
+              <a:t>Scaling issues due to broadcast nature of the protocol. </a:t>
+            </a:r>
+            <a:endParaRPr lang="en-US" dirty="0" smtClean="0"/>
+          </a:p>
+          <a:p>
+            <a:r>
+              <a:rPr lang="en-US" dirty="0" smtClean="0"/>
+              <a:t>Deciding on the value of random delay and the indirection probability.</a:t>
+            </a:r>
+            <a:endParaRPr lang="en-US" dirty="0"/>
+          </a:p>
+          <a:p>
+            <a:r>
+              <a:rPr lang="en-US" dirty="0"/>
+              <a:t>Changing random delay and indirection parameters from a freeway/highway environment to a downtown environment. </a:t>
+            </a:r>
+          </a:p>
+        </p:txBody>
+      </p:sp>
+    </p:spTree>
+    <p:extLst>
+      <p:ext uri="{BB962C8B-B14F-4D97-AF65-F5344CB8AC3E}">
+        <p14:creationId xmlns:p14="http://schemas.microsoft.com/office/powerpoint/2010/main" val="106176174"/>
+      </p:ext>
+    </p:extLst>
+  </p:cSld>
+  <p:clrMapOvr>
+    <a:masterClrMapping/>
+  </p:clrMapOvr>
+  <p:timing>
+    <p:tnLst>
+      <p:par>
+        <p:cTn id="1" dur="indefinite" restart="never" nodeType="tmRoot"/>
+      </p:par>
+    </p:tnLst>
+  </p:timing>
+</p:sld>
+</file>
+
+<file path=ppt/slides/slide11.xml><?xml version="1.0" encoding="utf-8"?>
+<p:sld xmlns:a="http://schemas.openxmlformats.org/drawingml/2006/main" xmlns:r="http://schemas.openxmlformats.org/officeDocument/2006/relationships" xmlns:p="http://schemas.openxmlformats.org/presentationml/2006/main">
+  <p:cSld>
+    <p:spTree>
+      <p:nvGrpSpPr>
+        <p:cNvPr id="1" name=""/>
+        <p:cNvGrpSpPr/>
+        <p:nvPr/>
+      </p:nvGrpSpPr>
+      <p:grpSpPr>
+        <a:xfrm>
+          <a:off x="0" y="0"/>
+          <a:ext cx="0" cy="0"/>
+          <a:chOff x="0" y="0"/>
+          <a:chExt cx="0" cy="0"/>
+        </a:xfrm>
+      </p:grpSpPr>
+      <p:sp>
+        <p:nvSpPr>
+          <p:cNvPr id="2" name="Title 1"/>
+          <p:cNvSpPr>
+            <a:spLocks noGrp="1"/>
+          </p:cNvSpPr>
+          <p:nvPr>
+            <p:ph type="title"/>
+          </p:nvPr>
+        </p:nvSpPr>
+        <p:spPr>
+          <a:xfrm>
+            <a:off x="280988" y="176665"/>
+            <a:ext cx="10515600" cy="1325563"/>
+          </a:xfrm>
+        </p:spPr>
+        <p:txBody>
+          <a:bodyPr/>
+          <a:lstStyle/>
+          <a:p>
+            <a:r>
+              <a:rPr lang="en-US" b="1" dirty="0" smtClean="0"/>
+              <a:t>Adversary Model</a:t>
+            </a:r>
+            <a:endParaRPr lang="en-US" b="1" dirty="0"/>
+          </a:p>
+        </p:txBody>
+      </p:sp>
+      <mc:AlternateContent xmlns:mc="http://schemas.openxmlformats.org/markup-compatibility/2006">
+        <mc:Choice xmlns:a14="http://schemas.microsoft.com/office/drawing/2010/main" Requires="a14">
+          <p:sp>
+            <p:nvSpPr>
+              <p:cNvPr id="5" name="TextBox 4"/>
+              <p:cNvSpPr txBox="1"/>
+              <p:nvPr/>
+            </p:nvSpPr>
+            <p:spPr>
+              <a:xfrm>
+                <a:off x="119743" y="1502228"/>
+                <a:ext cx="11887200" cy="5232202"/>
+              </a:xfrm>
+              <a:prstGeom prst="rect">
+                <a:avLst/>
+              </a:prstGeom>
+              <a:noFill/>
+            </p:spPr>
+            <p:txBody>
+              <a:bodyPr wrap="square" rtlCol="0">
+                <a:spAutoFit/>
+              </a:bodyPr>
+              <a:lstStyle/>
+              <a:p>
+                <a:pPr marL="285750" indent="-285750">
+                  <a:buFont typeface="Arial" charset="0"/>
+                  <a:buChar char="•"/>
+                </a:pPr>
+                <a:r>
+                  <a:rPr lang="en-US" sz="2800" dirty="0" smtClean="0"/>
+                  <a:t>We assume that the </a:t>
+                </a:r>
+                <a:r>
+                  <a:rPr lang="en-US" sz="2800" b="1" dirty="0" smtClean="0">
+                    <a:solidFill>
+                      <a:srgbClr val="FF0000"/>
+                    </a:solidFill>
+                  </a:rPr>
+                  <a:t>central coordinator/server is the adversary.</a:t>
+                </a:r>
+              </a:p>
+              <a:p>
+                <a:pPr marL="285750" indent="-285750">
+                  <a:buFont typeface="Arial" charset="0"/>
+                  <a:buChar char="•"/>
+                </a:pPr>
+                <a:r>
+                  <a:rPr lang="en-US" sz="2800" dirty="0" smtClean="0"/>
+                  <a:t>The server sees the following- </a:t>
+                </a:r>
+              </a:p>
+              <a:p>
+                <a:r>
+                  <a:rPr lang="en-US" sz="2800" dirty="0"/>
+                  <a:t>	</a:t>
+                </a:r>
+                <a:r>
+                  <a:rPr lang="en-US" sz="2800" dirty="0" smtClean="0"/>
+                  <a:t>(</a:t>
+                </a:r>
+                <a:r>
+                  <a:rPr lang="en-US" sz="2800" b="1" dirty="0" smtClean="0">
+                    <a:solidFill>
+                      <a:srgbClr val="FF0000"/>
+                    </a:solidFill>
+                  </a:rPr>
+                  <a:t>X,Y, </a:t>
+                </a:r>
+                <a14:m>
+                  <m:oMath xmlns:m="http://schemas.openxmlformats.org/officeDocument/2006/math">
+                    <m:sSub>
+                      <m:sSubPr>
+                        <m:ctrlPr>
+                          <a:rPr lang="en-US" sz="2800" b="1" i="1" smtClean="0">
+                            <a:solidFill>
+                              <a:srgbClr val="FF0000"/>
+                            </a:solidFill>
+                            <a:latin typeface="Cambria Math" charset="0"/>
+                          </a:rPr>
+                        </m:ctrlPr>
+                      </m:sSubPr>
+                      <m:e>
+                        <m:r>
+                          <a:rPr lang="en-US" sz="2800" b="1" i="1" smtClean="0">
+                            <a:solidFill>
+                              <a:srgbClr val="FF0000"/>
+                            </a:solidFill>
+                            <a:latin typeface="Cambria Math" charset="0"/>
+                          </a:rPr>
+                          <m:t>𝒕</m:t>
+                        </m:r>
+                      </m:e>
+                      <m:sub>
+                        <m:r>
+                          <a:rPr lang="en-US" sz="2800" b="1" i="1" smtClean="0">
+                            <a:solidFill>
+                              <a:srgbClr val="FF0000"/>
+                            </a:solidFill>
+                            <a:latin typeface="Cambria Math" charset="0"/>
+                          </a:rPr>
+                          <m:t>𝟎</m:t>
+                        </m:r>
+                      </m:sub>
+                    </m:sSub>
+                  </m:oMath>
+                </a14:m>
+                <a:r>
+                  <a:rPr lang="en-US" sz="2800" b="1" dirty="0" smtClean="0">
+                    <a:solidFill>
+                      <a:srgbClr val="FF0000"/>
+                    </a:solidFill>
+                  </a:rPr>
+                  <a:t>, </a:t>
+                </a:r>
+                <a14:m>
+                  <m:oMath xmlns:m="http://schemas.openxmlformats.org/officeDocument/2006/math">
+                    <m:sSub>
+                      <m:sSubPr>
+                        <m:ctrlPr>
+                          <a:rPr lang="en-US" sz="2800" b="1" i="1" smtClean="0">
+                            <a:solidFill>
+                              <a:srgbClr val="FF0000"/>
+                            </a:solidFill>
+                            <a:latin typeface="Cambria Math" charset="0"/>
+                          </a:rPr>
+                        </m:ctrlPr>
+                      </m:sSubPr>
+                      <m:e>
+                        <m:r>
+                          <a:rPr lang="en-US" sz="2800" b="1" i="1" smtClean="0">
+                            <a:solidFill>
+                              <a:srgbClr val="FF0000"/>
+                            </a:solidFill>
+                            <a:latin typeface="Cambria Math" charset="0"/>
+                          </a:rPr>
+                          <m:t>𝒕</m:t>
+                        </m:r>
+                      </m:e>
+                      <m:sub>
+                        <m:r>
+                          <a:rPr lang="en-US" sz="2800" b="1" i="1" smtClean="0">
+                            <a:solidFill>
+                              <a:srgbClr val="FF0000"/>
+                            </a:solidFill>
+                            <a:latin typeface="Cambria Math" charset="0"/>
+                          </a:rPr>
+                          <m:t>𝒔𝒆𝒓𝒗𝒆𝒓</m:t>
+                        </m:r>
+                      </m:sub>
+                    </m:sSub>
+                  </m:oMath>
+                </a14:m>
+                <a:r>
+                  <a:rPr lang="en-US" sz="2800" b="1" dirty="0" smtClean="0">
+                    <a:solidFill>
+                      <a:srgbClr val="FF0000"/>
+                    </a:solidFill>
+                  </a:rPr>
+                  <a:t>,U, </a:t>
+                </a:r>
+                <a:r>
+                  <a:rPr lang="en-US" sz="2800" dirty="0" smtClean="0"/>
+                  <a:t>some measurements</a:t>
+                </a:r>
+                <a:r>
+                  <a:rPr lang="en-US" sz="2800" dirty="0" smtClean="0"/>
+                  <a:t>).</a:t>
+                </a:r>
+              </a:p>
+              <a:p>
+                <a:pPr marL="285750" indent="-285750">
+                  <a:buFont typeface="Arial" charset="0"/>
+                  <a:buChar char="•"/>
+                </a:pPr>
+                <a:r>
+                  <a:rPr lang="en-US" sz="2800" dirty="0" smtClean="0"/>
+                  <a:t>X,Y </a:t>
+                </a:r>
+                <a:r>
+                  <a:rPr lang="mr-IN" sz="2800" dirty="0" smtClean="0"/>
+                  <a:t>–</a:t>
+                </a:r>
+                <a:r>
+                  <a:rPr lang="en-US" sz="2800" dirty="0" smtClean="0"/>
+                  <a:t> Latitude, longitude where data was collected.</a:t>
+                </a:r>
+              </a:p>
+              <a:p>
+                <a:pPr marL="285750" indent="-285750">
+                  <a:buFont typeface="Arial" charset="0"/>
+                  <a:buChar char="•"/>
+                </a:pPr>
+                <a14:m>
+                  <m:oMath xmlns:m="http://schemas.openxmlformats.org/officeDocument/2006/math">
+                    <m:sSub>
+                      <m:sSubPr>
+                        <m:ctrlPr>
+                          <a:rPr lang="en-US" sz="2800" i="1" smtClean="0">
+                            <a:latin typeface="Cambria Math" charset="0"/>
+                          </a:rPr>
+                        </m:ctrlPr>
+                      </m:sSubPr>
+                      <m:e>
+                        <m:r>
+                          <a:rPr lang="en-US" sz="2800" b="0" i="1" smtClean="0">
+                            <a:latin typeface="Cambria Math" charset="0"/>
+                          </a:rPr>
+                          <m:t>𝑡</m:t>
+                        </m:r>
+                      </m:e>
+                      <m:sub>
+                        <m:r>
+                          <a:rPr lang="en-US" sz="2800" b="0" i="1" smtClean="0">
+                            <a:latin typeface="Cambria Math" charset="0"/>
+                          </a:rPr>
+                          <m:t>0</m:t>
+                        </m:r>
+                      </m:sub>
+                    </m:sSub>
+                  </m:oMath>
+                </a14:m>
+                <a:r>
+                  <a:rPr lang="en-US" sz="2800" dirty="0" smtClean="0"/>
+                  <a:t> - Time at which data was collected</a:t>
+                </a:r>
+              </a:p>
+              <a:p>
+                <a:pPr marL="285750" indent="-285750">
+                  <a:buFont typeface="Arial" charset="0"/>
+                  <a:buChar char="•"/>
+                </a:pPr>
+                <a14:m>
+                  <m:oMath xmlns:m="http://schemas.openxmlformats.org/officeDocument/2006/math">
+                    <m:sSub>
+                      <m:sSubPr>
+                        <m:ctrlPr>
+                          <a:rPr lang="en-US" sz="2800" i="1" smtClean="0">
+                            <a:latin typeface="Cambria Math" charset="0"/>
+                          </a:rPr>
+                        </m:ctrlPr>
+                      </m:sSubPr>
+                      <m:e>
+                        <m:r>
+                          <a:rPr lang="en-US" sz="2800" b="0" i="1" smtClean="0">
+                            <a:latin typeface="Cambria Math" charset="0"/>
+                          </a:rPr>
+                          <m:t>𝑡</m:t>
+                        </m:r>
+                      </m:e>
+                      <m:sub>
+                        <m:r>
+                          <a:rPr lang="en-US" sz="2800" b="0" i="1" smtClean="0">
+                            <a:latin typeface="Cambria Math" charset="0"/>
+                          </a:rPr>
+                          <m:t>𝑠𝑒𝑟𝑣𝑒𝑟</m:t>
+                        </m:r>
+                      </m:sub>
+                    </m:sSub>
+                    <m:r>
+                      <a:rPr lang="en-US" sz="2800" b="0" i="1" smtClean="0">
+                        <a:latin typeface="Cambria Math" charset="0"/>
+                      </a:rPr>
+                      <m:t>− </m:t>
+                    </m:r>
+                  </m:oMath>
+                </a14:m>
+                <a:r>
+                  <a:rPr lang="en-US" sz="2800" dirty="0" smtClean="0"/>
+                  <a:t>Time at which data was uploaded to the server</a:t>
+                </a:r>
+              </a:p>
+              <a:p>
+                <a:pPr marL="285750" indent="-285750">
+                  <a:buFont typeface="Arial" charset="0"/>
+                  <a:buChar char="•"/>
+                </a:pPr>
+                <a:r>
+                  <a:rPr lang="en-US" sz="2800" dirty="0" smtClean="0"/>
+                  <a:t>U- Unique ID of the vehicle which uploads the data</a:t>
+                </a:r>
+              </a:p>
+              <a:p>
+                <a:pPr marL="285750" indent="-285750">
+                  <a:buFont typeface="Arial" charset="0"/>
+                  <a:buChar char="•"/>
+                </a:pPr>
+                <a:r>
+                  <a:rPr lang="en-US" sz="2800" dirty="0" smtClean="0"/>
+                  <a:t>Some measurements- application specific data like RSS values, speed of the vehicle, etc.</a:t>
+                </a:r>
+              </a:p>
+              <a:p>
+                <a:pPr marL="285750" indent="-285750">
+                  <a:buFont typeface="Arial" charset="0"/>
+                  <a:buChar char="•"/>
+                </a:pPr>
+                <a:endParaRPr lang="en-US" sz="2800" dirty="0" smtClean="0"/>
+              </a:p>
+              <a:p>
+                <a:pPr marL="285750" indent="-285750">
+                  <a:buFont typeface="Arial" charset="0"/>
+                  <a:buChar char="•"/>
+                </a:pPr>
+                <a:endParaRPr lang="en-US" dirty="0" smtClean="0"/>
+              </a:p>
+              <a:p>
+                <a:pPr marL="285750" indent="-285750">
+                  <a:buFont typeface="Arial" charset="0"/>
+                  <a:buChar char="•"/>
+                </a:pPr>
+                <a:endParaRPr lang="en-US" dirty="0" smtClean="0"/>
+              </a:p>
+              <a:p>
+                <a:pPr marL="285750" indent="-285750">
+                  <a:buFont typeface="Arial" charset="0"/>
+                  <a:buChar char="•"/>
+                </a:pPr>
+                <a:endParaRPr lang="en-US" dirty="0"/>
+              </a:p>
+            </p:txBody>
+          </p:sp>
+        </mc:Choice>
+        <mc:Fallback>
+          <p:sp>
+            <p:nvSpPr>
+              <p:cNvPr id="5" name="TextBox 4"/>
+              <p:cNvSpPr txBox="1">
+                <a:spLocks noRot="1" noChangeAspect="1" noMove="1" noResize="1" noEditPoints="1" noAdjustHandles="1" noChangeArrowheads="1" noChangeShapeType="1" noTextEdit="1"/>
+              </p:cNvSpPr>
+              <p:nvPr/>
+            </p:nvSpPr>
+            <p:spPr>
+              <a:xfrm>
+                <a:off x="119743" y="1502228"/>
+                <a:ext cx="11887200" cy="5232202"/>
+              </a:xfrm>
+              <a:prstGeom prst="rect">
+                <a:avLst/>
+              </a:prstGeom>
+              <a:blipFill rotWithShape="0">
+                <a:blip r:embed="rId2"/>
+                <a:stretch>
+                  <a:fillRect l="-923" t="-1048"/>
+                </a:stretch>
+              </a:blipFill>
+            </p:spPr>
+            <p:txBody>
+              <a:bodyPr/>
+              <a:lstStyle/>
+              <a:p>
+                <a:r>
+                  <a:rPr lang="en-US">
+                    <a:noFill/>
+                  </a:rPr>
+                  <a:t> </a:t>
+                </a:r>
+              </a:p>
+            </p:txBody>
+          </p:sp>
+        </mc:Fallback>
+      </mc:AlternateContent>
+    </p:spTree>
+    <p:extLst>
+      <p:ext uri="{BB962C8B-B14F-4D97-AF65-F5344CB8AC3E}">
+        <p14:creationId xmlns:p14="http://schemas.microsoft.com/office/powerpoint/2010/main" val="136980106"/>
+      </p:ext>
+    </p:extLst>
+  </p:cSld>
+  <p:clrMapOvr>
+    <a:masterClrMapping/>
+  </p:clrMapOvr>
+  <p:timing>
+    <p:tnLst>
+      <p:par>
+        <p:cTn id="1" dur="indefinite" restart="never" nodeType="tmRoot"/>
+      </p:par>
+    </p:tnLst>
+  </p:timing>
+</p:sld>
+</file>
+
+<file path=ppt/slides/slide12.xml><?xml version="1.0" encoding="utf-8"?>
+<p:sld xmlns:a="http://schemas.openxmlformats.org/drawingml/2006/main" xmlns:r="http://schemas.openxmlformats.org/officeDocument/2006/relationships" xmlns:p="http://schemas.openxmlformats.org/presentationml/2006/main">
+  <p:cSld>
+    <p:spTree>
+      <p:nvGrpSpPr>
+        <p:cNvPr id="1" name=""/>
+        <p:cNvGrpSpPr/>
+        <p:nvPr/>
+      </p:nvGrpSpPr>
+      <p:grpSpPr>
+        <a:xfrm>
+          <a:off x="0" y="0"/>
+          <a:ext cx="0" cy="0"/>
+          <a:chOff x="0" y="0"/>
+          <a:chExt cx="0" cy="0"/>
+        </a:xfrm>
+      </p:grpSpPr>
+      <p:sp>
+        <p:nvSpPr>
+          <p:cNvPr id="2" name="Title 1"/>
+          <p:cNvSpPr>
+            <a:spLocks noGrp="1"/>
+          </p:cNvSpPr>
+          <p:nvPr>
+            <p:ph type="title"/>
+          </p:nvPr>
+        </p:nvSpPr>
         <p:spPr>
           <a:xfrm>
             <a:off x="185057" y="77866"/>
@@ -3175,22 +3717,18 @@
           <a:lstStyle/>
           <a:p>
             <a:r>
-              <a:rPr lang="en-US"/>
-              <a:t>D</a:t>
-            </a:r>
-            <a:r>
-              <a:rPr lang="en-US" smtClean="0"/>
-              <a:t>irect </a:t>
-            </a:r>
-            <a:r>
-              <a:rPr lang="en-US" dirty="0"/>
+              <a:rPr lang="en-US" b="1" dirty="0" smtClean="0"/>
+              <a:t>Basic </a:t>
+            </a:r>
+            <a:r>
+              <a:rPr lang="en-US" b="1" dirty="0"/>
               <a:t>A</a:t>
             </a:r>
             <a:r>
-              <a:rPr lang="en-US" smtClean="0"/>
+              <a:rPr lang="en-US" b="1" dirty="0" smtClean="0"/>
               <a:t>pproach</a:t>
             </a:r>
-            <a:endParaRPr lang="en-US" dirty="0"/>
+            <a:endParaRPr lang="en-US" b="1" dirty="0"/>
           </a:p>
         </p:txBody>
       </p:sp>
@@ -4218,7 +4756,7 @@
             <p:spPr>
               <a:xfrm>
                 <a:off x="185057" y="1403429"/>
-                <a:ext cx="4942114" cy="1477328"/>
+                <a:ext cx="4942114" cy="1938992"/>
               </a:xfrm>
               <a:prstGeom prst="rect">
                 <a:avLst/>
@@ -4249,7 +4787,7 @@
                   <a:buChar char="•"/>
                 </a:pPr>
                 <a:r>
-                  <a:rPr lang="en-US" dirty="0" smtClean="0"/>
+                  <a:rPr lang="en-US" sz="2400" dirty="0" smtClean="0"/>
                   <a:t>In this approach Data Source and Data Uploader are same.</a:t>
                 </a:r>
               </a:p>
@@ -4259,31 +4797,39 @@
                   <a:buChar char="•"/>
                 </a:pPr>
                 <a:r>
-                  <a:rPr lang="en-US" dirty="0" smtClean="0"/>
-                  <a:t>Privacy is lost as the Server can correlate the Data uploaded </a:t>
-                </a:r>
-                <a:r>
-                  <a:rPr lang="en-US" dirty="0" smtClean="0"/>
+                  <a:rPr lang="en-US" sz="2400" b="1" dirty="0" smtClean="0">
+                    <a:solidFill>
+                      <a:srgbClr val="FF0000"/>
+                    </a:solidFill>
+                  </a:rPr>
+                  <a:t>Privacy is lost </a:t>
+                </a:r>
+                <a:r>
+                  <a:rPr lang="en-US" sz="2400" dirty="0" smtClean="0"/>
+                  <a:t>as the Server can correlate the Data uploaded </a:t>
+                </a:r>
+                <a:r>
+                  <a:rPr lang="en-US" sz="2400" dirty="0" smtClean="0"/>
                   <a:t>(x</a:t>
                 </a:r>
                 <a:r>
-                  <a:rPr lang="en-US" baseline="-25000" dirty="0" smtClean="0"/>
+                  <a:rPr lang="en-US" sz="2400" baseline="-25000" dirty="0" smtClean="0"/>
                   <a:t>1</a:t>
                 </a:r>
                 <a:r>
-                  <a:rPr lang="en-US" dirty="0" smtClean="0"/>
+                  <a:rPr lang="en-US" sz="2400" dirty="0" smtClean="0"/>
                   <a:t>,y</a:t>
                 </a:r>
                 <a:r>
-                  <a:rPr lang="en-US" baseline="-25000" dirty="0" smtClean="0"/>
+                  <a:rPr lang="en-US" sz="2400" baseline="-25000" dirty="0" smtClean="0"/>
                   <a:t>1</a:t>
                 </a:r>
                 <a:r>
-                  <a:rPr lang="en-US" dirty="0" smtClean="0"/>
+                  <a:rPr lang="en-US" sz="2400" dirty="0" smtClean="0"/>
                   <a:t>,v,</a:t>
                 </a:r>
                 <a:r>
-                  <a:rPr lang="en-US" b="1" dirty="0" smtClean="0"/>
+                  <a:rPr lang="en-US" sz="2400" b="1" dirty="0" smtClean="0"/>
                   <a:t> </a:t>
                 </a:r>
                 <a14:m>
@@ -4291,14 +4837,14 @@
                     <m:sSub>
                       <m:sSubPr>
                         <m:ctrlPr>
-                          <a:rPr lang="en-US" i="1" smtClean="0">
+                          <a:rPr lang="en-US" sz="2400" i="1" smtClean="0">
                             <a:latin typeface="Cambria Math" charset="0"/>
                           </a:rPr>
                         </m:ctrlPr>
                       </m:sSubPr>
                       <m:e>
                         <m:r>
-                          <a:rPr lang="en-US" b="0" i="1" smtClean="0">
+                          <a:rPr lang="en-US" sz="2400" b="0" i="1" smtClean="0">
                             <a:latin typeface="Cambria Math" charset="0"/>
                           </a:rPr>
                           <m:t>𝑡</m:t>
@@ -4306,7 +4852,7 @@
                       </m:e>
                       <m:sub>
                         <m:r>
-                          <a:rPr lang="en-US" b="0" i="1" smtClean="0">
+                          <a:rPr lang="en-US" sz="2400" b="0" i="1" smtClean="0">
                             <a:latin typeface="Cambria Math" charset="0"/>
                           </a:rPr>
                           <m:t>0</m:t>
@@ -4316,10 +4862,10 @@
                   </m:oMath>
                 </a14:m>
                 <a:r>
-                  <a:rPr lang="en-US" dirty="0" smtClean="0"/>
+                  <a:rPr lang="en-US" sz="2400" dirty="0" smtClean="0"/>
                   <a:t>) with the Data Source (id1)</a:t>
                 </a:r>
-                <a:endParaRPr lang="en-US" dirty="0" smtClean="0"/>
+                <a:endParaRPr lang="en-US" sz="2400" dirty="0" smtClean="0"/>
               </a:p>
             </p:txBody>
           </p:sp>
@@ -4336,7 +4882,7 @@
             <p:spPr>
               <a:xfrm>
                 <a:off x="185057" y="1403429"/>
-                <a:ext cx="4942114" cy="1477328"/>
+                <a:ext cx="4942114" cy="1938992"/>
               </a:xfrm>
               <a:prstGeom prst="rect">
                 <a:avLst/>
@@ -4344,7 +4890,7 @@
               <a:blipFill rotWithShape="0">
                 <a:blip r:embed="rId4"/>
                 <a:stretch>
-                  <a:fillRect l="-615" t="-1633" r="-861" b="-4898"/>
+                  <a:fillRect l="-1476" t="-2188" r="-1353" b="-5938"/>
                 </a:stretch>
               </a:blipFill>
             </p:spPr>
@@ -4383,7 +4929,7 @@
 </p:sld>
 </file>
 
-<file path=ppt/slides/slide11.xml><?xml version="1.0" encoding="utf-8"?>
+<file path=ppt/slides/slide13.xml><?xml version="1.0" encoding="utf-8"?>
 <p:sld xmlns:a="http://schemas.openxmlformats.org/drawingml/2006/main" xmlns:r="http://schemas.openxmlformats.org/officeDocument/2006/relationships" xmlns:p="http://schemas.openxmlformats.org/presentationml/2006/main">
   <p:cSld>
     <p:spTree>
@@ -4412,6 +4958,186 @@
         </p:nvSpPr>
         <p:spPr>
           <a:xfrm>
+            <a:off x="323850" y="0"/>
+            <a:ext cx="10515600" cy="1325563"/>
+          </a:xfrm>
+        </p:spPr>
+        <p:txBody>
+          <a:bodyPr/>
+          <a:lstStyle/>
+          <a:p>
+            <a:r>
+              <a:rPr lang="en-US" b="1" dirty="0" smtClean="0"/>
+              <a:t>Indirections</a:t>
+            </a:r>
+            <a:endParaRPr lang="en-US" b="1" dirty="0"/>
+          </a:p>
+        </p:txBody>
+      </p:sp>
+      <p:sp>
+        <p:nvSpPr>
+          <p:cNvPr id="3" name="Content Placeholder 2"/>
+          <p:cNvSpPr>
+            <a:spLocks noGrp="1"/>
+          </p:cNvSpPr>
+          <p:nvPr>
+            <p:ph idx="1"/>
+          </p:nvPr>
+        </p:nvSpPr>
+        <p:spPr>
+          <a:xfrm>
+            <a:off x="428625" y="1200150"/>
+            <a:ext cx="10925175" cy="4976813"/>
+          </a:xfrm>
+        </p:spPr>
+        <p:txBody>
+          <a:bodyPr/>
+          <a:lstStyle/>
+          <a:p>
+            <a:r>
+              <a:rPr lang="en-US" dirty="0" smtClean="0"/>
+              <a:t>Data not uploaded to the server directly.</a:t>
+            </a:r>
+          </a:p>
+          <a:p>
+            <a:r>
+              <a:rPr lang="en-US" dirty="0" smtClean="0"/>
+              <a:t>Each </a:t>
+            </a:r>
+            <a:r>
+              <a:rPr lang="en-US" dirty="0"/>
+              <a:t>node has an option of </a:t>
+            </a:r>
+            <a:r>
+              <a:rPr lang="en-US" b="1" dirty="0">
+                <a:solidFill>
+                  <a:srgbClr val="FF0000"/>
+                </a:solidFill>
+              </a:rPr>
+              <a:t>uploading the data to the server with some probability</a:t>
+            </a:r>
+            <a:r>
+              <a:rPr lang="en-US" dirty="0"/>
+              <a:t> or forward the data to one of its neighboring node. </a:t>
+            </a:r>
+            <a:endParaRPr lang="en-US" dirty="0" smtClean="0"/>
+          </a:p>
+          <a:p>
+            <a:r>
+              <a:rPr lang="en-US" dirty="0" smtClean="0"/>
+              <a:t>Let </a:t>
+            </a:r>
+            <a:r>
+              <a:rPr lang="en-US" dirty="0"/>
+              <a:t>p(I) be the probability of indirections. </a:t>
+            </a:r>
+            <a:endParaRPr lang="en-US" dirty="0" smtClean="0"/>
+          </a:p>
+          <a:p>
+            <a:r>
+              <a:rPr lang="en-US" dirty="0" smtClean="0"/>
+              <a:t>If </a:t>
+            </a:r>
+            <a:r>
+              <a:rPr lang="en-US" dirty="0"/>
+              <a:t>p(I) = 1 then the node always uploads the data to the server</a:t>
+            </a:r>
+            <a:r>
+              <a:rPr lang="en-US" dirty="0" smtClean="0"/>
+              <a:t>.</a:t>
+            </a:r>
+          </a:p>
+          <a:p>
+            <a:r>
+              <a:rPr lang="en-US" dirty="0" smtClean="0"/>
+              <a:t> </a:t>
+            </a:r>
+            <a:r>
+              <a:rPr lang="en-US" dirty="0"/>
+              <a:t>If p(I) = 0.2 then the node uploads the data to the server with probability 0.2 and with probability 1−p(I) it forwards the data to one of its neighbors</a:t>
+            </a:r>
+            <a:r>
+              <a:rPr lang="en-US" dirty="0" smtClean="0"/>
+              <a:t>.</a:t>
+            </a:r>
+          </a:p>
+          <a:p>
+            <a:r>
+              <a:rPr lang="en-US" dirty="0" smtClean="0"/>
+              <a:t> </a:t>
+            </a:r>
+            <a:r>
+              <a:rPr lang="en-US" dirty="0"/>
+              <a:t>Thus the data would reach the server after </a:t>
+            </a:r>
+            <a:r>
+              <a:rPr lang="en-US" b="1" dirty="0">
+                <a:solidFill>
+                  <a:srgbClr val="FF0000"/>
+                </a:solidFill>
+              </a:rPr>
+              <a:t>multiple hops.</a:t>
+            </a:r>
+            <a:r>
+              <a:rPr lang="en-US" dirty="0"/>
+              <a:t> </a:t>
+            </a:r>
+            <a:endParaRPr lang="en-US" dirty="0" smtClean="0"/>
+          </a:p>
+          <a:p>
+            <a:endParaRPr lang="en-US" dirty="0"/>
+          </a:p>
+        </p:txBody>
+      </p:sp>
+    </p:spTree>
+    <p:extLst>
+      <p:ext uri="{BB962C8B-B14F-4D97-AF65-F5344CB8AC3E}">
+        <p14:creationId xmlns:p14="http://schemas.microsoft.com/office/powerpoint/2010/main" val="1714818555"/>
+      </p:ext>
+    </p:extLst>
+  </p:cSld>
+  <p:clrMapOvr>
+    <a:masterClrMapping/>
+  </p:clrMapOvr>
+  <p:timing>
+    <p:tnLst>
+      <p:par>
+        <p:cTn id="1" dur="indefinite" restart="never" nodeType="tmRoot"/>
+      </p:par>
+    </p:tnLst>
+  </p:timing>
+</p:sld>
+</file>
+
+<file path=ppt/slides/slide14.xml><?xml version="1.0" encoding="utf-8"?>
+<p:sld xmlns:a="http://schemas.openxmlformats.org/drawingml/2006/main" xmlns:r="http://schemas.openxmlformats.org/officeDocument/2006/relationships" xmlns:p="http://schemas.openxmlformats.org/presentationml/2006/main">
+  <p:cSld>
+    <p:spTree>
+      <p:nvGrpSpPr>
+        <p:cNvPr id="1" name=""/>
+        <p:cNvGrpSpPr/>
+        <p:nvPr/>
+      </p:nvGrpSpPr>
+      <p:grpSpPr>
+        <a:xfrm>
+          <a:off x="0" y="0"/>
+          <a:ext cx="0" cy="0"/>
+          <a:chOff x="0" y="0"/>
+          <a:chExt cx="0" cy="0"/>
+        </a:xfrm>
+      </p:grpSpPr>
+      <p:sp>
+        <p:nvSpPr>
+          <p:cNvPr id="2" name="Title 1"/>
+          <p:cNvSpPr>
+            <a:spLocks noGrp="1"/>
+          </p:cNvSpPr>
+          <p:nvPr>
+            <p:ph type="title"/>
+          </p:nvPr>
+        </p:nvSpPr>
+        <p:spPr>
+          <a:xfrm>
             <a:off x="0" y="0"/>
             <a:ext cx="10287000" cy="1110343"/>
           </a:xfrm>
@@ -4421,10 +5147,10 @@
           <a:lstStyle/>
           <a:p>
             <a:r>
-              <a:rPr lang="en-US" dirty="0" smtClean="0"/>
+              <a:rPr lang="en-US" b="1" dirty="0" smtClean="0"/>
               <a:t>Introducing Indirections</a:t>
             </a:r>
-            <a:endParaRPr lang="en-US" dirty="0"/>
+            <a:endParaRPr lang="en-US" b="1" dirty="0"/>
           </a:p>
         </p:txBody>
       </p:sp>
@@ -6272,7 +6998,7 @@
             <p:spPr>
               <a:xfrm>
                 <a:off x="139929" y="1727378"/>
-                <a:ext cx="4592100" cy="2031325"/>
+                <a:ext cx="4592100" cy="2585323"/>
               </a:xfrm>
               <a:prstGeom prst="rect">
                 <a:avLst/>
@@ -6303,7 +7029,7 @@
                   <a:buChar char="•"/>
                 </a:pPr>
                 <a:r>
-                  <a:rPr lang="en-US" dirty="0" smtClean="0"/>
+                  <a:rPr lang="en-US" sz="2400" dirty="0" smtClean="0"/>
                   <a:t>In this approach the Data Source and Data Uploader are not same.</a:t>
                 </a:r>
               </a:p>
@@ -6313,7 +7039,7 @@
                   <a:buChar char="•"/>
                 </a:pPr>
                 <a:r>
-                  <a:rPr lang="en-US" dirty="0" smtClean="0"/>
+                  <a:rPr lang="en-US" sz="2400" dirty="0" smtClean="0"/>
                   <a:t>Id1-&gt;Id3-&gt;Id2-&gt;Data Collector</a:t>
                 </a:r>
               </a:p>
@@ -6323,67 +7049,104 @@
                   <a:buChar char="•"/>
                 </a:pPr>
                 <a:r>
-                  <a:rPr lang="en-US" dirty="0" smtClean="0"/>
+                  <a:rPr lang="en-US" sz="2400" b="1" dirty="0" smtClean="0">
+                    <a:solidFill>
+                      <a:srgbClr val="FF0000"/>
+                    </a:solidFill>
+                  </a:rPr>
                   <a:t>Can the Server still correlate the </a:t>
                 </a:r>
                 <a:r>
-                  <a:rPr lang="en-US" dirty="0" smtClean="0"/>
+                  <a:rPr lang="en-US" sz="2400" b="1" dirty="0" smtClean="0">
+                    <a:solidFill>
+                      <a:srgbClr val="FF0000"/>
+                    </a:solidFill>
+                  </a:rPr>
                   <a:t>Data uploaded (x</a:t>
                 </a:r>
                 <a:r>
-                  <a:rPr lang="en-US" baseline="-25000" dirty="0" smtClean="0"/>
+                  <a:rPr lang="en-US" sz="2400" b="1" baseline="-25000" dirty="0" smtClean="0">
+                    <a:solidFill>
+                      <a:srgbClr val="FF0000"/>
+                    </a:solidFill>
+                  </a:rPr>
                   <a:t>1</a:t>
                 </a:r>
                 <a:r>
-                  <a:rPr lang="en-US" dirty="0" smtClean="0"/>
+                  <a:rPr lang="en-US" sz="2400" b="1" dirty="0" smtClean="0">
+                    <a:solidFill>
+                      <a:srgbClr val="FF0000"/>
+                    </a:solidFill>
+                  </a:rPr>
                   <a:t>,y</a:t>
                 </a:r>
                 <a:r>
-                  <a:rPr lang="en-US" baseline="-25000" dirty="0" smtClean="0"/>
+                  <a:rPr lang="en-US" sz="2400" b="1" baseline="-25000" dirty="0" smtClean="0">
+                    <a:solidFill>
+                      <a:srgbClr val="FF0000"/>
+                    </a:solidFill>
+                  </a:rPr>
                   <a:t>1</a:t>
                 </a:r>
                 <a:r>
-                  <a:rPr lang="en-US" dirty="0" smtClean="0"/>
-                  <a:t>,v,</a:t>
-                </a:r>
-                <a:r>
-                  <a:rPr lang="en-US" b="1" dirty="0" smtClean="0"/>
-                  <a:t> </a:t>
+                  <a:rPr lang="en-US" sz="2400" b="1" dirty="0" smtClean="0">
+                    <a:solidFill>
+                      <a:srgbClr val="FF0000"/>
+                    </a:solidFill>
+                  </a:rPr>
+                  <a:t>,v, </a:t>
                 </a:r>
                 <a14:m>
                   <m:oMath xmlns:m="http://schemas.openxmlformats.org/officeDocument/2006/math">
                     <m:sSub>
                       <m:sSubPr>
                         <m:ctrlPr>
-                          <a:rPr lang="en-US" i="1" smtClean="0">
+                          <a:rPr lang="en-US" sz="2400" b="1" i="1" smtClean="0">
+                            <a:solidFill>
+                              <a:srgbClr val="FF0000"/>
+                            </a:solidFill>
                             <a:latin typeface="Cambria Math" charset="0"/>
                           </a:rPr>
                         </m:ctrlPr>
                       </m:sSubPr>
                       <m:e>
                         <m:r>
-                          <a:rPr lang="en-US" b="0" i="1" smtClean="0">
+                          <a:rPr lang="en-US" sz="2400" b="1" i="1" smtClean="0">
+                            <a:solidFill>
+                              <a:srgbClr val="FF0000"/>
+                            </a:solidFill>
                             <a:latin typeface="Cambria Math" charset="0"/>
                           </a:rPr>
-                          <m:t>𝑡</m:t>
+                          <m:t>𝒕</m:t>
                         </m:r>
                       </m:e>
                       <m:sub>
                         <m:r>
-                          <a:rPr lang="en-US" b="0" i="1" smtClean="0">
+                          <a:rPr lang="en-US" sz="2400" b="1" i="1" smtClean="0">
+                            <a:solidFill>
+                              <a:srgbClr val="FF0000"/>
+                            </a:solidFill>
                             <a:latin typeface="Cambria Math" charset="0"/>
                           </a:rPr>
-                          <m:t>0</m:t>
+                          <m:t>𝟎</m:t>
                         </m:r>
                       </m:sub>
                     </m:sSub>
                   </m:oMath>
                 </a14:m>
                 <a:r>
-                  <a:rPr lang="en-US" dirty="0" smtClean="0"/>
+                  <a:rPr lang="en-US" sz="2400" b="1" dirty="0" smtClean="0">
+                    <a:solidFill>
+                      <a:srgbClr val="FF0000"/>
+                    </a:solidFill>
+                  </a:rPr>
                   <a:t>) with the Data Source (id1) ?</a:t>
                 </a:r>
-                <a:endParaRPr lang="en-US" dirty="0" smtClean="0"/>
+                <a:endParaRPr lang="en-US" sz="2400" b="1" dirty="0" smtClean="0">
+                  <a:solidFill>
+                    <a:srgbClr val="FF0000"/>
+                  </a:solidFill>
+                </a:endParaRPr>
               </a:p>
               <a:p>
                 <a:pPr marL="285750" indent="-285750">
@@ -6407,7 +7170,7 @@
             <p:spPr>
               <a:xfrm>
                 <a:off x="139929" y="1727378"/>
-                <a:ext cx="4592100" cy="2031325"/>
+                <a:ext cx="4592100" cy="2585323"/>
               </a:xfrm>
               <a:prstGeom prst="rect">
                 <a:avLst/>
@@ -6415,7 +7178,7 @@
               <a:blipFill rotWithShape="0">
                 <a:blip r:embed="rId4"/>
                 <a:stretch>
-                  <a:fillRect l="-795" t="-1190"/>
+                  <a:fillRect l="-1722" t="-1643" r="-2119"/>
                 </a:stretch>
               </a:blipFill>
             </p:spPr>
@@ -6454,7 +7217,7 @@
 </p:sld>
 </file>
 
-<file path=ppt/slides/slide12.xml><?xml version="1.0" encoding="utf-8"?>
+<file path=ppt/slides/slide15.xml><?xml version="1.0" encoding="utf-8"?>
 <p:sld xmlns:a="http://schemas.openxmlformats.org/drawingml/2006/main" xmlns:r="http://schemas.openxmlformats.org/officeDocument/2006/relationships" xmlns:p="http://schemas.openxmlformats.org/presentationml/2006/main">
   <p:cSld>
     <p:spTree>
@@ -8324,249 +9087,124 @@
           </a:p>
         </p:txBody>
       </p:sp>
-      <mc:AlternateContent xmlns:mc="http://schemas.openxmlformats.org/markup-compatibility/2006">
-        <mc:Choice xmlns:a14="http://schemas.microsoft.com/office/drawing/2010/main" Requires="a14">
-          <p:sp>
-            <p:nvSpPr>
-              <p:cNvPr id="33" name="TextBox 32"/>
-              <p:cNvSpPr txBox="1"/>
-              <p:nvPr/>
-            </p:nvSpPr>
-            <p:spPr>
-              <a:xfrm>
-                <a:off x="222930" y="1077520"/>
-                <a:ext cx="4623094" cy="4801314"/>
-              </a:xfrm>
-              <a:prstGeom prst="rect">
-                <a:avLst/>
-              </a:prstGeom>
-            </p:spPr>
-            <p:style>
-              <a:lnRef idx="2">
-                <a:schemeClr val="dk1"/>
-              </a:lnRef>
-              <a:fillRef idx="1">
-                <a:schemeClr val="lt1"/>
-              </a:fillRef>
-              <a:effectRef idx="0">
-                <a:schemeClr val="dk1"/>
-              </a:effectRef>
-              <a:fontRef idx="minor">
-                <a:schemeClr val="dk1"/>
-              </a:fontRef>
-            </p:style>
-            <p:txBody>
-              <a:bodyPr wrap="square" rtlCol="0">
-                <a:spAutoFit/>
-              </a:bodyPr>
-              <a:lstStyle/>
-              <a:p>
-                <a:pPr marL="285750" indent="-285750">
-                  <a:buFont typeface="Arial" charset="0"/>
-                  <a:buChar char="•"/>
-                </a:pPr>
-                <a:r>
-                  <a:rPr lang="en-US" dirty="0" smtClean="0"/>
-                  <a:t>In this approach the Data Source and Data Uploader are not same.</a:t>
-                </a:r>
-              </a:p>
-              <a:p>
-                <a:pPr marL="285750" indent="-285750">
-                  <a:buFont typeface="Arial" charset="0"/>
-                  <a:buChar char="•"/>
-                </a:pPr>
-                <a:r>
-                  <a:rPr lang="en-US" dirty="0" smtClean="0"/>
-                  <a:t>Id1-&gt;Id3-&gt;Id2-&gt;Data Collector</a:t>
-                </a:r>
-              </a:p>
-              <a:p>
-                <a:pPr marL="285750" indent="-285750">
-                  <a:buFont typeface="Arial" charset="0"/>
-                  <a:buChar char="•"/>
-                </a:pPr>
-                <a:r>
-                  <a:rPr lang="en-US" dirty="0" smtClean="0"/>
-                  <a:t>Can the Server still correlate the </a:t>
-                </a:r>
-                <a:r>
-                  <a:rPr lang="en-US" dirty="0" smtClean="0"/>
-                  <a:t>Data uploaded (x</a:t>
-                </a:r>
-                <a:r>
-                  <a:rPr lang="en-US" baseline="-25000" dirty="0" smtClean="0"/>
-                  <a:t>1</a:t>
-                </a:r>
-                <a:r>
-                  <a:rPr lang="en-US" dirty="0" smtClean="0"/>
-                  <a:t>,y</a:t>
-                </a:r>
-                <a:r>
-                  <a:rPr lang="en-US" baseline="-25000" dirty="0" smtClean="0"/>
-                  <a:t>1</a:t>
-                </a:r>
-                <a:r>
-                  <a:rPr lang="en-US" dirty="0" smtClean="0"/>
-                  <a:t>,v,</a:t>
-                </a:r>
-                <a:r>
-                  <a:rPr lang="en-US" b="1" dirty="0" smtClean="0"/>
-                  <a:t> </a:t>
-                </a:r>
-                <a14:m>
-                  <m:oMath xmlns:m="http://schemas.openxmlformats.org/officeDocument/2006/math">
-                    <m:sSub>
-                      <m:sSubPr>
-                        <m:ctrlPr>
-                          <a:rPr lang="en-US" i="1" smtClean="0">
-                            <a:latin typeface="Cambria Math" charset="0"/>
-                          </a:rPr>
-                        </m:ctrlPr>
-                      </m:sSubPr>
-                      <m:e>
-                        <m:r>
-                          <a:rPr lang="en-US" b="0" i="1" smtClean="0">
-                            <a:latin typeface="Cambria Math" charset="0"/>
-                          </a:rPr>
-                          <m:t>𝑡</m:t>
-                        </m:r>
-                      </m:e>
-                      <m:sub>
-                        <m:r>
-                          <a:rPr lang="en-US" b="0" i="1" smtClean="0">
-                            <a:latin typeface="Cambria Math" charset="0"/>
-                          </a:rPr>
-                          <m:t>0</m:t>
-                        </m:r>
-                      </m:sub>
-                    </m:sSub>
-                  </m:oMath>
-                </a14:m>
-                <a:r>
-                  <a:rPr lang="en-US" dirty="0" smtClean="0"/>
-                  <a:t>) with the Data Source (id1) ?</a:t>
-                </a:r>
-              </a:p>
-              <a:p>
-                <a:pPr marL="285750" indent="-285750">
-                  <a:buFont typeface="Arial" charset="0"/>
-                  <a:buChar char="•"/>
-                </a:pPr>
-                <a:r>
-                  <a:rPr lang="en-US" dirty="0" smtClean="0"/>
-                  <a:t>YES</a:t>
-                </a:r>
-              </a:p>
-              <a:p>
-                <a:pPr marL="285750" indent="-285750">
-                  <a:buFont typeface="Arial" charset="0"/>
-                  <a:buChar char="•"/>
-                </a:pPr>
-                <a:r>
-                  <a:rPr lang="en-US" dirty="0" smtClean="0"/>
-                  <a:t>The time taken to transmit the data from one node to other is only 100 </a:t>
-                </a:r>
-                <a:r>
-                  <a:rPr lang="en-US" dirty="0" err="1" smtClean="0"/>
-                  <a:t>ms</a:t>
-                </a:r>
-                <a:endParaRPr lang="en-US" dirty="0" smtClean="0"/>
-              </a:p>
-              <a:p>
-                <a:pPr marL="285750" indent="-285750">
-                  <a:buFont typeface="Arial" charset="0"/>
-                  <a:buChar char="•"/>
-                </a:pPr>
-                <a:r>
-                  <a:rPr lang="en-US" dirty="0" smtClean="0"/>
-                  <a:t>The total delay after which data is uploaded is 300 </a:t>
-                </a:r>
-                <a:r>
-                  <a:rPr lang="en-US" dirty="0" err="1" smtClean="0"/>
-                  <a:t>ms</a:t>
-                </a:r>
-                <a:r>
-                  <a:rPr lang="en-US" dirty="0" smtClean="0"/>
-                  <a:t> </a:t>
-                </a:r>
-              </a:p>
-              <a:p>
-                <a:pPr marL="285750" indent="-285750">
-                  <a:buFont typeface="Arial" charset="0"/>
-                  <a:buChar char="•"/>
-                </a:pPr>
-                <a:r>
-                  <a:rPr lang="en-US" dirty="0" smtClean="0"/>
-                  <a:t>In 300 </a:t>
-                </a:r>
-                <a:r>
-                  <a:rPr lang="en-US" dirty="0" err="1" smtClean="0"/>
-                  <a:t>ms</a:t>
-                </a:r>
-                <a:r>
-                  <a:rPr lang="en-US" dirty="0" smtClean="0"/>
-                  <a:t> the distance traveled by Id1 is very less  (5.36 meters if traveling at 40 mph)</a:t>
-                </a:r>
-              </a:p>
-              <a:p>
-                <a:pPr marL="285750" indent="-285750">
-                  <a:buFont typeface="Arial" charset="0"/>
-                  <a:buChar char="•"/>
-                </a:pPr>
-                <a:r>
-                  <a:rPr lang="en-US" dirty="0" smtClean="0"/>
-                  <a:t> Thus the server  has an idea of new location of the Data Source.</a:t>
-                </a:r>
-              </a:p>
-              <a:p>
-                <a:pPr marL="285750" indent="-285750">
-                  <a:buFont typeface="Arial" charset="0"/>
-                  <a:buChar char="•"/>
-                </a:pPr>
-                <a:endParaRPr lang="en-US" dirty="0"/>
-              </a:p>
-            </p:txBody>
-          </p:sp>
-        </mc:Choice>
-        <mc:Fallback>
-          <p:sp>
-            <p:nvSpPr>
-              <p:cNvPr id="33" name="TextBox 32"/>
-              <p:cNvSpPr txBox="1">
-                <a:spLocks noRot="1" noChangeAspect="1" noMove="1" noResize="1" noEditPoints="1" noAdjustHandles="1" noChangeArrowheads="1" noChangeShapeType="1" noTextEdit="1"/>
-              </p:cNvSpPr>
-              <p:nvPr/>
-            </p:nvSpPr>
-            <p:spPr>
-              <a:xfrm>
-                <a:off x="222930" y="1077520"/>
-                <a:ext cx="4623094" cy="4801314"/>
-              </a:xfrm>
-              <a:prstGeom prst="rect">
-                <a:avLst/>
-              </a:prstGeom>
-              <a:blipFill rotWithShape="0">
-                <a:blip r:embed="rId4"/>
-                <a:stretch>
-                  <a:fillRect l="-789" t="-634" r="-1711"/>
-                </a:stretch>
-              </a:blipFill>
-            </p:spPr>
-            <p:txBody>
-              <a:bodyPr/>
-              <a:lstStyle/>
-              <a:p>
-                <a:r>
-                  <a:rPr lang="en-US">
-                    <a:noFill/>
-                  </a:rPr>
-                  <a:t> </a:t>
-                </a:r>
-              </a:p>
-            </p:txBody>
-          </p:sp>
-        </mc:Fallback>
-      </mc:AlternateContent>
+      <p:sp>
+        <p:nvSpPr>
+          <p:cNvPr id="33" name="TextBox 32"/>
+          <p:cNvSpPr txBox="1"/>
+          <p:nvPr/>
+        </p:nvSpPr>
+        <p:spPr>
+          <a:xfrm>
+            <a:off x="222930" y="1077520"/>
+            <a:ext cx="4623094" cy="3816429"/>
+          </a:xfrm>
+          <a:prstGeom prst="rect">
+            <a:avLst/>
+          </a:prstGeom>
+        </p:spPr>
+        <p:style>
+          <a:lnRef idx="2">
+            <a:schemeClr val="dk1"/>
+          </a:lnRef>
+          <a:fillRef idx="1">
+            <a:schemeClr val="lt1"/>
+          </a:fillRef>
+          <a:effectRef idx="0">
+            <a:schemeClr val="dk1"/>
+          </a:effectRef>
+          <a:fontRef idx="minor">
+            <a:schemeClr val="dk1"/>
+          </a:fontRef>
+        </p:style>
+        <p:txBody>
+          <a:bodyPr wrap="square" rtlCol="0">
+            <a:spAutoFit/>
+          </a:bodyPr>
+          <a:lstStyle/>
+          <a:p>
+            <a:pPr marL="285750" indent="-285750">
+              <a:buFont typeface="Arial" charset="0"/>
+              <a:buChar char="•"/>
+            </a:pPr>
+            <a:r>
+              <a:rPr lang="en-US" sz="4400" b="1" dirty="0" smtClean="0">
+                <a:solidFill>
+                  <a:srgbClr val="FF0000"/>
+                </a:solidFill>
+              </a:rPr>
+              <a:t>YES</a:t>
+            </a:r>
+          </a:p>
+          <a:p>
+            <a:pPr marL="285750" indent="-285750">
+              <a:buFont typeface="Arial" charset="0"/>
+              <a:buChar char="•"/>
+            </a:pPr>
+            <a:r>
+              <a:rPr lang="en-US" sz="2000" dirty="0" smtClean="0"/>
+              <a:t>The time taken to transmit the data from one node to other is only 100 </a:t>
+            </a:r>
+            <a:r>
+              <a:rPr lang="en-US" sz="2000" dirty="0" err="1" smtClean="0"/>
+              <a:t>ms</a:t>
+            </a:r>
+            <a:endParaRPr lang="en-US" sz="2000" dirty="0" smtClean="0"/>
+          </a:p>
+          <a:p>
+            <a:pPr marL="285750" indent="-285750">
+              <a:buFont typeface="Arial" charset="0"/>
+              <a:buChar char="•"/>
+            </a:pPr>
+            <a:r>
+              <a:rPr lang="en-US" sz="2000" dirty="0" smtClean="0"/>
+              <a:t>The total delay after which data is uploaded is 300 </a:t>
+            </a:r>
+            <a:r>
+              <a:rPr lang="en-US" sz="2000" dirty="0" err="1" smtClean="0"/>
+              <a:t>ms</a:t>
+            </a:r>
+            <a:r>
+              <a:rPr lang="en-US" sz="2000" dirty="0" smtClean="0"/>
+              <a:t> </a:t>
+            </a:r>
+          </a:p>
+          <a:p>
+            <a:pPr marL="285750" indent="-285750">
+              <a:buFont typeface="Arial" charset="0"/>
+              <a:buChar char="•"/>
+            </a:pPr>
+            <a:r>
+              <a:rPr lang="en-US" sz="2000" dirty="0" smtClean="0"/>
+              <a:t>In 300 </a:t>
+            </a:r>
+            <a:r>
+              <a:rPr lang="en-US" sz="2000" dirty="0" err="1" smtClean="0"/>
+              <a:t>ms</a:t>
+            </a:r>
+            <a:r>
+              <a:rPr lang="en-US" sz="2000" dirty="0" smtClean="0"/>
+              <a:t> the distance traveled by Id1 is very less  (5.36 meters if traveling at 40 mph)</a:t>
+            </a:r>
+          </a:p>
+          <a:p>
+            <a:pPr marL="285750" indent="-285750">
+              <a:buFont typeface="Arial" charset="0"/>
+              <a:buChar char="•"/>
+            </a:pPr>
+            <a:r>
+              <a:rPr lang="en-US" sz="2000" dirty="0" smtClean="0"/>
+              <a:t> Thus the server  has an idea of new location of the Data Source.</a:t>
+            </a:r>
+          </a:p>
+          <a:p>
+            <a:pPr marL="285750" indent="-285750">
+              <a:buFont typeface="Arial" charset="0"/>
+              <a:buChar char="•"/>
+            </a:pPr>
+            <a:endParaRPr lang="en-US" dirty="0"/>
+          </a:p>
+        </p:txBody>
+      </p:sp>
     </p:spTree>
     <p:extLst>
       <p:ext uri="{BB962C8B-B14F-4D97-AF65-F5344CB8AC3E}">
@@ -8587,7 +9225,7 @@
 </p:sld>
 </file>
 
-<file path=ppt/slides/slide13.xml><?xml version="1.0" encoding="utf-8"?>
+<file path=ppt/slides/slide16.xml><?xml version="1.0" encoding="utf-8"?>
 <p:sld xmlns:a="http://schemas.openxmlformats.org/drawingml/2006/main" xmlns:r="http://schemas.openxmlformats.org/officeDocument/2006/relationships" xmlns:p="http://schemas.openxmlformats.org/presentationml/2006/main">
   <p:cSld>
     <p:spTree>
@@ -8616,8 +9254,8 @@
         </p:nvSpPr>
         <p:spPr>
           <a:xfrm>
-            <a:off x="1099457" y="2291897"/>
-            <a:ext cx="10515600" cy="1325563"/>
+            <a:off x="3214695" y="2306185"/>
+            <a:ext cx="6857995" cy="1325563"/>
           </a:xfrm>
         </p:spPr>
         <p:txBody>
@@ -8625,10 +9263,18 @@
           <a:lstStyle/>
           <a:p>
             <a:r>
-              <a:rPr lang="en-US" dirty="0" smtClean="0"/>
+              <a:rPr lang="en-US" b="1" dirty="0" smtClean="0">
+                <a:solidFill>
+                  <a:srgbClr val="FF0000"/>
+                </a:solidFill>
+              </a:rPr>
               <a:t>Can we do better ?</a:t>
             </a:r>
-            <a:endParaRPr lang="en-US" dirty="0"/>
+            <a:endParaRPr lang="en-US" b="1" dirty="0">
+              <a:solidFill>
+                <a:srgbClr val="FF0000"/>
+              </a:solidFill>
+            </a:endParaRPr>
           </a:p>
         </p:txBody>
       </p:sp>
@@ -8652,7 +9298,7 @@
 </p:sld>
 </file>
 
-<file path=ppt/slides/slide14.xml><?xml version="1.0" encoding="utf-8"?>
+<file path=ppt/slides/slide17.xml><?xml version="1.0" encoding="utf-8"?>
 <p:sld xmlns:a="http://schemas.openxmlformats.org/drawingml/2006/main" xmlns:r="http://schemas.openxmlformats.org/officeDocument/2006/relationships" xmlns:p="http://schemas.openxmlformats.org/presentationml/2006/main">
   <p:cSld>
     <p:spTree>
@@ -8681,6 +9327,190 @@
         </p:nvSpPr>
         <p:spPr>
           <a:xfrm>
+            <a:off x="280988" y="122238"/>
+            <a:ext cx="10515600" cy="992187"/>
+          </a:xfrm>
+        </p:spPr>
+        <p:txBody>
+          <a:bodyPr/>
+          <a:lstStyle/>
+          <a:p>
+            <a:r>
+              <a:rPr lang="en-US" b="1" dirty="0" smtClean="0">
+                <a:solidFill>
+                  <a:srgbClr val="FF0000"/>
+                </a:solidFill>
+              </a:rPr>
+              <a:t>Random Delays</a:t>
+            </a:r>
+            <a:endParaRPr lang="en-US" b="1" dirty="0">
+              <a:solidFill>
+                <a:srgbClr val="FF0000"/>
+              </a:solidFill>
+            </a:endParaRPr>
+          </a:p>
+        </p:txBody>
+      </p:sp>
+      <p:sp>
+        <p:nvSpPr>
+          <p:cNvPr id="3" name="Content Placeholder 2"/>
+          <p:cNvSpPr>
+            <a:spLocks noGrp="1"/>
+          </p:cNvSpPr>
+          <p:nvPr>
+            <p:ph idx="1"/>
+          </p:nvPr>
+        </p:nvSpPr>
+        <p:spPr>
+          <a:xfrm>
+            <a:off x="523875" y="1225549"/>
+            <a:ext cx="11120438" cy="5275263"/>
+          </a:xfrm>
+        </p:spPr>
+        <p:txBody>
+          <a:bodyPr/>
+          <a:lstStyle/>
+          <a:p>
+            <a:r>
+              <a:rPr lang="en-US" dirty="0"/>
+              <a:t>Random Delays are used to introduce temporal variations. </a:t>
+            </a:r>
+            <a:endParaRPr lang="en-US" dirty="0" smtClean="0"/>
+          </a:p>
+          <a:p>
+            <a:r>
+              <a:rPr lang="en-US" dirty="0"/>
+              <a:t>N</a:t>
+            </a:r>
+            <a:r>
+              <a:rPr lang="en-US" dirty="0" smtClean="0"/>
+              <a:t>ot </a:t>
+            </a:r>
+            <a:r>
+              <a:rPr lang="en-US" dirty="0"/>
+              <a:t>to send the data directly to the other node rather </a:t>
+            </a:r>
+            <a:r>
+              <a:rPr lang="en-US" b="1" dirty="0">
+                <a:solidFill>
+                  <a:srgbClr val="FF0000"/>
+                </a:solidFill>
+              </a:rPr>
+              <a:t>introduce some delay before sending</a:t>
+            </a:r>
+            <a:r>
+              <a:rPr lang="en-US" dirty="0"/>
+              <a:t>. </a:t>
+            </a:r>
+            <a:endParaRPr lang="en-US" dirty="0" smtClean="0"/>
+          </a:p>
+          <a:p>
+            <a:r>
+              <a:rPr lang="en-US" dirty="0" smtClean="0"/>
+              <a:t>For </a:t>
+            </a:r>
+            <a:r>
+              <a:rPr lang="en-US" dirty="0"/>
+              <a:t>each message hop this delay would be chosen between 1 to ‘x’ seconds. </a:t>
+            </a:r>
+            <a:endParaRPr lang="en-US" dirty="0" smtClean="0"/>
+          </a:p>
+          <a:p>
+            <a:r>
+              <a:rPr lang="en-US" dirty="0" smtClean="0"/>
+              <a:t>When the </a:t>
+            </a:r>
+            <a:r>
+              <a:rPr lang="en-US" dirty="0"/>
+              <a:t>data reaches the server after some time say ‘t’, the original </a:t>
+            </a:r>
+            <a:r>
+              <a:rPr lang="en-US" b="1" dirty="0">
+                <a:solidFill>
+                  <a:srgbClr val="FF0000"/>
+                </a:solidFill>
+              </a:rPr>
+              <a:t>data collector could have traveled away from its original position</a:t>
+            </a:r>
+            <a:r>
+              <a:rPr lang="en-US" dirty="0"/>
+              <a:t> in any direction and the data would be uploaded by some other node. </a:t>
+            </a:r>
+            <a:endParaRPr lang="en-US" dirty="0" smtClean="0"/>
+          </a:p>
+          <a:p>
+            <a:r>
+              <a:rPr lang="en-US" dirty="0" smtClean="0"/>
+              <a:t>Thus </a:t>
+            </a:r>
+            <a:r>
+              <a:rPr lang="en-US" dirty="0"/>
+              <a:t>the adversary has </a:t>
+            </a:r>
+            <a:r>
+              <a:rPr lang="en-US" b="1" dirty="0">
+                <a:solidFill>
+                  <a:srgbClr val="FF0000"/>
+                </a:solidFill>
+              </a:rPr>
+              <a:t>no idea who the original data collector </a:t>
+            </a:r>
+            <a:r>
+              <a:rPr lang="en-US" dirty="0"/>
+              <a:t>is. </a:t>
+            </a:r>
+          </a:p>
+        </p:txBody>
+      </p:sp>
+    </p:spTree>
+    <p:extLst>
+      <p:ext uri="{BB962C8B-B14F-4D97-AF65-F5344CB8AC3E}">
+        <p14:creationId xmlns:p14="http://schemas.microsoft.com/office/powerpoint/2010/main" val="451997982"/>
+      </p:ext>
+    </p:extLst>
+  </p:cSld>
+  <p:clrMapOvr>
+    <a:masterClrMapping/>
+  </p:clrMapOvr>
+  <p:timing>
+    <p:tnLst>
+      <p:par>
+        <p:cTn id="1" dur="indefinite" restart="never" nodeType="tmRoot"/>
+      </p:par>
+    </p:tnLst>
+  </p:timing>
+</p:sld>
+</file>
+
+<file path=ppt/slides/slide18.xml><?xml version="1.0" encoding="utf-8"?>
+<p:sld xmlns:a="http://schemas.openxmlformats.org/drawingml/2006/main" xmlns:r="http://schemas.openxmlformats.org/officeDocument/2006/relationships" xmlns:p="http://schemas.openxmlformats.org/presentationml/2006/main">
+  <p:cSld>
+    <p:spTree>
+      <p:nvGrpSpPr>
+        <p:cNvPr id="1" name=""/>
+        <p:cNvGrpSpPr/>
+        <p:nvPr/>
+      </p:nvGrpSpPr>
+      <p:grpSpPr>
+        <a:xfrm>
+          <a:off x="0" y="0"/>
+          <a:ext cx="0" cy="0"/>
+          <a:chOff x="0" y="0"/>
+          <a:chExt cx="0" cy="0"/>
+        </a:xfrm>
+      </p:grpSpPr>
+      <p:sp>
+        <p:nvSpPr>
+          <p:cNvPr id="2" name="Title 1"/>
+          <p:cNvSpPr>
+            <a:spLocks noGrp="1"/>
+          </p:cNvSpPr>
+          <p:nvPr>
+            <p:ph type="title"/>
+          </p:nvPr>
+        </p:nvSpPr>
+        <p:spPr>
+          <a:xfrm>
             <a:off x="61424" y="16275"/>
             <a:ext cx="10212982" cy="859699"/>
           </a:xfrm>
@@ -8692,18 +9522,18 @@
           <a:lstStyle/>
           <a:p>
             <a:r>
-              <a:rPr lang="en-US" dirty="0" smtClean="0"/>
+              <a:rPr lang="en-US" b="1" dirty="0" smtClean="0"/>
               <a:t>Introducing Random </a:t>
             </a:r>
             <a:r>
-              <a:rPr lang="en-US" dirty="0"/>
+              <a:rPr lang="en-US" b="1" dirty="0"/>
               <a:t>D</a:t>
             </a:r>
             <a:r>
-              <a:rPr lang="en-US" dirty="0" smtClean="0"/>
+              <a:rPr lang="en-US" b="1" dirty="0" smtClean="0"/>
               <a:t>elays</a:t>
             </a:r>
-            <a:endParaRPr lang="en-US" dirty="0"/>
+            <a:endParaRPr lang="en-US" b="1" dirty="0"/>
           </a:p>
         </p:txBody>
       </p:sp>
@@ -10371,7 +11201,7 @@
         <p:spPr>
           <a:xfrm>
             <a:off x="100826" y="875973"/>
-            <a:ext cx="4591864" cy="5546597"/>
+            <a:ext cx="4591864" cy="6001643"/>
           </a:xfrm>
           <a:prstGeom prst="rect">
             <a:avLst/>
@@ -10402,7 +11232,7 @@
               <a:buChar char="•"/>
             </a:pPr>
             <a:r>
-              <a:rPr lang="en-US" dirty="0" smtClean="0"/>
+              <a:rPr lang="en-US" sz="1900" dirty="0" smtClean="0"/>
               <a:t>In this approach the Data Source and Data Uploader are not same.</a:t>
             </a:r>
           </a:p>
@@ -10412,7 +11242,7 @@
               <a:buChar char="•"/>
             </a:pPr>
             <a:r>
-              <a:rPr lang="en-US" dirty="0" smtClean="0"/>
+              <a:rPr lang="en-US" sz="1900" dirty="0" smtClean="0"/>
               <a:t>Id1-&gt;Id3-&gt;Id2-&gt;Data Collector</a:t>
             </a:r>
           </a:p>
@@ -10422,7 +11252,7 @@
               <a:buChar char="•"/>
             </a:pPr>
             <a:r>
-              <a:rPr lang="en-US" dirty="0" smtClean="0"/>
+              <a:rPr lang="en-US" sz="1900" dirty="0" smtClean="0"/>
               <a:t>Before each transmission a Random Delay is being added</a:t>
             </a:r>
           </a:p>
@@ -10432,27 +11262,51 @@
               <a:buChar char="•"/>
             </a:pPr>
             <a:r>
-              <a:rPr lang="en-US" dirty="0" smtClean="0"/>
+              <a:rPr lang="en-US" sz="1900" b="1" dirty="0" smtClean="0">
+                <a:solidFill>
+                  <a:srgbClr val="FF0000"/>
+                </a:solidFill>
+              </a:rPr>
               <a:t>Can the Server still correlate the </a:t>
             </a:r>
             <a:r>
-              <a:rPr lang="en-US" dirty="0" smtClean="0"/>
+              <a:rPr lang="en-US" sz="1900" b="1" dirty="0" smtClean="0">
+                <a:solidFill>
+                  <a:srgbClr val="FF0000"/>
+                </a:solidFill>
+              </a:rPr>
               <a:t>Data uploaded (x</a:t>
             </a:r>
             <a:r>
-              <a:rPr lang="en-US" baseline="-25000" dirty="0" smtClean="0"/>
+              <a:rPr lang="en-US" sz="1900" b="1" baseline="-25000" dirty="0" smtClean="0">
+                <a:solidFill>
+                  <a:srgbClr val="FF0000"/>
+                </a:solidFill>
+              </a:rPr>
               <a:t>1</a:t>
             </a:r>
             <a:r>
-              <a:rPr lang="en-US" dirty="0" smtClean="0"/>
+              <a:rPr lang="en-US" sz="1900" b="1" dirty="0" smtClean="0">
+                <a:solidFill>
+                  <a:srgbClr val="FF0000"/>
+                </a:solidFill>
+              </a:rPr>
               <a:t>,y</a:t>
             </a:r>
             <a:r>
-              <a:rPr lang="en-US" baseline="-25000" dirty="0" smtClean="0"/>
+              <a:rPr lang="en-US" sz="1900" b="1" baseline="-25000" dirty="0" smtClean="0">
+                <a:solidFill>
+                  <a:srgbClr val="FF0000"/>
+                </a:solidFill>
+              </a:rPr>
               <a:t>1</a:t>
             </a:r>
             <a:r>
-              <a:rPr lang="en-US" dirty="0" smtClean="0"/>
+              <a:rPr lang="en-US" sz="1900" b="1" dirty="0" smtClean="0">
+                <a:solidFill>
+                  <a:srgbClr val="FF0000"/>
+                </a:solidFill>
+              </a:rPr>
               <a:t>,v,t) with the Data Source (id1) ?</a:t>
             </a:r>
           </a:p>
@@ -10462,7 +11316,11 @@
               <a:buChar char="•"/>
             </a:pPr>
             <a:r>
-              <a:rPr lang="en-US" dirty="0" smtClean="0"/>
+              <a:rPr lang="en-US" sz="2400" b="1" dirty="0" smtClean="0">
+                <a:solidFill>
+                  <a:srgbClr val="FF0000"/>
+                </a:solidFill>
+              </a:rPr>
               <a:t>NO</a:t>
             </a:r>
           </a:p>
@@ -10472,14 +11330,14 @@
               <a:buChar char="•"/>
             </a:pPr>
             <a:r>
-              <a:rPr lang="en-US" dirty="0" smtClean="0"/>
+              <a:rPr lang="en-US" sz="1900" dirty="0" smtClean="0"/>
               <a:t>The time taken to transmit the data from one node to other is only 100 </a:t>
             </a:r>
             <a:r>
-              <a:rPr lang="en-US" dirty="0" err="1" smtClean="0"/>
+              <a:rPr lang="en-US" sz="1900" dirty="0" err="1" smtClean="0"/>
               <a:t>ms</a:t>
             </a:r>
-            <a:endParaRPr lang="en-US" dirty="0" smtClean="0"/>
+            <a:endParaRPr lang="en-US" sz="1900" dirty="0" smtClean="0"/>
           </a:p>
           <a:p>
             <a:pPr marL="285750" indent="-285750">
@@ -10487,15 +11345,15 @@
               <a:buChar char="•"/>
             </a:pPr>
             <a:r>
-              <a:rPr lang="en-US" dirty="0" smtClean="0"/>
+              <a:rPr lang="en-US" sz="1900" dirty="0" smtClean="0"/>
               <a:t>The total delay after which data is uploaded is 300 </a:t>
             </a:r>
             <a:r>
-              <a:rPr lang="en-US" dirty="0" err="1" smtClean="0"/>
+              <a:rPr lang="en-US" sz="1900" dirty="0" err="1" smtClean="0"/>
               <a:t>ms</a:t>
             </a:r>
             <a:r>
-              <a:rPr lang="en-US" dirty="0" smtClean="0"/>
+              <a:rPr lang="en-US" sz="1900" dirty="0" smtClean="0"/>
               <a:t>  + Random Delays </a:t>
             </a:r>
           </a:p>
@@ -10505,11 +11363,11 @@
               <a:buChar char="•"/>
             </a:pPr>
             <a:r>
-              <a:rPr lang="en-US" dirty="0"/>
+              <a:rPr lang="en-US" sz="1900" dirty="0"/>
               <a:t>T</a:t>
             </a:r>
             <a:r>
-              <a:rPr lang="en-US" dirty="0" smtClean="0"/>
+              <a:rPr lang="en-US" sz="1900" dirty="0" smtClean="0"/>
               <a:t>he distance traveled by Id1 would be large.</a:t>
             </a:r>
           </a:p>
@@ -10519,7 +11377,11 @@
               <a:buChar char="•"/>
             </a:pPr>
             <a:r>
-              <a:rPr lang="en-US" dirty="0" smtClean="0"/>
+              <a:rPr lang="en-US" sz="1900" b="1" dirty="0" smtClean="0">
+                <a:solidFill>
+                  <a:srgbClr val="FF0000"/>
+                </a:solidFill>
+              </a:rPr>
               <a:t>The greater the delay the more would be the distance traveled by Id1</a:t>
             </a:r>
           </a:p>
@@ -10529,7 +11391,7 @@
               <a:buChar char="•"/>
             </a:pPr>
             <a:r>
-              <a:rPr lang="en-US" dirty="0" smtClean="0"/>
+              <a:rPr lang="en-US" sz="1900" dirty="0" smtClean="0"/>
               <a:t>Thus the server has no idea of new location of the Data Source.</a:t>
             </a:r>
           </a:p>
@@ -10562,7 +11424,7 @@
 </p:sld>
 </file>
 
-<file path=ppt/slides/slide15.xml><?xml version="1.0" encoding="utf-8"?>
+<file path=ppt/slides/slide19.xml><?xml version="1.0" encoding="utf-8"?>
 <p:sld xmlns:a="http://schemas.openxmlformats.org/drawingml/2006/main" xmlns:r="http://schemas.openxmlformats.org/officeDocument/2006/relationships" xmlns:p="http://schemas.openxmlformats.org/presentationml/2006/main">
   <p:cSld>
     <p:spTree>
@@ -10600,10 +11462,10 @@
           <a:lstStyle/>
           <a:p>
             <a:r>
-              <a:rPr lang="en-US" dirty="0" smtClean="0"/>
+              <a:rPr lang="en-US" b="1" dirty="0" smtClean="0"/>
               <a:t>Can the adversary localize the Data Uploader?</a:t>
             </a:r>
-            <a:endParaRPr lang="en-US" dirty="0"/>
+            <a:endParaRPr lang="en-US" b="1" dirty="0"/>
           </a:p>
         </p:txBody>
       </p:sp>
@@ -11328,7 +12190,7 @@
 </p:sld>
 </file>
 
-<file path=ppt/slides/slide16.xml><?xml version="1.0" encoding="utf-8"?>
+<file path=ppt/slides/slide2.xml><?xml version="1.0" encoding="utf-8"?>
 <p:sld xmlns:a="http://schemas.openxmlformats.org/drawingml/2006/main" xmlns:r="http://schemas.openxmlformats.org/officeDocument/2006/relationships" xmlns:p="http://schemas.openxmlformats.org/presentationml/2006/main">
   <p:cSld>
     <p:spTree>
@@ -11355,6 +12217,122 @@
             <p:ph type="title"/>
           </p:nvPr>
         </p:nvSpPr>
+        <p:spPr/>
+        <p:txBody>
+          <a:bodyPr/>
+          <a:lstStyle/>
+          <a:p>
+            <a:r>
+              <a:rPr lang="en-US" b="1" dirty="0" smtClean="0"/>
+              <a:t>Ease of Collecting Location </a:t>
+            </a:r>
+            <a:r>
+              <a:rPr lang="en-US" b="1" dirty="0"/>
+              <a:t>D</a:t>
+            </a:r>
+            <a:r>
+              <a:rPr lang="en-US" b="1" dirty="0" smtClean="0"/>
+              <a:t>ata</a:t>
+            </a:r>
+            <a:endParaRPr lang="en-US" b="1" dirty="0"/>
+          </a:p>
+        </p:txBody>
+      </p:sp>
+      <p:sp>
+        <p:nvSpPr>
+          <p:cNvPr id="3" name="Content Placeholder 2"/>
+          <p:cNvSpPr>
+            <a:spLocks noGrp="1"/>
+          </p:cNvSpPr>
+          <p:nvPr>
+            <p:ph idx="1"/>
+          </p:nvPr>
+        </p:nvSpPr>
+        <p:spPr/>
+        <p:txBody>
+          <a:bodyPr/>
+          <a:lstStyle/>
+          <a:p>
+            <a:r>
+              <a:rPr lang="en-US" dirty="0" smtClean="0"/>
+              <a:t>Networked </a:t>
+            </a:r>
+            <a:r>
+              <a:rPr lang="en-US" dirty="0"/>
+              <a:t>users and devices are interested in participating in distributed sensing and data </a:t>
+            </a:r>
+            <a:r>
+              <a:rPr lang="en-US" dirty="0" smtClean="0"/>
+              <a:t>collection </a:t>
+            </a:r>
+            <a:r>
+              <a:rPr lang="en-US" dirty="0"/>
+              <a:t>for the purpose of betterment of human society or for earning some monetary rewards. </a:t>
+            </a:r>
+            <a:endParaRPr lang="en-US" dirty="0" smtClean="0"/>
+          </a:p>
+          <a:p>
+            <a:r>
+              <a:rPr lang="en-US" dirty="0" smtClean="0"/>
+              <a:t>Mobile devices, sensors and now even vehicles serve as a reliable source of collecting large amounts of location data.</a:t>
+            </a:r>
+          </a:p>
+          <a:p>
+            <a:r>
+              <a:rPr lang="en-US" dirty="0" smtClean="0"/>
+              <a:t>Location data can be collected effectively with the help of these devices and can be used for societal good.</a:t>
+            </a:r>
+            <a:endParaRPr lang="en-US" dirty="0"/>
+          </a:p>
+        </p:txBody>
+      </p:sp>
+    </p:spTree>
+    <p:extLst>
+      <p:ext uri="{BB962C8B-B14F-4D97-AF65-F5344CB8AC3E}">
+        <p14:creationId xmlns:p14="http://schemas.microsoft.com/office/powerpoint/2010/main" val="589753821"/>
+      </p:ext>
+    </p:extLst>
+  </p:cSld>
+  <p:clrMapOvr>
+    <a:masterClrMapping/>
+  </p:clrMapOvr>
+  <p:timing>
+    <p:tnLst>
+      <p:par>
+        <p:cTn id="1" dur="indefinite" restart="never" nodeType="tmRoot"/>
+      </p:par>
+    </p:tnLst>
+  </p:timing>
+</p:sld>
+</file>
+
+<file path=ppt/slides/slide20.xml><?xml version="1.0" encoding="utf-8"?>
+<p:sld xmlns:a="http://schemas.openxmlformats.org/drawingml/2006/main" xmlns:r="http://schemas.openxmlformats.org/officeDocument/2006/relationships" xmlns:p="http://schemas.openxmlformats.org/presentationml/2006/main">
+  <p:cSld>
+    <p:spTree>
+      <p:nvGrpSpPr>
+        <p:cNvPr id="1" name=""/>
+        <p:cNvGrpSpPr/>
+        <p:nvPr/>
+      </p:nvGrpSpPr>
+      <p:grpSpPr>
+        <a:xfrm>
+          <a:off x="0" y="0"/>
+          <a:ext cx="0" cy="0"/>
+          <a:chOff x="0" y="0"/>
+          <a:chExt cx="0" cy="0"/>
+        </a:xfrm>
+      </p:grpSpPr>
+      <p:sp>
+        <p:nvSpPr>
+          <p:cNvPr id="2" name="Title 1"/>
+          <p:cNvSpPr>
+            <a:spLocks noGrp="1"/>
+          </p:cNvSpPr>
+          <p:nvPr>
+            <p:ph type="title"/>
+          </p:nvPr>
+        </p:nvSpPr>
         <p:spPr>
           <a:xfrm>
             <a:off x="174172" y="0"/>
@@ -11366,10 +12344,10 @@
           <a:lstStyle/>
           <a:p>
             <a:r>
-              <a:rPr lang="en-US" dirty="0" smtClean="0"/>
+              <a:rPr lang="en-US" b="1" dirty="0" smtClean="0"/>
               <a:t>Scenario at time T1</a:t>
             </a:r>
-            <a:endParaRPr lang="en-US" dirty="0"/>
+            <a:endParaRPr lang="en-US" b="1" dirty="0"/>
           </a:p>
         </p:txBody>
       </p:sp>
@@ -11681,7 +12659,7 @@
 </p:sld>
 </file>
 
-<file path=ppt/slides/slide17.xml><?xml version="1.0" encoding="utf-8"?>
+<file path=ppt/slides/slide21.xml><?xml version="1.0" encoding="utf-8"?>
 <p:sld xmlns:a="http://schemas.openxmlformats.org/drawingml/2006/main" xmlns:r="http://schemas.openxmlformats.org/officeDocument/2006/relationships" xmlns:p="http://schemas.openxmlformats.org/presentationml/2006/main">
   <p:cSld>
     <p:spTree>
@@ -11719,7 +12697,7 @@
           <a:lstStyle/>
           <a:p>
             <a:r>
-              <a:rPr lang="en-US" dirty="0" smtClean="0"/>
+              <a:rPr lang="en-US" b="1" dirty="0" smtClean="0"/>
               <a:t>After multiple uploads by the same </a:t>
             </a:r>
             <a:r>
@@ -13054,7 +14032,7 @@
 </p:sld>
 </file>
 
-<file path=ppt/slides/slide18.xml><?xml version="1.0" encoding="utf-8"?>
+<file path=ppt/slides/slide22.xml><?xml version="1.0" encoding="utf-8"?>
 <p:sld xmlns:a="http://schemas.openxmlformats.org/drawingml/2006/main" xmlns:r="http://schemas.openxmlformats.org/officeDocument/2006/relationships" xmlns:p="http://schemas.openxmlformats.org/presentationml/2006/main">
   <p:cSld>
     <p:spTree>
@@ -14385,7 +15363,7 @@
 </p:sld>
 </file>
 
-<file path=ppt/slides/slide19.xml><?xml version="1.0" encoding="utf-8"?>
+<file path=ppt/slides/slide23.xml><?xml version="1.0" encoding="utf-8"?>
 <p:sld xmlns:a="http://schemas.openxmlformats.org/drawingml/2006/main" xmlns:r="http://schemas.openxmlformats.org/officeDocument/2006/relationships" xmlns:p="http://schemas.openxmlformats.org/presentationml/2006/main">
   <p:cSld>
     <p:spTree>
@@ -14418,10 +15396,10 @@
           <a:lstStyle/>
           <a:p>
             <a:r>
-              <a:rPr lang="en-US" dirty="0" smtClean="0"/>
-              <a:t>When does privacy loss occurs?</a:t>
-            </a:r>
-            <a:endParaRPr lang="en-US" dirty="0"/>
+              <a:rPr lang="en-US" b="1" dirty="0" smtClean="0"/>
+              <a:t>When does loss of privacy occurs?</a:t>
+            </a:r>
+            <a:endParaRPr lang="en-US" b="1" dirty="0"/>
           </a:p>
         </p:txBody>
       </p:sp>
@@ -14451,8 +15429,16 @@
           </a:p>
           <a:p>
             <a:r>
+              <a:rPr lang="en-US" b="1" dirty="0" smtClean="0">
+                <a:solidFill>
+                  <a:srgbClr val="FF0000"/>
+                </a:solidFill>
+              </a:rPr>
+              <a:t>Privacy is said to be lost if the adversary comes to know at which point the uploader U was in the past</a:t>
+            </a:r>
+            <a:r>
               <a:rPr lang="en-US" dirty="0" smtClean="0"/>
-              <a:t>Privacy is said to be lost if the adversary comes to know at which point the uploader U was in the past. </a:t>
+              <a:t>. </a:t>
             </a:r>
           </a:p>
           <a:p>
@@ -14484,86 +15470,7 @@
 </p:sld>
 </file>
 
-<file path=ppt/slides/slide2.xml><?xml version="1.0" encoding="utf-8"?>
-<p:sld xmlns:a="http://schemas.openxmlformats.org/drawingml/2006/main" xmlns:r="http://schemas.openxmlformats.org/officeDocument/2006/relationships" xmlns:p="http://schemas.openxmlformats.org/presentationml/2006/main">
-  <p:cSld>
-    <p:spTree>
-      <p:nvGrpSpPr>
-        <p:cNvPr id="1" name=""/>
-        <p:cNvGrpSpPr/>
-        <p:nvPr/>
-      </p:nvGrpSpPr>
-      <p:grpSpPr>
-        <a:xfrm>
-          <a:off x="0" y="0"/>
-          <a:ext cx="0" cy="0"/>
-          <a:chOff x="0" y="0"/>
-          <a:chExt cx="0" cy="0"/>
-        </a:xfrm>
-      </p:grpSpPr>
-      <p:sp>
-        <p:nvSpPr>
-          <p:cNvPr id="2" name="Title 1"/>
-          <p:cNvSpPr>
-            <a:spLocks noGrp="1"/>
-          </p:cNvSpPr>
-          <p:nvPr>
-            <p:ph type="title"/>
-          </p:nvPr>
-        </p:nvSpPr>
-        <p:spPr/>
-        <p:txBody>
-          <a:bodyPr/>
-          <a:lstStyle/>
-          <a:p>
-            <a:r>
-              <a:rPr lang="en-US" dirty="0" smtClean="0"/>
-              <a:t>Importance of data</a:t>
-            </a:r>
-            <a:endParaRPr lang="en-US" dirty="0"/>
-          </a:p>
-        </p:txBody>
-      </p:sp>
-      <p:sp>
-        <p:nvSpPr>
-          <p:cNvPr id="3" name="Content Placeholder 2"/>
-          <p:cNvSpPr>
-            <a:spLocks noGrp="1"/>
-          </p:cNvSpPr>
-          <p:nvPr>
-            <p:ph idx="1"/>
-          </p:nvPr>
-        </p:nvSpPr>
-        <p:spPr/>
-        <p:txBody>
-          <a:bodyPr/>
-          <a:lstStyle/>
-          <a:p>
-            <a:endParaRPr lang="en-US"/>
-          </a:p>
-        </p:txBody>
-      </p:sp>
-    </p:spTree>
-    <p:extLst>
-      <p:ext uri="{BB962C8B-B14F-4D97-AF65-F5344CB8AC3E}">
-        <p14:creationId xmlns:p14="http://schemas.microsoft.com/office/powerpoint/2010/main" val="589753821"/>
-      </p:ext>
-    </p:extLst>
-  </p:cSld>
-  <p:clrMapOvr>
-    <a:masterClrMapping/>
-  </p:clrMapOvr>
-  <p:timing>
-    <p:tnLst>
-      <p:par>
-        <p:cTn id="1" dur="indefinite" restart="never" nodeType="tmRoot"/>
-      </p:par>
-    </p:tnLst>
-  </p:timing>
-</p:sld>
-</file>
-
-<file path=ppt/slides/slide20.xml><?xml version="1.0" encoding="utf-8"?>
+<file path=ppt/slides/slide24.xml><?xml version="1.0" encoding="utf-8"?>
 <p:sld xmlns:a="http://schemas.openxmlformats.org/drawingml/2006/main" xmlns:r="http://schemas.openxmlformats.org/officeDocument/2006/relationships" xmlns:p="http://schemas.openxmlformats.org/presentationml/2006/main">
   <p:cSld>
     <p:spTree>
@@ -16121,7 +17028,7 @@
 </p:sld>
 </file>
 
-<file path=ppt/slides/slide21.xml><?xml version="1.0" encoding="utf-8"?>
+<file path=ppt/slides/slide25.xml><?xml version="1.0" encoding="utf-8"?>
 <p:sld xmlns:a="http://schemas.openxmlformats.org/drawingml/2006/main" xmlns:r="http://schemas.openxmlformats.org/officeDocument/2006/relationships" xmlns:p="http://schemas.openxmlformats.org/presentationml/2006/main">
   <p:cSld>
     <p:spTree>
@@ -17670,7 +18577,7 @@
             <p:spPr>
               <a:xfrm>
                 <a:off x="7422541" y="1871662"/>
-                <a:ext cx="4636109" cy="4549900"/>
+                <a:ext cx="4636109" cy="4673011"/>
               </a:xfrm>
               <a:prstGeom prst="rect">
                 <a:avLst/>
@@ -17837,15 +18744,35 @@
                 </a:pPr>
                 <a:r>
                   <a:rPr lang="en-US" sz="2400" dirty="0" smtClean="0"/>
-                  <a:t>At some time (</a:t>
-                </a:r>
-                <a:r>
-                  <a:rPr lang="en-US" sz="2400" dirty="0" err="1" smtClean="0"/>
+                  <a:t>At some time </a:t>
+                </a:r>
+                <a:r>
+                  <a:rPr lang="en-US" sz="3200" b="1" dirty="0" smtClean="0">
+                    <a:solidFill>
+                      <a:srgbClr val="FF0000"/>
+                    </a:solidFill>
+                  </a:rPr>
+                  <a:t>(</a:t>
+                </a:r>
+                <a:r>
+                  <a:rPr lang="en-US" sz="3200" b="1" dirty="0" err="1" smtClean="0">
+                    <a:solidFill>
+                      <a:srgbClr val="FF0000"/>
+                    </a:solidFill>
+                  </a:rPr>
                   <a:t>t+m</a:t>
                 </a:r>
                 <a:r>
+                  <a:rPr lang="en-US" sz="3200" b="1" dirty="0" smtClean="0">
+                    <a:solidFill>
+                      <a:srgbClr val="FF0000"/>
+                    </a:solidFill>
+                  </a:rPr>
+                  <a:t>) </a:t>
+                </a:r>
+                <a:r>
                   <a:rPr lang="en-US" sz="2400" dirty="0" smtClean="0"/>
-                  <a:t>) the </a:t>
+                  <a:t>the </a:t>
                 </a:r>
                 <a:r>
                   <a:rPr lang="en-US" sz="2400" dirty="0" smtClean="0"/>
@@ -17888,7 +18815,7 @@
             <p:spPr>
               <a:xfrm>
                 <a:off x="7422541" y="1871662"/>
-                <a:ext cx="4636109" cy="4549900"/>
+                <a:ext cx="4636109" cy="4673011"/>
               </a:xfrm>
               <a:prstGeom prst="rect">
                 <a:avLst/>
@@ -17896,7 +18823,7 @@
               <a:blipFill rotWithShape="0">
                 <a:blip r:embed="rId3"/>
                 <a:stretch>
-                  <a:fillRect l="-1706" t="-936" b="-2005"/>
+                  <a:fillRect l="-1706" t="-910" b="-1821"/>
                 </a:stretch>
               </a:blipFill>
               <a:ln>
@@ -17924,557 +18851,6 @@
     <p:extLst>
       <p:ext uri="{BB962C8B-B14F-4D97-AF65-F5344CB8AC3E}">
         <p14:creationId xmlns:p14="http://schemas.microsoft.com/office/powerpoint/2010/main" val="250485253"/>
-      </p:ext>
-    </p:extLst>
-  </p:cSld>
-  <p:clrMapOvr>
-    <a:masterClrMapping/>
-  </p:clrMapOvr>
-  <p:timing>
-    <p:tnLst>
-      <p:par>
-        <p:cTn id="1" dur="indefinite" restart="never" nodeType="tmRoot"/>
-      </p:par>
-    </p:tnLst>
-  </p:timing>
-</p:sld>
-</file>
-
-<file path=ppt/slides/slide22.xml><?xml version="1.0" encoding="utf-8"?>
-<p:sld xmlns:a="http://schemas.openxmlformats.org/drawingml/2006/main" xmlns:r="http://schemas.openxmlformats.org/officeDocument/2006/relationships" xmlns:p="http://schemas.openxmlformats.org/presentationml/2006/main">
-  <p:cSld>
-    <p:spTree>
-      <p:nvGrpSpPr>
-        <p:cNvPr id="1" name=""/>
-        <p:cNvGrpSpPr/>
-        <p:nvPr/>
-      </p:nvGrpSpPr>
-      <p:grpSpPr>
-        <a:xfrm>
-          <a:off x="0" y="0"/>
-          <a:ext cx="0" cy="0"/>
-          <a:chOff x="0" y="0"/>
-          <a:chExt cx="0" cy="0"/>
-        </a:xfrm>
-      </p:grpSpPr>
-      <p:sp>
-        <p:nvSpPr>
-          <p:cNvPr id="2" name="Title 1"/>
-          <p:cNvSpPr>
-            <a:spLocks noGrp="1"/>
-          </p:cNvSpPr>
-          <p:nvPr>
-            <p:ph type="title"/>
-          </p:nvPr>
-        </p:nvSpPr>
-        <p:spPr/>
-        <p:txBody>
-          <a:bodyPr/>
-          <a:lstStyle/>
-          <a:p>
-            <a:r>
-              <a:rPr lang="en-US" dirty="0" smtClean="0"/>
-              <a:t>Privacy evaluation metrics</a:t>
-            </a:r>
-            <a:endParaRPr lang="en-US" dirty="0"/>
-          </a:p>
-        </p:txBody>
-      </p:sp>
-      <mc:AlternateContent xmlns:mc="http://schemas.openxmlformats.org/markup-compatibility/2006">
-        <mc:Choice xmlns:a14="http://schemas.microsoft.com/office/drawing/2010/main" Requires="a14">
-          <p:sp>
-            <p:nvSpPr>
-              <p:cNvPr id="3" name="Content Placeholder 2"/>
-              <p:cNvSpPr>
-                <a:spLocks noGrp="1"/>
-              </p:cNvSpPr>
-              <p:nvPr>
-                <p:ph idx="1"/>
-              </p:nvPr>
-            </p:nvSpPr>
-            <p:spPr/>
-            <p:txBody>
-              <a:bodyPr/>
-              <a:lstStyle/>
-              <a:p>
-                <a:r>
-                  <a:rPr lang="en-US" dirty="0" smtClean="0"/>
-                  <a:t>K-anonymity (one of k values) - Larger the value of k, greater is the privacy guarantee.</a:t>
-                </a:r>
-              </a:p>
-              <a:p>
-                <a:r>
-                  <a:rPr lang="en-US" dirty="0" smtClean="0"/>
-                  <a:t>Area of region of interest</a:t>
-                </a:r>
-              </a:p>
-              <a:p>
-                <a:endParaRPr lang="en-US" dirty="0"/>
-              </a:p>
-              <a:p>
-                <a:r>
-                  <a:rPr lang="en-US" dirty="0" smtClean="0"/>
-                  <a:t>User defined privacy level (</a:t>
-                </a:r>
-                <a14:m>
-                  <m:oMath xmlns:m="http://schemas.openxmlformats.org/officeDocument/2006/math">
-                    <m:r>
-                      <a:rPr lang="en-US" i="1" smtClean="0">
-                        <a:latin typeface="Cambria Math" charset="0"/>
-                        <a:ea typeface="Cambria Math" charset="0"/>
-                        <a:cs typeface="Cambria Math" charset="0"/>
-                      </a:rPr>
-                      <m:t>𝜖</m:t>
-                    </m:r>
-                  </m:oMath>
-                </a14:m>
-                <a:r>
-                  <a:rPr lang="en-US" dirty="0" smtClean="0"/>
-                  <a:t>) - Lower the value of </a:t>
-                </a:r>
-                <a14:m>
-                  <m:oMath xmlns:m="http://schemas.openxmlformats.org/officeDocument/2006/math">
-                    <m:r>
-                      <a:rPr lang="en-US" i="1" smtClean="0">
-                        <a:latin typeface="Cambria Math" charset="0"/>
-                        <a:ea typeface="Cambria Math" charset="0"/>
-                        <a:cs typeface="Cambria Math" charset="0"/>
-                      </a:rPr>
-                      <m:t>𝜖</m:t>
-                    </m:r>
-                  </m:oMath>
-                </a14:m>
-                <a:r>
-                  <a:rPr lang="en-US" dirty="0" smtClean="0"/>
-                  <a:t> greater is the privacy guarantee. Based on the value of </a:t>
-                </a:r>
-                <a14:m>
-                  <m:oMath xmlns:m="http://schemas.openxmlformats.org/officeDocument/2006/math">
-                    <m:r>
-                      <a:rPr lang="en-US" i="1" smtClean="0">
-                        <a:latin typeface="Cambria Math" charset="0"/>
-                        <a:ea typeface="Cambria Math" charset="0"/>
-                        <a:cs typeface="Cambria Math" charset="0"/>
-                      </a:rPr>
-                      <m:t>𝜖</m:t>
-                    </m:r>
-                    <m:r>
-                      <a:rPr lang="en-US" b="0" i="0" smtClean="0">
-                        <a:latin typeface="Cambria Math" charset="0"/>
-                        <a:ea typeface="Cambria Math" charset="0"/>
-                        <a:cs typeface="Cambria Math" charset="0"/>
-                      </a:rPr>
-                      <m:t>, </m:t>
-                    </m:r>
-                  </m:oMath>
-                </a14:m>
-                <a:r>
-                  <a:rPr lang="en-US" dirty="0" smtClean="0"/>
-                  <a:t>the threshold values of k in k-anonymity and area of region of interest also changes.</a:t>
-                </a:r>
-                <a:endParaRPr lang="en-US" dirty="0" smtClean="0"/>
-              </a:p>
-            </p:txBody>
-          </p:sp>
-        </mc:Choice>
-        <mc:Fallback>
-          <p:sp>
-            <p:nvSpPr>
-              <p:cNvPr id="3" name="Content Placeholder 2"/>
-              <p:cNvSpPr>
-                <a:spLocks noGrp="1" noRot="1" noChangeAspect="1" noMove="1" noResize="1" noEditPoints="1" noAdjustHandles="1" noChangeArrowheads="1" noChangeShapeType="1" noTextEdit="1"/>
-              </p:cNvSpPr>
-              <p:nvPr>
-                <p:ph idx="1"/>
-              </p:nvPr>
-            </p:nvSpPr>
-            <p:spPr>
-              <a:blipFill rotWithShape="0">
-                <a:blip r:embed="rId2"/>
-                <a:stretch>
-                  <a:fillRect l="-1043" t="-2241"/>
-                </a:stretch>
-              </a:blipFill>
-            </p:spPr>
-            <p:txBody>
-              <a:bodyPr/>
-              <a:lstStyle/>
-              <a:p>
-                <a:r>
-                  <a:rPr lang="en-US">
-                    <a:noFill/>
-                  </a:rPr>
-                  <a:t> </a:t>
-                </a:r>
-              </a:p>
-            </p:txBody>
-          </p:sp>
-        </mc:Fallback>
-      </mc:AlternateContent>
-    </p:spTree>
-    <p:extLst>
-      <p:ext uri="{BB962C8B-B14F-4D97-AF65-F5344CB8AC3E}">
-        <p14:creationId xmlns:p14="http://schemas.microsoft.com/office/powerpoint/2010/main" val="331869928"/>
-      </p:ext>
-    </p:extLst>
-  </p:cSld>
-  <p:clrMapOvr>
-    <a:masterClrMapping/>
-  </p:clrMapOvr>
-  <p:timing>
-    <p:tnLst>
-      <p:par>
-        <p:cTn id="1" dur="indefinite" restart="never" nodeType="tmRoot"/>
-      </p:par>
-    </p:tnLst>
-  </p:timing>
-</p:sld>
-</file>
-
-<file path=ppt/slides/slide23.xml><?xml version="1.0" encoding="utf-8"?>
-<p:sld xmlns:a="http://schemas.openxmlformats.org/drawingml/2006/main" xmlns:r="http://schemas.openxmlformats.org/officeDocument/2006/relationships" xmlns:p="http://schemas.openxmlformats.org/presentationml/2006/main">
-  <p:cSld>
-    <p:spTree>
-      <p:nvGrpSpPr>
-        <p:cNvPr id="1" name=""/>
-        <p:cNvGrpSpPr/>
-        <p:nvPr/>
-      </p:nvGrpSpPr>
-      <p:grpSpPr>
-        <a:xfrm>
-          <a:off x="0" y="0"/>
-          <a:ext cx="0" cy="0"/>
-          <a:chOff x="0" y="0"/>
-          <a:chExt cx="0" cy="0"/>
-        </a:xfrm>
-      </p:grpSpPr>
-      <p:sp>
-        <p:nvSpPr>
-          <p:cNvPr id="2" name="Title 1"/>
-          <p:cNvSpPr>
-            <a:spLocks noGrp="1"/>
-          </p:cNvSpPr>
-          <p:nvPr>
-            <p:ph type="title"/>
-          </p:nvPr>
-        </p:nvSpPr>
-        <p:spPr>
-          <a:xfrm>
-            <a:off x="555172" y="119742"/>
-            <a:ext cx="10515600" cy="1325563"/>
-          </a:xfrm>
-        </p:spPr>
-        <p:txBody>
-          <a:bodyPr/>
-          <a:lstStyle/>
-          <a:p>
-            <a:r>
-              <a:rPr lang="en-US" dirty="0" smtClean="0"/>
-              <a:t>Algorithm</a:t>
-            </a:r>
-            <a:endParaRPr lang="en-US" dirty="0"/>
-          </a:p>
-        </p:txBody>
-      </p:sp>
-      <p:pic>
-        <p:nvPicPr>
-          <p:cNvPr id="4" name="Content Placeholder 3"/>
-          <p:cNvPicPr>
-            <a:picLocks noGrp="1" noChangeAspect="1"/>
-          </p:cNvPicPr>
-          <p:nvPr>
-            <p:ph idx="1"/>
-          </p:nvPr>
-        </p:nvPicPr>
-        <p:blipFill>
-          <a:blip r:embed="rId2">
-            <a:extLst>
-              <a:ext uri="{28A0092B-C50C-407E-A947-70E740481C1C}">
-                <a14:useLocalDpi xmlns:a14="http://schemas.microsoft.com/office/drawing/2010/main" val="0"/>
-              </a:ext>
-            </a:extLst>
-          </a:blip>
-          <a:stretch>
-            <a:fillRect/>
-          </a:stretch>
-        </p:blipFill>
-        <p:spPr>
-          <a:xfrm>
-            <a:off x="1219200" y="1152124"/>
-            <a:ext cx="9699171" cy="5666541"/>
-          </a:xfrm>
-        </p:spPr>
-      </p:pic>
-    </p:spTree>
-    <p:extLst>
-      <p:ext uri="{BB962C8B-B14F-4D97-AF65-F5344CB8AC3E}">
-        <p14:creationId xmlns:p14="http://schemas.microsoft.com/office/powerpoint/2010/main" val="131866371"/>
-      </p:ext>
-    </p:extLst>
-  </p:cSld>
-  <p:clrMapOvr>
-    <a:masterClrMapping/>
-  </p:clrMapOvr>
-  <p:timing>
-    <p:tnLst>
-      <p:par>
-        <p:cTn id="1" dur="indefinite" restart="never" nodeType="tmRoot"/>
-      </p:par>
-    </p:tnLst>
-  </p:timing>
-</p:sld>
-</file>
-
-<file path=ppt/slides/slide24.xml><?xml version="1.0" encoding="utf-8"?>
-<p:sld xmlns:a="http://schemas.openxmlformats.org/drawingml/2006/main" xmlns:r="http://schemas.openxmlformats.org/officeDocument/2006/relationships" xmlns:p="http://schemas.openxmlformats.org/presentationml/2006/main">
-  <p:cSld>
-    <p:spTree>
-      <p:nvGrpSpPr>
-        <p:cNvPr id="1" name=""/>
-        <p:cNvGrpSpPr/>
-        <p:nvPr/>
-      </p:nvGrpSpPr>
-      <p:grpSpPr>
-        <a:xfrm>
-          <a:off x="0" y="0"/>
-          <a:ext cx="0" cy="0"/>
-          <a:chOff x="0" y="0"/>
-          <a:chExt cx="0" cy="0"/>
-        </a:xfrm>
-      </p:grpSpPr>
-      <p:sp>
-        <p:nvSpPr>
-          <p:cNvPr id="2" name="Title 1"/>
-          <p:cNvSpPr>
-            <a:spLocks noGrp="1"/>
-          </p:cNvSpPr>
-          <p:nvPr>
-            <p:ph type="title"/>
-          </p:nvPr>
-        </p:nvSpPr>
-        <p:spPr>
-          <a:xfrm>
-            <a:off x="402772" y="92983"/>
-            <a:ext cx="10515600" cy="810532"/>
-          </a:xfrm>
-        </p:spPr>
-        <p:txBody>
-          <a:bodyPr/>
-          <a:lstStyle/>
-          <a:p>
-            <a:r>
-              <a:rPr lang="en-US" dirty="0" smtClean="0"/>
-              <a:t>Simulations</a:t>
-            </a:r>
-            <a:endParaRPr lang="en-US" dirty="0"/>
-          </a:p>
-        </p:txBody>
-      </p:sp>
-      <p:sp>
-        <p:nvSpPr>
-          <p:cNvPr id="3" name="Content Placeholder 2"/>
-          <p:cNvSpPr>
-            <a:spLocks noGrp="1"/>
-          </p:cNvSpPr>
-          <p:nvPr>
-            <p:ph idx="1"/>
-          </p:nvPr>
-        </p:nvSpPr>
-        <p:spPr>
-          <a:xfrm>
-            <a:off x="272143" y="903514"/>
-            <a:ext cx="11364686" cy="5573485"/>
-          </a:xfrm>
-        </p:spPr>
-        <p:txBody>
-          <a:bodyPr/>
-          <a:lstStyle/>
-          <a:p>
-            <a:r>
-              <a:rPr lang="en-US" dirty="0" smtClean="0"/>
-              <a:t>SUMO- Simulation of Urban Mobility	</a:t>
-            </a:r>
-          </a:p>
-          <a:p>
-            <a:pPr lvl="1"/>
-            <a:r>
-              <a:rPr lang="en-US" dirty="0" smtClean="0"/>
-              <a:t>Used for Vehicle simulations</a:t>
-            </a:r>
-          </a:p>
-          <a:p>
-            <a:r>
-              <a:rPr lang="en-US" dirty="0" err="1" smtClean="0"/>
-              <a:t>OMNeT</a:t>
-            </a:r>
-            <a:r>
-              <a:rPr lang="en-US" dirty="0" smtClean="0"/>
-              <a:t>++</a:t>
-            </a:r>
-          </a:p>
-          <a:p>
-            <a:pPr lvl="1"/>
-            <a:r>
-              <a:rPr lang="en-US" dirty="0" smtClean="0"/>
-              <a:t>Used for network simulations</a:t>
-            </a:r>
-          </a:p>
-          <a:p>
-            <a:r>
-              <a:rPr lang="en-US" dirty="0" smtClean="0"/>
-              <a:t>Veins</a:t>
-            </a:r>
-          </a:p>
-          <a:p>
-            <a:pPr lvl="1"/>
-            <a:r>
-              <a:rPr lang="en-US" dirty="0" smtClean="0"/>
-              <a:t>It is a framework which interacts with SUMO and </a:t>
-            </a:r>
-            <a:r>
-              <a:rPr lang="en-US" dirty="0" err="1" smtClean="0"/>
-              <a:t>OMNeT</a:t>
-            </a:r>
-            <a:r>
-              <a:rPr lang="en-US" dirty="0" smtClean="0"/>
-              <a:t>++. </a:t>
-            </a:r>
-          </a:p>
-          <a:p>
-            <a:pPr lvl="1"/>
-            <a:r>
-              <a:rPr lang="en-US" dirty="0" smtClean="0"/>
-              <a:t>As </a:t>
-            </a:r>
-            <a:r>
-              <a:rPr lang="en-US" dirty="0"/>
-              <a:t>the vehicles move in SUMO the updates of their positions are made in the </a:t>
-            </a:r>
-            <a:r>
-              <a:rPr lang="en-US" dirty="0" err="1"/>
-              <a:t>OMNet</a:t>
-            </a:r>
-            <a:r>
-              <a:rPr lang="en-US" dirty="0"/>
-              <a:t>++ simulator as movement of </a:t>
-            </a:r>
-            <a:r>
-              <a:rPr lang="en-US" dirty="0" smtClean="0"/>
-              <a:t>nodes</a:t>
-            </a:r>
-            <a:r>
-              <a:rPr lang="en-US" dirty="0"/>
-              <a:t> </a:t>
-            </a:r>
-            <a:r>
-              <a:rPr lang="en-US" dirty="0" smtClean="0"/>
-              <a:t>with the help of Veins.</a:t>
-            </a:r>
-          </a:p>
-          <a:p>
-            <a:pPr lvl="1"/>
-            <a:endParaRPr lang="en-US" dirty="0"/>
-          </a:p>
-        </p:txBody>
-      </p:sp>
-    </p:spTree>
-    <p:extLst>
-      <p:ext uri="{BB962C8B-B14F-4D97-AF65-F5344CB8AC3E}">
-        <p14:creationId xmlns:p14="http://schemas.microsoft.com/office/powerpoint/2010/main" val="48505071"/>
-      </p:ext>
-    </p:extLst>
-  </p:cSld>
-  <p:clrMapOvr>
-    <a:masterClrMapping/>
-  </p:clrMapOvr>
-  <p:timing>
-    <p:tnLst>
-      <p:par>
-        <p:cTn id="1" dur="indefinite" restart="never" nodeType="tmRoot"/>
-      </p:par>
-    </p:tnLst>
-  </p:timing>
-</p:sld>
-</file>
-
-<file path=ppt/slides/slide25.xml><?xml version="1.0" encoding="utf-8"?>
-<p:sld xmlns:a="http://schemas.openxmlformats.org/drawingml/2006/main" xmlns:r="http://schemas.openxmlformats.org/officeDocument/2006/relationships" xmlns:p="http://schemas.openxmlformats.org/presentationml/2006/main">
-  <p:cSld>
-    <p:spTree>
-      <p:nvGrpSpPr>
-        <p:cNvPr id="1" name=""/>
-        <p:cNvGrpSpPr/>
-        <p:nvPr/>
-      </p:nvGrpSpPr>
-      <p:grpSpPr>
-        <a:xfrm>
-          <a:off x="0" y="0"/>
-          <a:ext cx="0" cy="0"/>
-          <a:chOff x="0" y="0"/>
-          <a:chExt cx="0" cy="0"/>
-        </a:xfrm>
-      </p:grpSpPr>
-      <p:sp>
-        <p:nvSpPr>
-          <p:cNvPr id="2" name="Title 1"/>
-          <p:cNvSpPr>
-            <a:spLocks noGrp="1"/>
-          </p:cNvSpPr>
-          <p:nvPr>
-            <p:ph type="title"/>
-          </p:nvPr>
-        </p:nvSpPr>
-        <p:spPr>
-          <a:xfrm>
-            <a:off x="185057" y="114753"/>
-            <a:ext cx="10515600" cy="1325563"/>
-          </a:xfrm>
-        </p:spPr>
-        <p:txBody>
-          <a:bodyPr/>
-          <a:lstStyle/>
-          <a:p>
-            <a:r>
-              <a:rPr lang="en-US" dirty="0" smtClean="0"/>
-              <a:t>Simulation Demo</a:t>
-            </a:r>
-            <a:endParaRPr lang="en-US" dirty="0"/>
-          </a:p>
-        </p:txBody>
-      </p:sp>
-      <p:pic>
-        <p:nvPicPr>
-          <p:cNvPr id="4" name="Content Placeholder 3"/>
-          <p:cNvPicPr>
-            <a:picLocks noGrp="1" noChangeAspect="1"/>
-          </p:cNvPicPr>
-          <p:nvPr>
-            <p:ph idx="1"/>
-          </p:nvPr>
-        </p:nvPicPr>
-        <p:blipFill>
-          <a:blip r:embed="rId2">
-            <a:extLst>
-              <a:ext uri="{28A0092B-C50C-407E-A947-70E740481C1C}">
-                <a14:useLocalDpi xmlns:a14="http://schemas.microsoft.com/office/drawing/2010/main" val="0"/>
-              </a:ext>
-            </a:extLst>
-          </a:blip>
-          <a:stretch>
-            <a:fillRect/>
-          </a:stretch>
-        </p:blipFill>
-        <p:spPr>
-          <a:xfrm>
-            <a:off x="2122714" y="1040610"/>
-            <a:ext cx="8251372" cy="5854606"/>
-          </a:xfrm>
-        </p:spPr>
-      </p:pic>
-    </p:spTree>
-    <p:extLst>
-      <p:ext uri="{BB962C8B-B14F-4D97-AF65-F5344CB8AC3E}">
-        <p14:creationId xmlns:p14="http://schemas.microsoft.com/office/powerpoint/2010/main" val="704894380"/>
       </p:ext>
     </p:extLst>
   </p:cSld>
@@ -18518,28 +18894,160 @@
             <p:ph type="title"/>
           </p:nvPr>
         </p:nvSpPr>
-        <p:spPr>
-          <a:xfrm>
-            <a:off x="3864429" y="2476953"/>
-            <a:ext cx="8001000" cy="1325563"/>
-          </a:xfrm>
-        </p:spPr>
+        <p:spPr/>
         <p:txBody>
           <a:bodyPr/>
           <a:lstStyle/>
           <a:p>
             <a:r>
-              <a:rPr lang="en-US" dirty="0" smtClean="0"/>
-              <a:t>Initial Results</a:t>
-            </a:r>
-            <a:endParaRPr lang="en-US" dirty="0"/>
-          </a:p>
-        </p:txBody>
-      </p:sp>
+              <a:rPr lang="en-US" b="1" dirty="0" smtClean="0"/>
+              <a:t>Privacy evaluation metrics</a:t>
+            </a:r>
+            <a:endParaRPr lang="en-US" b="1" dirty="0"/>
+          </a:p>
+        </p:txBody>
+      </p:sp>
+      <mc:AlternateContent xmlns:mc="http://schemas.openxmlformats.org/markup-compatibility/2006">
+        <mc:Choice xmlns:a14="http://schemas.microsoft.com/office/drawing/2010/main" Requires="a14">
+          <p:sp>
+            <p:nvSpPr>
+              <p:cNvPr id="3" name="Content Placeholder 2"/>
+              <p:cNvSpPr>
+                <a:spLocks noGrp="1"/>
+              </p:cNvSpPr>
+              <p:nvPr>
+                <p:ph idx="1"/>
+              </p:nvPr>
+            </p:nvSpPr>
+            <p:spPr/>
+            <p:txBody>
+              <a:bodyPr/>
+              <a:lstStyle/>
+              <a:p>
+                <a:r>
+                  <a:rPr lang="en-US" b="1" dirty="0" smtClean="0"/>
+                  <a:t>K-anonymity</a:t>
+                </a:r>
+                <a:r>
+                  <a:rPr lang="en-US" dirty="0" smtClean="0"/>
+                  <a:t> (one of k values) - Larger the value of k, greater is the privacy guarantee.</a:t>
+                </a:r>
+              </a:p>
+              <a:p>
+                <a:r>
+                  <a:rPr lang="en-US" b="1" dirty="0" smtClean="0"/>
+                  <a:t>Area of region of interest</a:t>
+                </a:r>
+                <a:endParaRPr lang="en-US" dirty="0"/>
+              </a:p>
+              <a:p>
+                <a:r>
+                  <a:rPr lang="en-US" b="1" dirty="0" smtClean="0"/>
+                  <a:t>User defined privacy level (</a:t>
+                </a:r>
+                <a14:m>
+                  <m:oMath xmlns:m="http://schemas.openxmlformats.org/officeDocument/2006/math">
+                    <m:r>
+                      <a:rPr lang="en-US" b="1" i="1" smtClean="0">
+                        <a:latin typeface="Cambria Math" charset="0"/>
+                        <a:ea typeface="Cambria Math" charset="0"/>
+                        <a:cs typeface="Cambria Math" charset="0"/>
+                      </a:rPr>
+                      <m:t>𝝐</m:t>
+                    </m:r>
+                  </m:oMath>
+                </a14:m>
+                <a:r>
+                  <a:rPr lang="en-US" b="1" dirty="0" smtClean="0"/>
+                  <a:t>) </a:t>
+                </a:r>
+                <a:r>
+                  <a:rPr lang="en-US" dirty="0" smtClean="0"/>
+                  <a:t>- Lower the value of </a:t>
+                </a:r>
+                <a14:m>
+                  <m:oMath xmlns:m="http://schemas.openxmlformats.org/officeDocument/2006/math">
+                    <m:r>
+                      <a:rPr lang="en-US" i="1" smtClean="0">
+                        <a:latin typeface="Cambria Math" charset="0"/>
+                        <a:ea typeface="Cambria Math" charset="0"/>
+                        <a:cs typeface="Cambria Math" charset="0"/>
+                      </a:rPr>
+                      <m:t>𝜖</m:t>
+                    </m:r>
+                  </m:oMath>
+                </a14:m>
+                <a:r>
+                  <a:rPr lang="en-US" dirty="0" smtClean="0"/>
+                  <a:t> greater is the privacy guarantee. Based on the value of </a:t>
+                </a:r>
+                <a14:m>
+                  <m:oMath xmlns:m="http://schemas.openxmlformats.org/officeDocument/2006/math">
+                    <m:r>
+                      <a:rPr lang="en-US" i="1" smtClean="0">
+                        <a:latin typeface="Cambria Math" charset="0"/>
+                        <a:ea typeface="Cambria Math" charset="0"/>
+                        <a:cs typeface="Cambria Math" charset="0"/>
+                      </a:rPr>
+                      <m:t>𝜖</m:t>
+                    </m:r>
+                    <m:r>
+                      <a:rPr lang="en-US" b="0" i="0" smtClean="0">
+                        <a:latin typeface="Cambria Math" charset="0"/>
+                        <a:ea typeface="Cambria Math" charset="0"/>
+                        <a:cs typeface="Cambria Math" charset="0"/>
+                      </a:rPr>
+                      <m:t>, </m:t>
+                    </m:r>
+                  </m:oMath>
+                </a14:m>
+                <a:r>
+                  <a:rPr lang="en-US" dirty="0" smtClean="0"/>
+                  <a:t>the threshold values of k in k-anonymity and area of region of interest also changes.</a:t>
+                </a:r>
+                <a:endParaRPr lang="en-US" dirty="0" smtClean="0"/>
+              </a:p>
+            </p:txBody>
+          </p:sp>
+        </mc:Choice>
+        <mc:Fallback>
+          <p:sp>
+            <p:nvSpPr>
+              <p:cNvPr id="3" name="Content Placeholder 2"/>
+              <p:cNvSpPr>
+                <a:spLocks noGrp="1" noRot="1" noChangeAspect="1" noMove="1" noResize="1" noEditPoints="1" noAdjustHandles="1" noChangeArrowheads="1" noChangeShapeType="1" noTextEdit="1"/>
+              </p:cNvSpPr>
+              <p:nvPr>
+                <p:ph idx="1"/>
+              </p:nvPr>
+            </p:nvSpPr>
+            <p:spPr>
+              <a:blipFill rotWithShape="0">
+                <a:blip r:embed="rId2"/>
+                <a:stretch>
+                  <a:fillRect l="-1043" t="-2241"/>
+                </a:stretch>
+              </a:blipFill>
+            </p:spPr>
+            <p:txBody>
+              <a:bodyPr/>
+              <a:lstStyle/>
+              <a:p>
+                <a:r>
+                  <a:rPr lang="en-US">
+                    <a:noFill/>
+                  </a:rPr>
+                  <a:t> </a:t>
+                </a:r>
+              </a:p>
+            </p:txBody>
+          </p:sp>
+        </mc:Fallback>
+      </mc:AlternateContent>
     </p:spTree>
     <p:extLst>
       <p:ext uri="{BB962C8B-B14F-4D97-AF65-F5344CB8AC3E}">
-        <p14:creationId xmlns:p14="http://schemas.microsoft.com/office/powerpoint/2010/main" val="224642583"/>
+        <p14:creationId xmlns:p14="http://schemas.microsoft.com/office/powerpoint/2010/main" val="331869928"/>
       </p:ext>
     </p:extLst>
   </p:cSld>
@@ -18585,7 +19093,7 @@
         </p:nvSpPr>
         <p:spPr>
           <a:xfrm>
-            <a:off x="141514" y="147411"/>
+            <a:off x="555172" y="119742"/>
             <a:ext cx="10515600" cy="1325563"/>
           </a:xfrm>
         </p:spPr>
@@ -18594,10 +19102,10 @@
           <a:lstStyle/>
           <a:p>
             <a:r>
-              <a:rPr lang="en-US" dirty="0" smtClean="0"/>
-              <a:t>Sent and Received Messages</a:t>
-            </a:r>
-            <a:endParaRPr lang="en-US" dirty="0"/>
+              <a:rPr lang="en-US" b="1" dirty="0" smtClean="0"/>
+              <a:t>Algorithm</a:t>
+            </a:r>
+            <a:endParaRPr lang="en-US" b="1" dirty="0"/>
           </a:p>
         </p:txBody>
       </p:sp>
@@ -18625,15 +19133,15 @@
         </p:blipFill>
         <p:spPr>
           <a:xfrm>
-            <a:off x="239260" y="1472974"/>
-            <a:ext cx="11779250" cy="4916806"/>
+            <a:off x="1219200" y="1152124"/>
+            <a:ext cx="9699171" cy="5666541"/>
           </a:xfrm>
         </p:spPr>
       </p:pic>
     </p:spTree>
     <p:extLst>
       <p:ext uri="{BB962C8B-B14F-4D97-AF65-F5344CB8AC3E}">
-        <p14:creationId xmlns:p14="http://schemas.microsoft.com/office/powerpoint/2010/main" val="543073848"/>
+        <p14:creationId xmlns:p14="http://schemas.microsoft.com/office/powerpoint/2010/main" val="131866371"/>
       </p:ext>
     </p:extLst>
   </p:cSld>
@@ -18679,7 +19187,179 @@
         </p:nvSpPr>
         <p:spPr>
           <a:xfrm>
-            <a:off x="206828" y="219868"/>
+            <a:off x="402772" y="343354"/>
+            <a:ext cx="10515600" cy="810532"/>
+          </a:xfrm>
+        </p:spPr>
+        <p:txBody>
+          <a:bodyPr/>
+          <a:lstStyle/>
+          <a:p>
+            <a:r>
+              <a:rPr lang="en-US" b="1" dirty="0" smtClean="0"/>
+              <a:t>Simulations</a:t>
+            </a:r>
+            <a:endParaRPr lang="en-US" b="1" dirty="0"/>
+          </a:p>
+        </p:txBody>
+      </p:sp>
+      <p:sp>
+        <p:nvSpPr>
+          <p:cNvPr id="3" name="Content Placeholder 2"/>
+          <p:cNvSpPr>
+            <a:spLocks noGrp="1"/>
+          </p:cNvSpPr>
+          <p:nvPr>
+            <p:ph idx="1"/>
+          </p:nvPr>
+        </p:nvSpPr>
+        <p:spPr>
+          <a:xfrm>
+            <a:off x="272143" y="1513114"/>
+            <a:ext cx="11364686" cy="4963885"/>
+          </a:xfrm>
+        </p:spPr>
+        <p:txBody>
+          <a:bodyPr/>
+          <a:lstStyle/>
+          <a:p>
+            <a:r>
+              <a:rPr lang="en-US" b="1" dirty="0" smtClean="0"/>
+              <a:t>SUMO- Simulation of Urban Mobility	</a:t>
+            </a:r>
+          </a:p>
+          <a:p>
+            <a:pPr lvl="1"/>
+            <a:r>
+              <a:rPr lang="en-US" dirty="0" smtClean="0"/>
+              <a:t>Used for Vehicle simulations</a:t>
+            </a:r>
+          </a:p>
+          <a:p>
+            <a:r>
+              <a:rPr lang="en-US" b="1" dirty="0" err="1" smtClean="0"/>
+              <a:t>OMNeT</a:t>
+            </a:r>
+            <a:r>
+              <a:rPr lang="en-US" b="1" dirty="0" smtClean="0"/>
+              <a:t>++</a:t>
+            </a:r>
+          </a:p>
+          <a:p>
+            <a:pPr lvl="1"/>
+            <a:r>
+              <a:rPr lang="en-US" dirty="0" smtClean="0"/>
+              <a:t>Used for network simulations</a:t>
+            </a:r>
+          </a:p>
+          <a:p>
+            <a:r>
+              <a:rPr lang="en-US" b="1" dirty="0" smtClean="0"/>
+              <a:t>Veins</a:t>
+            </a:r>
+          </a:p>
+          <a:p>
+            <a:pPr lvl="1"/>
+            <a:r>
+              <a:rPr lang="en-US" dirty="0" smtClean="0"/>
+              <a:t>It is a framework which interacts with SUMO and </a:t>
+            </a:r>
+            <a:r>
+              <a:rPr lang="en-US" dirty="0" err="1" smtClean="0"/>
+              <a:t>OMNeT</a:t>
+            </a:r>
+            <a:r>
+              <a:rPr lang="en-US" dirty="0" smtClean="0"/>
+              <a:t>++. </a:t>
+            </a:r>
+          </a:p>
+          <a:p>
+            <a:pPr lvl="1"/>
+            <a:r>
+              <a:rPr lang="en-US" dirty="0" smtClean="0"/>
+              <a:t>As </a:t>
+            </a:r>
+            <a:r>
+              <a:rPr lang="en-US" dirty="0"/>
+              <a:t>the vehicles move in SUMO the updates of their positions are made in the </a:t>
+            </a:r>
+            <a:r>
+              <a:rPr lang="en-US" dirty="0" err="1"/>
+              <a:t>OMNet</a:t>
+            </a:r>
+            <a:r>
+              <a:rPr lang="en-US" dirty="0"/>
+              <a:t>++ simulator as movement of </a:t>
+            </a:r>
+            <a:r>
+              <a:rPr lang="en-US" dirty="0" smtClean="0"/>
+              <a:t>nodes</a:t>
+            </a:r>
+            <a:r>
+              <a:rPr lang="en-US" dirty="0"/>
+              <a:t> </a:t>
+            </a:r>
+            <a:r>
+              <a:rPr lang="en-US" dirty="0" smtClean="0"/>
+              <a:t>with the help of Veins.</a:t>
+            </a:r>
+          </a:p>
+          <a:p>
+            <a:pPr lvl="1"/>
+            <a:endParaRPr lang="en-US" dirty="0"/>
+          </a:p>
+        </p:txBody>
+      </p:sp>
+    </p:spTree>
+    <p:extLst>
+      <p:ext uri="{BB962C8B-B14F-4D97-AF65-F5344CB8AC3E}">
+        <p14:creationId xmlns:p14="http://schemas.microsoft.com/office/powerpoint/2010/main" val="48505071"/>
+      </p:ext>
+    </p:extLst>
+  </p:cSld>
+  <p:clrMapOvr>
+    <a:masterClrMapping/>
+  </p:clrMapOvr>
+  <p:timing>
+    <p:tnLst>
+      <p:par>
+        <p:cTn id="1" dur="indefinite" restart="never" nodeType="tmRoot"/>
+      </p:par>
+    </p:tnLst>
+  </p:timing>
+</p:sld>
+</file>
+
+<file path=ppt/slides/slide29.xml><?xml version="1.0" encoding="utf-8"?>
+<p:sld xmlns:a="http://schemas.openxmlformats.org/drawingml/2006/main" xmlns:r="http://schemas.openxmlformats.org/officeDocument/2006/relationships" xmlns:p="http://schemas.openxmlformats.org/presentationml/2006/main">
+  <p:cSld>
+    <p:spTree>
+      <p:nvGrpSpPr>
+        <p:cNvPr id="1" name=""/>
+        <p:cNvGrpSpPr/>
+        <p:nvPr/>
+      </p:nvGrpSpPr>
+      <p:grpSpPr>
+        <a:xfrm>
+          <a:off x="0" y="0"/>
+          <a:ext cx="0" cy="0"/>
+          <a:chOff x="0" y="0"/>
+          <a:chExt cx="0" cy="0"/>
+        </a:xfrm>
+      </p:grpSpPr>
+      <p:sp>
+        <p:nvSpPr>
+          <p:cNvPr id="2" name="Title 1"/>
+          <p:cNvSpPr>
+            <a:spLocks noGrp="1"/>
+          </p:cNvSpPr>
+          <p:nvPr>
+            <p:ph type="title"/>
+          </p:nvPr>
+        </p:nvSpPr>
+        <p:spPr>
+          <a:xfrm>
+            <a:off x="185057" y="114753"/>
             <a:ext cx="10515600" cy="1325563"/>
           </a:xfrm>
         </p:spPr>
@@ -18688,10 +19368,10 @@
           <a:lstStyle/>
           <a:p>
             <a:r>
-              <a:rPr lang="en-US" dirty="0" smtClean="0"/>
-              <a:t>Scenario after 1 upload</a:t>
-            </a:r>
-            <a:endParaRPr lang="en-US" dirty="0"/>
+              <a:rPr lang="en-US" b="1" dirty="0" smtClean="0"/>
+              <a:t>Simulation Demo</a:t>
+            </a:r>
+            <a:endParaRPr lang="en-US" b="1" dirty="0"/>
           </a:p>
         </p:txBody>
       </p:sp>
@@ -18719,6 +19399,1504 @@
         </p:blipFill>
         <p:spPr>
           <a:xfrm>
+            <a:off x="2122714" y="1040610"/>
+            <a:ext cx="8251372" cy="5854606"/>
+          </a:xfrm>
+        </p:spPr>
+      </p:pic>
+    </p:spTree>
+    <p:extLst>
+      <p:ext uri="{BB962C8B-B14F-4D97-AF65-F5344CB8AC3E}">
+        <p14:creationId xmlns:p14="http://schemas.microsoft.com/office/powerpoint/2010/main" val="704894380"/>
+      </p:ext>
+    </p:extLst>
+  </p:cSld>
+  <p:clrMapOvr>
+    <a:masterClrMapping/>
+  </p:clrMapOvr>
+  <p:timing>
+    <p:tnLst>
+      <p:par>
+        <p:cTn id="1" dur="indefinite" restart="never" nodeType="tmRoot"/>
+      </p:par>
+    </p:tnLst>
+  </p:timing>
+</p:sld>
+</file>
+
+<file path=ppt/slides/slide3.xml><?xml version="1.0" encoding="utf-8"?>
+<p:sld xmlns:a="http://schemas.openxmlformats.org/drawingml/2006/main" xmlns:r="http://schemas.openxmlformats.org/officeDocument/2006/relationships" xmlns:p="http://schemas.openxmlformats.org/presentationml/2006/main">
+  <p:cSld>
+    <p:spTree>
+      <p:nvGrpSpPr>
+        <p:cNvPr id="1" name=""/>
+        <p:cNvGrpSpPr/>
+        <p:nvPr/>
+      </p:nvGrpSpPr>
+      <p:grpSpPr>
+        <a:xfrm>
+          <a:off x="0" y="0"/>
+          <a:ext cx="0" cy="0"/>
+          <a:chOff x="0" y="0"/>
+          <a:chExt cx="0" cy="0"/>
+        </a:xfrm>
+      </p:grpSpPr>
+      <p:sp>
+        <p:nvSpPr>
+          <p:cNvPr id="4" name="Cloud 3"/>
+          <p:cNvSpPr/>
+          <p:nvPr/>
+        </p:nvSpPr>
+        <p:spPr>
+          <a:xfrm>
+            <a:off x="3871914" y="2675159"/>
+            <a:ext cx="3709984" cy="1606924"/>
+          </a:xfrm>
+          <a:prstGeom prst="cloud">
+            <a:avLst/>
+          </a:prstGeom>
+          <a:solidFill>
+            <a:srgbClr val="FFFFFF"/>
+          </a:solidFill>
+          <a:ln>
+            <a:solidFill>
+              <a:schemeClr val="tx1"/>
+            </a:solidFill>
+          </a:ln>
+        </p:spPr>
+        <p:style>
+          <a:lnRef idx="1">
+            <a:schemeClr val="accent1"/>
+          </a:lnRef>
+          <a:fillRef idx="3">
+            <a:schemeClr val="accent1"/>
+          </a:fillRef>
+          <a:effectRef idx="2">
+            <a:schemeClr val="accent1"/>
+          </a:effectRef>
+          <a:fontRef idx="minor">
+            <a:schemeClr val="lt1"/>
+          </a:fontRef>
+        </p:style>
+        <p:txBody>
+          <a:bodyPr rtlCol="0" anchor="ctr"/>
+          <a:lstStyle/>
+          <a:p>
+            <a:pPr algn="ctr"/>
+            <a:r>
+              <a:rPr lang="en-US" sz="2400" b="1" dirty="0" smtClean="0">
+                <a:solidFill>
+                  <a:srgbClr val="000000"/>
+                </a:solidFill>
+              </a:rPr>
+              <a:t>Different Applications tied to Location Data</a:t>
+            </a:r>
+            <a:endParaRPr lang="en-US" sz="2400" b="1" dirty="0">
+              <a:solidFill>
+                <a:srgbClr val="000000"/>
+              </a:solidFill>
+            </a:endParaRPr>
+          </a:p>
+        </p:txBody>
+      </p:sp>
+      <p:cxnSp>
+        <p:nvCxnSpPr>
+          <p:cNvPr id="8" name="Straight Arrow Connector 7"/>
+          <p:cNvCxnSpPr/>
+          <p:nvPr/>
+        </p:nvCxnSpPr>
+        <p:spPr>
+          <a:xfrm flipH="1" flipV="1">
+            <a:off x="3800474" y="1986491"/>
+            <a:ext cx="1045366" cy="858906"/>
+          </a:xfrm>
+          <a:prstGeom prst="straightConnector1">
+            <a:avLst/>
+          </a:prstGeom>
+          <a:ln>
+            <a:tailEnd type="triangle"/>
+          </a:ln>
+        </p:spPr>
+        <p:style>
+          <a:lnRef idx="1">
+            <a:schemeClr val="accent1"/>
+          </a:lnRef>
+          <a:fillRef idx="0">
+            <a:schemeClr val="accent1"/>
+          </a:fillRef>
+          <a:effectRef idx="0">
+            <a:schemeClr val="accent1"/>
+          </a:effectRef>
+          <a:fontRef idx="minor">
+            <a:schemeClr val="tx1"/>
+          </a:fontRef>
+        </p:style>
+      </p:cxnSp>
+      <p:sp>
+        <p:nvSpPr>
+          <p:cNvPr id="10" name="TextBox 9"/>
+          <p:cNvSpPr txBox="1"/>
+          <p:nvPr/>
+        </p:nvSpPr>
+        <p:spPr>
+          <a:xfrm>
+            <a:off x="2357433" y="1343016"/>
+            <a:ext cx="2185988" cy="646331"/>
+          </a:xfrm>
+          <a:prstGeom prst="rect">
+            <a:avLst/>
+          </a:prstGeom>
+        </p:spPr>
+        <p:style>
+          <a:lnRef idx="2">
+            <a:schemeClr val="dk1"/>
+          </a:lnRef>
+          <a:fillRef idx="1">
+            <a:schemeClr val="lt1"/>
+          </a:fillRef>
+          <a:effectRef idx="0">
+            <a:schemeClr val="dk1"/>
+          </a:effectRef>
+          <a:fontRef idx="minor">
+            <a:schemeClr val="dk1"/>
+          </a:fontRef>
+        </p:style>
+        <p:txBody>
+          <a:bodyPr wrap="square" rtlCol="0">
+            <a:spAutoFit/>
+          </a:bodyPr>
+          <a:lstStyle/>
+          <a:p>
+            <a:r>
+              <a:rPr lang="en-US" dirty="0" smtClean="0"/>
+              <a:t>Dynamic Congestion map of a city</a:t>
+            </a:r>
+            <a:endParaRPr lang="en-US" dirty="0"/>
+          </a:p>
+        </p:txBody>
+      </p:sp>
+      <p:sp>
+        <p:nvSpPr>
+          <p:cNvPr id="11" name="TextBox 10"/>
+          <p:cNvSpPr txBox="1"/>
+          <p:nvPr/>
+        </p:nvSpPr>
+        <p:spPr>
+          <a:xfrm>
+            <a:off x="5353051" y="1401797"/>
+            <a:ext cx="2152648" cy="430887"/>
+          </a:xfrm>
+          <a:prstGeom prst="rect">
+            <a:avLst/>
+          </a:prstGeom>
+        </p:spPr>
+        <p:style>
+          <a:lnRef idx="2">
+            <a:schemeClr val="dk1"/>
+          </a:lnRef>
+          <a:fillRef idx="1">
+            <a:schemeClr val="lt1"/>
+          </a:fillRef>
+          <a:effectRef idx="0">
+            <a:schemeClr val="dk1"/>
+          </a:effectRef>
+          <a:fontRef idx="minor">
+            <a:schemeClr val="dk1"/>
+          </a:fontRef>
+        </p:style>
+        <p:txBody>
+          <a:bodyPr wrap="square" rtlCol="0">
+            <a:spAutoFit/>
+          </a:bodyPr>
+          <a:lstStyle/>
+          <a:p>
+            <a:r>
+              <a:rPr lang="en-US" sz="2200" dirty="0" smtClean="0"/>
+              <a:t>Route Planning</a:t>
+            </a:r>
+            <a:endParaRPr lang="en-US" sz="2200" dirty="0"/>
+          </a:p>
+        </p:txBody>
+      </p:sp>
+      <p:cxnSp>
+        <p:nvCxnSpPr>
+          <p:cNvPr id="13" name="Straight Arrow Connector 12"/>
+          <p:cNvCxnSpPr>
+            <a:stCxn id="4" idx="3"/>
+          </p:cNvCxnSpPr>
+          <p:nvPr/>
+        </p:nvCxnSpPr>
+        <p:spPr>
+          <a:xfrm flipV="1">
+            <a:off x="5726906" y="1855228"/>
+            <a:ext cx="245270" cy="911808"/>
+          </a:xfrm>
+          <a:prstGeom prst="straightConnector1">
+            <a:avLst/>
+          </a:prstGeom>
+          <a:ln>
+            <a:tailEnd type="triangle"/>
+          </a:ln>
+        </p:spPr>
+        <p:style>
+          <a:lnRef idx="1">
+            <a:schemeClr val="accent1"/>
+          </a:lnRef>
+          <a:fillRef idx="0">
+            <a:schemeClr val="accent1"/>
+          </a:fillRef>
+          <a:effectRef idx="0">
+            <a:schemeClr val="accent1"/>
+          </a:effectRef>
+          <a:fontRef idx="minor">
+            <a:schemeClr val="tx1"/>
+          </a:fontRef>
+        </p:style>
+      </p:cxnSp>
+      <p:sp>
+        <p:nvSpPr>
+          <p:cNvPr id="16" name="TextBox 15"/>
+          <p:cNvSpPr txBox="1"/>
+          <p:nvPr/>
+        </p:nvSpPr>
+        <p:spPr>
+          <a:xfrm>
+            <a:off x="8386766" y="1809060"/>
+            <a:ext cx="2200275" cy="769441"/>
+          </a:xfrm>
+          <a:prstGeom prst="rect">
+            <a:avLst/>
+          </a:prstGeom>
+        </p:spPr>
+        <p:style>
+          <a:lnRef idx="2">
+            <a:schemeClr val="dk1"/>
+          </a:lnRef>
+          <a:fillRef idx="1">
+            <a:schemeClr val="lt1"/>
+          </a:fillRef>
+          <a:effectRef idx="0">
+            <a:schemeClr val="dk1"/>
+          </a:effectRef>
+          <a:fontRef idx="minor">
+            <a:schemeClr val="dk1"/>
+          </a:fontRef>
+        </p:style>
+        <p:txBody>
+          <a:bodyPr wrap="square" rtlCol="0">
+            <a:spAutoFit/>
+          </a:bodyPr>
+          <a:lstStyle/>
+          <a:p>
+            <a:r>
+              <a:rPr lang="en-US" sz="2200" dirty="0" smtClean="0"/>
+              <a:t>Travel Demand Modeling</a:t>
+            </a:r>
+            <a:endParaRPr lang="en-US" sz="2200" dirty="0"/>
+          </a:p>
+        </p:txBody>
+      </p:sp>
+      <p:cxnSp>
+        <p:nvCxnSpPr>
+          <p:cNvPr id="18" name="Straight Arrow Connector 17"/>
+          <p:cNvCxnSpPr/>
+          <p:nvPr/>
+        </p:nvCxnSpPr>
+        <p:spPr>
+          <a:xfrm flipV="1">
+            <a:off x="7472366" y="2415962"/>
+            <a:ext cx="914400" cy="702147"/>
+          </a:xfrm>
+          <a:prstGeom prst="straightConnector1">
+            <a:avLst/>
+          </a:prstGeom>
+          <a:ln>
+            <a:tailEnd type="triangle"/>
+          </a:ln>
+        </p:spPr>
+        <p:style>
+          <a:lnRef idx="1">
+            <a:schemeClr val="accent1"/>
+          </a:lnRef>
+          <a:fillRef idx="0">
+            <a:schemeClr val="accent1"/>
+          </a:fillRef>
+          <a:effectRef idx="0">
+            <a:schemeClr val="accent1"/>
+          </a:effectRef>
+          <a:fontRef idx="minor">
+            <a:schemeClr val="tx1"/>
+          </a:fontRef>
+        </p:style>
+      </p:cxnSp>
+      <p:sp>
+        <p:nvSpPr>
+          <p:cNvPr id="19" name="TextBox 18"/>
+          <p:cNvSpPr txBox="1"/>
+          <p:nvPr/>
+        </p:nvSpPr>
+        <p:spPr>
+          <a:xfrm>
+            <a:off x="8701094" y="3929071"/>
+            <a:ext cx="2671756" cy="769441"/>
+          </a:xfrm>
+          <a:prstGeom prst="rect">
+            <a:avLst/>
+          </a:prstGeom>
+        </p:spPr>
+        <p:style>
+          <a:lnRef idx="2">
+            <a:schemeClr val="dk1"/>
+          </a:lnRef>
+          <a:fillRef idx="1">
+            <a:schemeClr val="lt1"/>
+          </a:fillRef>
+          <a:effectRef idx="0">
+            <a:schemeClr val="dk1"/>
+          </a:effectRef>
+          <a:fontRef idx="minor">
+            <a:schemeClr val="dk1"/>
+          </a:fontRef>
+        </p:style>
+        <p:txBody>
+          <a:bodyPr wrap="square" rtlCol="0">
+            <a:spAutoFit/>
+          </a:bodyPr>
+          <a:lstStyle/>
+          <a:p>
+            <a:r>
+              <a:rPr lang="en-US" sz="2200" dirty="0" smtClean="0"/>
+              <a:t>Emissions and air pollution modeling</a:t>
+            </a:r>
+            <a:endParaRPr lang="en-US" sz="2200" dirty="0"/>
+          </a:p>
+        </p:txBody>
+      </p:sp>
+      <p:cxnSp>
+        <p:nvCxnSpPr>
+          <p:cNvPr id="21" name="Straight Arrow Connector 20"/>
+          <p:cNvCxnSpPr/>
+          <p:nvPr/>
+        </p:nvCxnSpPr>
+        <p:spPr>
+          <a:xfrm>
+            <a:off x="7329488" y="3727459"/>
+            <a:ext cx="1371606" cy="410474"/>
+          </a:xfrm>
+          <a:prstGeom prst="straightConnector1">
+            <a:avLst/>
+          </a:prstGeom>
+          <a:ln>
+            <a:tailEnd type="triangle"/>
+          </a:ln>
+        </p:spPr>
+        <p:style>
+          <a:lnRef idx="1">
+            <a:schemeClr val="accent1"/>
+          </a:lnRef>
+          <a:fillRef idx="0">
+            <a:schemeClr val="accent1"/>
+          </a:fillRef>
+          <a:effectRef idx="0">
+            <a:schemeClr val="accent1"/>
+          </a:effectRef>
+          <a:fontRef idx="minor">
+            <a:schemeClr val="tx1"/>
+          </a:fontRef>
+        </p:style>
+      </p:cxnSp>
+      <p:sp>
+        <p:nvSpPr>
+          <p:cNvPr id="22" name="TextBox 21"/>
+          <p:cNvSpPr txBox="1"/>
+          <p:nvPr/>
+        </p:nvSpPr>
+        <p:spPr>
+          <a:xfrm>
+            <a:off x="6429375" y="5186371"/>
+            <a:ext cx="2643188" cy="769441"/>
+          </a:xfrm>
+          <a:prstGeom prst="rect">
+            <a:avLst/>
+          </a:prstGeom>
+        </p:spPr>
+        <p:style>
+          <a:lnRef idx="2">
+            <a:schemeClr val="dk1"/>
+          </a:lnRef>
+          <a:fillRef idx="1">
+            <a:schemeClr val="lt1"/>
+          </a:fillRef>
+          <a:effectRef idx="0">
+            <a:schemeClr val="dk1"/>
+          </a:effectRef>
+          <a:fontRef idx="minor">
+            <a:schemeClr val="dk1"/>
+          </a:fontRef>
+        </p:style>
+        <p:txBody>
+          <a:bodyPr wrap="square" rtlCol="0">
+            <a:spAutoFit/>
+          </a:bodyPr>
+          <a:lstStyle/>
+          <a:p>
+            <a:r>
+              <a:rPr lang="en-US" sz="2200" dirty="0" smtClean="0"/>
+              <a:t>Homeland Security Evacuation</a:t>
+            </a:r>
+            <a:endParaRPr lang="en-US" sz="2200" dirty="0"/>
+          </a:p>
+        </p:txBody>
+      </p:sp>
+      <p:sp>
+        <p:nvSpPr>
+          <p:cNvPr id="23" name="TextBox 22"/>
+          <p:cNvSpPr txBox="1"/>
+          <p:nvPr/>
+        </p:nvSpPr>
+        <p:spPr>
+          <a:xfrm>
+            <a:off x="3402808" y="5186371"/>
+            <a:ext cx="2452685" cy="769441"/>
+          </a:xfrm>
+          <a:prstGeom prst="rect">
+            <a:avLst/>
+          </a:prstGeom>
+        </p:spPr>
+        <p:style>
+          <a:lnRef idx="2">
+            <a:schemeClr val="dk1"/>
+          </a:lnRef>
+          <a:fillRef idx="1">
+            <a:schemeClr val="lt1"/>
+          </a:fillRef>
+          <a:effectRef idx="0">
+            <a:schemeClr val="dk1"/>
+          </a:effectRef>
+          <a:fontRef idx="minor">
+            <a:schemeClr val="dk1"/>
+          </a:fontRef>
+        </p:style>
+        <p:txBody>
+          <a:bodyPr wrap="square" rtlCol="0">
+            <a:spAutoFit/>
+          </a:bodyPr>
+          <a:lstStyle/>
+          <a:p>
+            <a:r>
+              <a:rPr lang="en-US" sz="2200" dirty="0" smtClean="0"/>
+              <a:t>City Infrastructure Modeling</a:t>
+            </a:r>
+            <a:endParaRPr lang="en-US" sz="2200" dirty="0"/>
+          </a:p>
+        </p:txBody>
+      </p:sp>
+      <p:cxnSp>
+        <p:nvCxnSpPr>
+          <p:cNvPr id="25" name="Straight Arrow Connector 24"/>
+          <p:cNvCxnSpPr/>
+          <p:nvPr/>
+        </p:nvCxnSpPr>
+        <p:spPr>
+          <a:xfrm>
+            <a:off x="6743700" y="4100521"/>
+            <a:ext cx="585788" cy="1085850"/>
+          </a:xfrm>
+          <a:prstGeom prst="straightConnector1">
+            <a:avLst/>
+          </a:prstGeom>
+          <a:ln>
+            <a:tailEnd type="triangle"/>
+          </a:ln>
+        </p:spPr>
+        <p:style>
+          <a:lnRef idx="1">
+            <a:schemeClr val="accent1"/>
+          </a:lnRef>
+          <a:fillRef idx="0">
+            <a:schemeClr val="accent1"/>
+          </a:fillRef>
+          <a:effectRef idx="0">
+            <a:schemeClr val="accent1"/>
+          </a:effectRef>
+          <a:fontRef idx="minor">
+            <a:schemeClr val="tx1"/>
+          </a:fontRef>
+        </p:style>
+      </p:cxnSp>
+      <p:cxnSp>
+        <p:nvCxnSpPr>
+          <p:cNvPr id="28" name="Straight Arrow Connector 27"/>
+          <p:cNvCxnSpPr/>
+          <p:nvPr/>
+        </p:nvCxnSpPr>
+        <p:spPr>
+          <a:xfrm flipH="1">
+            <a:off x="4786313" y="4233691"/>
+            <a:ext cx="642937" cy="952680"/>
+          </a:xfrm>
+          <a:prstGeom prst="straightConnector1">
+            <a:avLst/>
+          </a:prstGeom>
+          <a:ln>
+            <a:tailEnd type="triangle"/>
+          </a:ln>
+        </p:spPr>
+        <p:style>
+          <a:lnRef idx="1">
+            <a:schemeClr val="accent1"/>
+          </a:lnRef>
+          <a:fillRef idx="0">
+            <a:schemeClr val="accent1"/>
+          </a:fillRef>
+          <a:effectRef idx="0">
+            <a:schemeClr val="accent1"/>
+          </a:effectRef>
+          <a:fontRef idx="minor">
+            <a:schemeClr val="tx1"/>
+          </a:fontRef>
+        </p:style>
+      </p:cxnSp>
+      <p:sp>
+        <p:nvSpPr>
+          <p:cNvPr id="30" name="TextBox 29"/>
+          <p:cNvSpPr txBox="1"/>
+          <p:nvPr/>
+        </p:nvSpPr>
+        <p:spPr>
+          <a:xfrm>
+            <a:off x="942975" y="4386865"/>
+            <a:ext cx="2305046" cy="769441"/>
+          </a:xfrm>
+          <a:prstGeom prst="rect">
+            <a:avLst/>
+          </a:prstGeom>
+        </p:spPr>
+        <p:style>
+          <a:lnRef idx="2">
+            <a:schemeClr val="dk1"/>
+          </a:lnRef>
+          <a:fillRef idx="1">
+            <a:schemeClr val="lt1"/>
+          </a:fillRef>
+          <a:effectRef idx="0">
+            <a:schemeClr val="dk1"/>
+          </a:effectRef>
+          <a:fontRef idx="minor">
+            <a:schemeClr val="dk1"/>
+          </a:fontRef>
+        </p:style>
+        <p:txBody>
+          <a:bodyPr wrap="square" rtlCol="0">
+            <a:spAutoFit/>
+          </a:bodyPr>
+          <a:lstStyle/>
+          <a:p>
+            <a:r>
+              <a:rPr lang="en-US" sz="2200" dirty="0" smtClean="0"/>
+              <a:t>Climatic change impact studies</a:t>
+            </a:r>
+            <a:endParaRPr lang="en-US" sz="2200" dirty="0"/>
+          </a:p>
+        </p:txBody>
+      </p:sp>
+      <p:cxnSp>
+        <p:nvCxnSpPr>
+          <p:cNvPr id="32" name="Straight Arrow Connector 31"/>
+          <p:cNvCxnSpPr/>
+          <p:nvPr/>
+        </p:nvCxnSpPr>
+        <p:spPr>
+          <a:xfrm flipH="1">
+            <a:off x="3248021" y="3929071"/>
+            <a:ext cx="881067" cy="457794"/>
+          </a:xfrm>
+          <a:prstGeom prst="straightConnector1">
+            <a:avLst/>
+          </a:prstGeom>
+          <a:ln>
+            <a:tailEnd type="triangle"/>
+          </a:ln>
+        </p:spPr>
+        <p:style>
+          <a:lnRef idx="1">
+            <a:schemeClr val="accent1"/>
+          </a:lnRef>
+          <a:fillRef idx="0">
+            <a:schemeClr val="accent1"/>
+          </a:fillRef>
+          <a:effectRef idx="0">
+            <a:schemeClr val="accent1"/>
+          </a:effectRef>
+          <a:fontRef idx="minor">
+            <a:schemeClr val="tx1"/>
+          </a:fontRef>
+        </p:style>
+      </p:cxnSp>
+      <p:sp>
+        <p:nvSpPr>
+          <p:cNvPr id="33" name="TextBox 32"/>
+          <p:cNvSpPr txBox="1"/>
+          <p:nvPr/>
+        </p:nvSpPr>
+        <p:spPr>
+          <a:xfrm>
+            <a:off x="100008" y="2958018"/>
+            <a:ext cx="3145632" cy="769441"/>
+          </a:xfrm>
+          <a:prstGeom prst="rect">
+            <a:avLst/>
+          </a:prstGeom>
+        </p:spPr>
+        <p:style>
+          <a:lnRef idx="2">
+            <a:schemeClr val="dk1"/>
+          </a:lnRef>
+          <a:fillRef idx="1">
+            <a:schemeClr val="lt1"/>
+          </a:fillRef>
+          <a:effectRef idx="0">
+            <a:schemeClr val="dk1"/>
+          </a:effectRef>
+          <a:fontRef idx="minor">
+            <a:schemeClr val="dk1"/>
+          </a:fontRef>
+        </p:style>
+        <p:txBody>
+          <a:bodyPr wrap="square" rtlCol="0">
+            <a:spAutoFit/>
+          </a:bodyPr>
+          <a:lstStyle/>
+          <a:p>
+            <a:r>
+              <a:rPr lang="en-US" sz="2200" dirty="0" smtClean="0"/>
+              <a:t>Validating transportation data from other sources</a:t>
+            </a:r>
+            <a:endParaRPr lang="en-US" sz="2200" dirty="0"/>
+          </a:p>
+        </p:txBody>
+      </p:sp>
+      <p:cxnSp>
+        <p:nvCxnSpPr>
+          <p:cNvPr id="35" name="Straight Arrow Connector 34"/>
+          <p:cNvCxnSpPr>
+            <a:stCxn id="4" idx="2"/>
+            <a:endCxn id="33" idx="3"/>
+          </p:cNvCxnSpPr>
+          <p:nvPr/>
+        </p:nvCxnSpPr>
+        <p:spPr>
+          <a:xfrm flipH="1" flipV="1">
+            <a:off x="3245640" y="3342739"/>
+            <a:ext cx="637782" cy="135882"/>
+          </a:xfrm>
+          <a:prstGeom prst="straightConnector1">
+            <a:avLst/>
+          </a:prstGeom>
+          <a:ln>
+            <a:tailEnd type="triangle"/>
+          </a:ln>
+        </p:spPr>
+        <p:style>
+          <a:lnRef idx="1">
+            <a:schemeClr val="accent1"/>
+          </a:lnRef>
+          <a:fillRef idx="0">
+            <a:schemeClr val="accent1"/>
+          </a:fillRef>
+          <a:effectRef idx="0">
+            <a:schemeClr val="accent1"/>
+          </a:effectRef>
+          <a:fontRef idx="minor">
+            <a:schemeClr val="tx1"/>
+          </a:fontRef>
+        </p:style>
+      </p:cxnSp>
+    </p:spTree>
+    <p:extLst>
+      <p:ext uri="{BB962C8B-B14F-4D97-AF65-F5344CB8AC3E}">
+        <p14:creationId xmlns:p14="http://schemas.microsoft.com/office/powerpoint/2010/main" val="1492076107"/>
+      </p:ext>
+    </p:extLst>
+  </p:cSld>
+  <p:clrMapOvr>
+    <a:masterClrMapping/>
+  </p:clrMapOvr>
+  <p:timing>
+    <p:tnLst>
+      <p:par>
+        <p:cTn id="1" dur="indefinite" restart="never" nodeType="tmRoot">
+          <p:childTnLst>
+            <p:seq concurrent="1" nextAc="seek">
+              <p:cTn id="2" dur="indefinite" nodeType="mainSeq">
+                <p:childTnLst>
+                  <p:par>
+                    <p:cTn id="3" fill="hold">
+                      <p:stCondLst>
+                        <p:cond delay="indefinite"/>
+                      </p:stCondLst>
+                      <p:childTnLst>
+                        <p:par>
+                          <p:cTn id="4" fill="hold">
+                            <p:stCondLst>
+                              <p:cond delay="0"/>
+                            </p:stCondLst>
+                            <p:childTnLst>
+                              <p:par>
+                                <p:cTn id="5" presetID="5" presetClass="entr" presetSubtype="10" fill="hold" grpId="0" nodeType="clickEffect">
+                                  <p:stCondLst>
+                                    <p:cond delay="0"/>
+                                  </p:stCondLst>
+                                  <p:childTnLst>
+                                    <p:set>
+                                      <p:cBhvr>
+                                        <p:cTn id="6" dur="1" fill="hold">
+                                          <p:stCondLst>
+                                            <p:cond delay="0"/>
+                                          </p:stCondLst>
+                                        </p:cTn>
+                                        <p:tgtEl>
+                                          <p:spTgt spid="4"/>
+                                        </p:tgtEl>
+                                        <p:attrNameLst>
+                                          <p:attrName>style.visibility</p:attrName>
+                                        </p:attrNameLst>
+                                      </p:cBhvr>
+                                      <p:to>
+                                        <p:strVal val="visible"/>
+                                      </p:to>
+                                    </p:set>
+                                    <p:animEffect transition="in" filter="checkerboard(across)">
+                                      <p:cBhvr>
+                                        <p:cTn id="7" dur="500"/>
+                                        <p:tgtEl>
+                                          <p:spTgt spid="4"/>
+                                        </p:tgtEl>
+                                      </p:cBhvr>
+                                    </p:animEffect>
+                                  </p:childTnLst>
+                                </p:cTn>
+                              </p:par>
+                            </p:childTnLst>
+                          </p:cTn>
+                        </p:par>
+                      </p:childTnLst>
+                    </p:cTn>
+                  </p:par>
+                  <p:par>
+                    <p:cTn id="8" fill="hold">
+                      <p:stCondLst>
+                        <p:cond delay="indefinite"/>
+                      </p:stCondLst>
+                      <p:childTnLst>
+                        <p:par>
+                          <p:cTn id="9" fill="hold">
+                            <p:stCondLst>
+                              <p:cond delay="0"/>
+                            </p:stCondLst>
+                            <p:childTnLst>
+                              <p:par>
+                                <p:cTn id="10" presetID="1" presetClass="entr" presetSubtype="0" fill="hold" grpId="0" nodeType="clickEffect">
+                                  <p:stCondLst>
+                                    <p:cond delay="0"/>
+                                  </p:stCondLst>
+                                  <p:childTnLst>
+                                    <p:set>
+                                      <p:cBhvr>
+                                        <p:cTn id="11" dur="1" fill="hold">
+                                          <p:stCondLst>
+                                            <p:cond delay="0"/>
+                                          </p:stCondLst>
+                                        </p:cTn>
+                                        <p:tgtEl>
+                                          <p:spTgt spid="10"/>
+                                        </p:tgtEl>
+                                        <p:attrNameLst>
+                                          <p:attrName>style.visibility</p:attrName>
+                                        </p:attrNameLst>
+                                      </p:cBhvr>
+                                      <p:to>
+                                        <p:strVal val="visible"/>
+                                      </p:to>
+                                    </p:set>
+                                  </p:childTnLst>
+                                </p:cTn>
+                              </p:par>
+                              <p:par>
+                                <p:cTn id="12" presetID="1" presetClass="entr" presetSubtype="0" fill="hold" grpId="0" nodeType="withEffect">
+                                  <p:stCondLst>
+                                    <p:cond delay="0"/>
+                                  </p:stCondLst>
+                                  <p:childTnLst>
+                                    <p:set>
+                                      <p:cBhvr>
+                                        <p:cTn id="13" dur="1" fill="hold">
+                                          <p:stCondLst>
+                                            <p:cond delay="0"/>
+                                          </p:stCondLst>
+                                        </p:cTn>
+                                        <p:tgtEl>
+                                          <p:spTgt spid="11"/>
+                                        </p:tgtEl>
+                                        <p:attrNameLst>
+                                          <p:attrName>style.visibility</p:attrName>
+                                        </p:attrNameLst>
+                                      </p:cBhvr>
+                                      <p:to>
+                                        <p:strVal val="visible"/>
+                                      </p:to>
+                                    </p:set>
+                                  </p:childTnLst>
+                                </p:cTn>
+                              </p:par>
+                              <p:par>
+                                <p:cTn id="14" presetID="1" presetClass="entr" presetSubtype="0" fill="hold" grpId="0" nodeType="withEffect">
+                                  <p:stCondLst>
+                                    <p:cond delay="0"/>
+                                  </p:stCondLst>
+                                  <p:childTnLst>
+                                    <p:set>
+                                      <p:cBhvr>
+                                        <p:cTn id="15" dur="1" fill="hold">
+                                          <p:stCondLst>
+                                            <p:cond delay="0"/>
+                                          </p:stCondLst>
+                                        </p:cTn>
+                                        <p:tgtEl>
+                                          <p:spTgt spid="16"/>
+                                        </p:tgtEl>
+                                        <p:attrNameLst>
+                                          <p:attrName>style.visibility</p:attrName>
+                                        </p:attrNameLst>
+                                      </p:cBhvr>
+                                      <p:to>
+                                        <p:strVal val="visible"/>
+                                      </p:to>
+                                    </p:set>
+                                  </p:childTnLst>
+                                </p:cTn>
+                              </p:par>
+                              <p:par>
+                                <p:cTn id="16" presetID="1" presetClass="entr" presetSubtype="0" fill="hold" grpId="0" nodeType="withEffect">
+                                  <p:stCondLst>
+                                    <p:cond delay="0"/>
+                                  </p:stCondLst>
+                                  <p:childTnLst>
+                                    <p:set>
+                                      <p:cBhvr>
+                                        <p:cTn id="17" dur="1" fill="hold">
+                                          <p:stCondLst>
+                                            <p:cond delay="0"/>
+                                          </p:stCondLst>
+                                        </p:cTn>
+                                        <p:tgtEl>
+                                          <p:spTgt spid="19"/>
+                                        </p:tgtEl>
+                                        <p:attrNameLst>
+                                          <p:attrName>style.visibility</p:attrName>
+                                        </p:attrNameLst>
+                                      </p:cBhvr>
+                                      <p:to>
+                                        <p:strVal val="visible"/>
+                                      </p:to>
+                                    </p:set>
+                                  </p:childTnLst>
+                                </p:cTn>
+                              </p:par>
+                              <p:par>
+                                <p:cTn id="18" presetID="1" presetClass="entr" presetSubtype="0" fill="hold" grpId="0" nodeType="withEffect">
+                                  <p:stCondLst>
+                                    <p:cond delay="0"/>
+                                  </p:stCondLst>
+                                  <p:childTnLst>
+                                    <p:set>
+                                      <p:cBhvr>
+                                        <p:cTn id="19" dur="1" fill="hold">
+                                          <p:stCondLst>
+                                            <p:cond delay="0"/>
+                                          </p:stCondLst>
+                                        </p:cTn>
+                                        <p:tgtEl>
+                                          <p:spTgt spid="22"/>
+                                        </p:tgtEl>
+                                        <p:attrNameLst>
+                                          <p:attrName>style.visibility</p:attrName>
+                                        </p:attrNameLst>
+                                      </p:cBhvr>
+                                      <p:to>
+                                        <p:strVal val="visible"/>
+                                      </p:to>
+                                    </p:set>
+                                  </p:childTnLst>
+                                </p:cTn>
+                              </p:par>
+                              <p:par>
+                                <p:cTn id="20" presetID="1" presetClass="entr" presetSubtype="0" fill="hold" grpId="0" nodeType="withEffect">
+                                  <p:stCondLst>
+                                    <p:cond delay="0"/>
+                                  </p:stCondLst>
+                                  <p:childTnLst>
+                                    <p:set>
+                                      <p:cBhvr>
+                                        <p:cTn id="21" dur="1" fill="hold">
+                                          <p:stCondLst>
+                                            <p:cond delay="0"/>
+                                          </p:stCondLst>
+                                        </p:cTn>
+                                        <p:tgtEl>
+                                          <p:spTgt spid="23"/>
+                                        </p:tgtEl>
+                                        <p:attrNameLst>
+                                          <p:attrName>style.visibility</p:attrName>
+                                        </p:attrNameLst>
+                                      </p:cBhvr>
+                                      <p:to>
+                                        <p:strVal val="visible"/>
+                                      </p:to>
+                                    </p:set>
+                                  </p:childTnLst>
+                                </p:cTn>
+                              </p:par>
+                              <p:par>
+                                <p:cTn id="22" presetID="1" presetClass="entr" presetSubtype="0" fill="hold" grpId="0" nodeType="withEffect">
+                                  <p:stCondLst>
+                                    <p:cond delay="0"/>
+                                  </p:stCondLst>
+                                  <p:childTnLst>
+                                    <p:set>
+                                      <p:cBhvr>
+                                        <p:cTn id="23" dur="1" fill="hold">
+                                          <p:stCondLst>
+                                            <p:cond delay="0"/>
+                                          </p:stCondLst>
+                                        </p:cTn>
+                                        <p:tgtEl>
+                                          <p:spTgt spid="30"/>
+                                        </p:tgtEl>
+                                        <p:attrNameLst>
+                                          <p:attrName>style.visibility</p:attrName>
+                                        </p:attrNameLst>
+                                      </p:cBhvr>
+                                      <p:to>
+                                        <p:strVal val="visible"/>
+                                      </p:to>
+                                    </p:set>
+                                  </p:childTnLst>
+                                </p:cTn>
+                              </p:par>
+                              <p:par>
+                                <p:cTn id="24" presetID="1" presetClass="entr" presetSubtype="0" fill="hold" grpId="0" nodeType="withEffect">
+                                  <p:stCondLst>
+                                    <p:cond delay="0"/>
+                                  </p:stCondLst>
+                                  <p:childTnLst>
+                                    <p:set>
+                                      <p:cBhvr>
+                                        <p:cTn id="25" dur="1" fill="hold">
+                                          <p:stCondLst>
+                                            <p:cond delay="0"/>
+                                          </p:stCondLst>
+                                        </p:cTn>
+                                        <p:tgtEl>
+                                          <p:spTgt spid="33"/>
+                                        </p:tgtEl>
+                                        <p:attrNameLst>
+                                          <p:attrName>style.visibility</p:attrName>
+                                        </p:attrNameLst>
+                                      </p:cBhvr>
+                                      <p:to>
+                                        <p:strVal val="visible"/>
+                                      </p:to>
+                                    </p:set>
+                                  </p:childTnLst>
+                                </p:cTn>
+                              </p:par>
+                              <p:par>
+                                <p:cTn id="26" presetID="1" presetClass="entr" presetSubtype="0" fill="hold" nodeType="withEffect">
+                                  <p:stCondLst>
+                                    <p:cond delay="0"/>
+                                  </p:stCondLst>
+                                  <p:childTnLst>
+                                    <p:set>
+                                      <p:cBhvr>
+                                        <p:cTn id="27" dur="1" fill="hold">
+                                          <p:stCondLst>
+                                            <p:cond delay="0"/>
+                                          </p:stCondLst>
+                                        </p:cTn>
+                                        <p:tgtEl>
+                                          <p:spTgt spid="8"/>
+                                        </p:tgtEl>
+                                        <p:attrNameLst>
+                                          <p:attrName>style.visibility</p:attrName>
+                                        </p:attrNameLst>
+                                      </p:cBhvr>
+                                      <p:to>
+                                        <p:strVal val="visible"/>
+                                      </p:to>
+                                    </p:set>
+                                  </p:childTnLst>
+                                </p:cTn>
+                              </p:par>
+                              <p:par>
+                                <p:cTn id="28" presetID="1" presetClass="entr" presetSubtype="0" fill="hold" nodeType="withEffect">
+                                  <p:stCondLst>
+                                    <p:cond delay="0"/>
+                                  </p:stCondLst>
+                                  <p:childTnLst>
+                                    <p:set>
+                                      <p:cBhvr>
+                                        <p:cTn id="29" dur="1" fill="hold">
+                                          <p:stCondLst>
+                                            <p:cond delay="0"/>
+                                          </p:stCondLst>
+                                        </p:cTn>
+                                        <p:tgtEl>
+                                          <p:spTgt spid="13"/>
+                                        </p:tgtEl>
+                                        <p:attrNameLst>
+                                          <p:attrName>style.visibility</p:attrName>
+                                        </p:attrNameLst>
+                                      </p:cBhvr>
+                                      <p:to>
+                                        <p:strVal val="visible"/>
+                                      </p:to>
+                                    </p:set>
+                                  </p:childTnLst>
+                                </p:cTn>
+                              </p:par>
+                              <p:par>
+                                <p:cTn id="30" presetID="1" presetClass="entr" presetSubtype="0" fill="hold" nodeType="withEffect">
+                                  <p:stCondLst>
+                                    <p:cond delay="0"/>
+                                  </p:stCondLst>
+                                  <p:childTnLst>
+                                    <p:set>
+                                      <p:cBhvr>
+                                        <p:cTn id="31" dur="1" fill="hold">
+                                          <p:stCondLst>
+                                            <p:cond delay="0"/>
+                                          </p:stCondLst>
+                                        </p:cTn>
+                                        <p:tgtEl>
+                                          <p:spTgt spid="18"/>
+                                        </p:tgtEl>
+                                        <p:attrNameLst>
+                                          <p:attrName>style.visibility</p:attrName>
+                                        </p:attrNameLst>
+                                      </p:cBhvr>
+                                      <p:to>
+                                        <p:strVal val="visible"/>
+                                      </p:to>
+                                    </p:set>
+                                  </p:childTnLst>
+                                </p:cTn>
+                              </p:par>
+                              <p:par>
+                                <p:cTn id="32" presetID="1" presetClass="entr" presetSubtype="0" fill="hold" nodeType="withEffect">
+                                  <p:stCondLst>
+                                    <p:cond delay="0"/>
+                                  </p:stCondLst>
+                                  <p:childTnLst>
+                                    <p:set>
+                                      <p:cBhvr>
+                                        <p:cTn id="33" dur="1" fill="hold">
+                                          <p:stCondLst>
+                                            <p:cond delay="0"/>
+                                          </p:stCondLst>
+                                        </p:cTn>
+                                        <p:tgtEl>
+                                          <p:spTgt spid="21"/>
+                                        </p:tgtEl>
+                                        <p:attrNameLst>
+                                          <p:attrName>style.visibility</p:attrName>
+                                        </p:attrNameLst>
+                                      </p:cBhvr>
+                                      <p:to>
+                                        <p:strVal val="visible"/>
+                                      </p:to>
+                                    </p:set>
+                                  </p:childTnLst>
+                                </p:cTn>
+                              </p:par>
+                              <p:par>
+                                <p:cTn id="34" presetID="1" presetClass="entr" presetSubtype="0" fill="hold" nodeType="withEffect">
+                                  <p:stCondLst>
+                                    <p:cond delay="0"/>
+                                  </p:stCondLst>
+                                  <p:childTnLst>
+                                    <p:set>
+                                      <p:cBhvr>
+                                        <p:cTn id="35" dur="1" fill="hold">
+                                          <p:stCondLst>
+                                            <p:cond delay="0"/>
+                                          </p:stCondLst>
+                                        </p:cTn>
+                                        <p:tgtEl>
+                                          <p:spTgt spid="25"/>
+                                        </p:tgtEl>
+                                        <p:attrNameLst>
+                                          <p:attrName>style.visibility</p:attrName>
+                                        </p:attrNameLst>
+                                      </p:cBhvr>
+                                      <p:to>
+                                        <p:strVal val="visible"/>
+                                      </p:to>
+                                    </p:set>
+                                  </p:childTnLst>
+                                </p:cTn>
+                              </p:par>
+                              <p:par>
+                                <p:cTn id="36" presetID="1" presetClass="entr" presetSubtype="0" fill="hold" nodeType="withEffect">
+                                  <p:stCondLst>
+                                    <p:cond delay="0"/>
+                                  </p:stCondLst>
+                                  <p:childTnLst>
+                                    <p:set>
+                                      <p:cBhvr>
+                                        <p:cTn id="37" dur="1" fill="hold">
+                                          <p:stCondLst>
+                                            <p:cond delay="0"/>
+                                          </p:stCondLst>
+                                        </p:cTn>
+                                        <p:tgtEl>
+                                          <p:spTgt spid="28"/>
+                                        </p:tgtEl>
+                                        <p:attrNameLst>
+                                          <p:attrName>style.visibility</p:attrName>
+                                        </p:attrNameLst>
+                                      </p:cBhvr>
+                                      <p:to>
+                                        <p:strVal val="visible"/>
+                                      </p:to>
+                                    </p:set>
+                                  </p:childTnLst>
+                                </p:cTn>
+                              </p:par>
+                              <p:par>
+                                <p:cTn id="38" presetID="1" presetClass="entr" presetSubtype="0" fill="hold" nodeType="withEffect">
+                                  <p:stCondLst>
+                                    <p:cond delay="0"/>
+                                  </p:stCondLst>
+                                  <p:childTnLst>
+                                    <p:set>
+                                      <p:cBhvr>
+                                        <p:cTn id="39" dur="1" fill="hold">
+                                          <p:stCondLst>
+                                            <p:cond delay="0"/>
+                                          </p:stCondLst>
+                                        </p:cTn>
+                                        <p:tgtEl>
+                                          <p:spTgt spid="35"/>
+                                        </p:tgtEl>
+                                        <p:attrNameLst>
+                                          <p:attrName>style.visibility</p:attrName>
+                                        </p:attrNameLst>
+                                      </p:cBhvr>
+                                      <p:to>
+                                        <p:strVal val="visible"/>
+                                      </p:to>
+                                    </p:set>
+                                  </p:childTnLst>
+                                </p:cTn>
+                              </p:par>
+                              <p:par>
+                                <p:cTn id="40" presetID="1" presetClass="entr" presetSubtype="0" fill="hold" nodeType="withEffect">
+                                  <p:stCondLst>
+                                    <p:cond delay="0"/>
+                                  </p:stCondLst>
+                                  <p:childTnLst>
+                                    <p:set>
+                                      <p:cBhvr>
+                                        <p:cTn id="41" dur="1" fill="hold">
+                                          <p:stCondLst>
+                                            <p:cond delay="0"/>
+                                          </p:stCondLst>
+                                        </p:cTn>
+                                        <p:tgtEl>
+                                          <p:spTgt spid="32"/>
+                                        </p:tgtEl>
+                                        <p:attrNameLst>
+                                          <p:attrName>style.visibility</p:attrName>
+                                        </p:attrNameLst>
+                                      </p:cBhvr>
+                                      <p:to>
+                                        <p:strVal val="visible"/>
+                                      </p:to>
+                                    </p:set>
+                                  </p:childTnLst>
+                                </p:cTn>
+                              </p:par>
+                            </p:childTnLst>
+                          </p:cTn>
+                        </p:par>
+                      </p:childTnLst>
+                    </p:cTn>
+                  </p:par>
+                </p:childTnLst>
+              </p:cTn>
+              <p:prevCondLst>
+                <p:cond evt="onPrev" delay="0">
+                  <p:tgtEl>
+                    <p:sldTgt/>
+                  </p:tgtEl>
+                </p:cond>
+              </p:prevCondLst>
+              <p:nextCondLst>
+                <p:cond evt="onNext" delay="0">
+                  <p:tgtEl>
+                    <p:sldTgt/>
+                  </p:tgtEl>
+                </p:cond>
+              </p:nextCondLst>
+            </p:seq>
+          </p:childTnLst>
+        </p:cTn>
+      </p:par>
+    </p:tnLst>
+    <p:bldLst>
+      <p:bldP spid="4" grpId="0" animBg="1"/>
+      <p:bldP spid="10" grpId="0" animBg="1"/>
+      <p:bldP spid="11" grpId="0" animBg="1"/>
+      <p:bldP spid="16" grpId="0" animBg="1"/>
+      <p:bldP spid="19" grpId="0" animBg="1"/>
+      <p:bldP spid="22" grpId="0" animBg="1"/>
+      <p:bldP spid="23" grpId="0" animBg="1"/>
+      <p:bldP spid="30" grpId="0" animBg="1"/>
+      <p:bldP spid="33" grpId="0" animBg="1"/>
+    </p:bldLst>
+  </p:timing>
+</p:sld>
+</file>
+
+<file path=ppt/slides/slide30.xml><?xml version="1.0" encoding="utf-8"?>
+<p:sld xmlns:a="http://schemas.openxmlformats.org/drawingml/2006/main" xmlns:r="http://schemas.openxmlformats.org/officeDocument/2006/relationships" xmlns:p="http://schemas.openxmlformats.org/presentationml/2006/main">
+  <p:cSld>
+    <p:spTree>
+      <p:nvGrpSpPr>
+        <p:cNvPr id="1" name=""/>
+        <p:cNvGrpSpPr/>
+        <p:nvPr/>
+      </p:nvGrpSpPr>
+      <p:grpSpPr>
+        <a:xfrm>
+          <a:off x="0" y="0"/>
+          <a:ext cx="0" cy="0"/>
+          <a:chOff x="0" y="0"/>
+          <a:chExt cx="0" cy="0"/>
+        </a:xfrm>
+      </p:grpSpPr>
+      <p:sp>
+        <p:nvSpPr>
+          <p:cNvPr id="2" name="Title 1"/>
+          <p:cNvSpPr>
+            <a:spLocks noGrp="1"/>
+          </p:cNvSpPr>
+          <p:nvPr>
+            <p:ph type="title"/>
+          </p:nvPr>
+        </p:nvSpPr>
+        <p:spPr>
+          <a:xfrm>
+            <a:off x="3864429" y="2476953"/>
+            <a:ext cx="8001000" cy="1325563"/>
+          </a:xfrm>
+        </p:spPr>
+        <p:txBody>
+          <a:bodyPr/>
+          <a:lstStyle/>
+          <a:p>
+            <a:r>
+              <a:rPr lang="en-US" b="1" dirty="0" smtClean="0"/>
+              <a:t>Initial Results</a:t>
+            </a:r>
+            <a:endParaRPr lang="en-US" b="1" dirty="0"/>
+          </a:p>
+        </p:txBody>
+      </p:sp>
+    </p:spTree>
+    <p:extLst>
+      <p:ext uri="{BB962C8B-B14F-4D97-AF65-F5344CB8AC3E}">
+        <p14:creationId xmlns:p14="http://schemas.microsoft.com/office/powerpoint/2010/main" val="224642583"/>
+      </p:ext>
+    </p:extLst>
+  </p:cSld>
+  <p:clrMapOvr>
+    <a:masterClrMapping/>
+  </p:clrMapOvr>
+  <p:timing>
+    <p:tnLst>
+      <p:par>
+        <p:cTn id="1" dur="indefinite" restart="never" nodeType="tmRoot"/>
+      </p:par>
+    </p:tnLst>
+  </p:timing>
+</p:sld>
+</file>
+
+<file path=ppt/slides/slide31.xml><?xml version="1.0" encoding="utf-8"?>
+<p:sld xmlns:a="http://schemas.openxmlformats.org/drawingml/2006/main" xmlns:r="http://schemas.openxmlformats.org/officeDocument/2006/relationships" xmlns:p="http://schemas.openxmlformats.org/presentationml/2006/main">
+  <p:cSld>
+    <p:spTree>
+      <p:nvGrpSpPr>
+        <p:cNvPr id="1" name=""/>
+        <p:cNvGrpSpPr/>
+        <p:nvPr/>
+      </p:nvGrpSpPr>
+      <p:grpSpPr>
+        <a:xfrm>
+          <a:off x="0" y="0"/>
+          <a:ext cx="0" cy="0"/>
+          <a:chOff x="0" y="0"/>
+          <a:chExt cx="0" cy="0"/>
+        </a:xfrm>
+      </p:grpSpPr>
+      <p:sp>
+        <p:nvSpPr>
+          <p:cNvPr id="2" name="Title 1"/>
+          <p:cNvSpPr>
+            <a:spLocks noGrp="1"/>
+          </p:cNvSpPr>
+          <p:nvPr>
+            <p:ph type="title"/>
+          </p:nvPr>
+        </p:nvSpPr>
+        <p:spPr>
+          <a:xfrm>
+            <a:off x="141514" y="147411"/>
+            <a:ext cx="10515600" cy="1325563"/>
+          </a:xfrm>
+        </p:spPr>
+        <p:txBody>
+          <a:bodyPr/>
+          <a:lstStyle/>
+          <a:p>
+            <a:r>
+              <a:rPr lang="en-US" b="1" dirty="0" smtClean="0"/>
+              <a:t>Sent and Received Messages</a:t>
+            </a:r>
+            <a:endParaRPr lang="en-US" b="1" dirty="0"/>
+          </a:p>
+        </p:txBody>
+      </p:sp>
+      <p:pic>
+        <p:nvPicPr>
+          <p:cNvPr id="4" name="Content Placeholder 3"/>
+          <p:cNvPicPr>
+            <a:picLocks noGrp="1" noChangeAspect="1"/>
+          </p:cNvPicPr>
+          <p:nvPr>
+            <p:ph idx="1"/>
+          </p:nvPr>
+        </p:nvPicPr>
+        <p:blipFill>
+          <a:blip r:embed="rId2">
+            <a:extLst>
+              <a:ext uri="{28A0092B-C50C-407E-A947-70E740481C1C}">
+                <a14:useLocalDpi xmlns:a14="http://schemas.microsoft.com/office/drawing/2010/main" val="0"/>
+              </a:ext>
+            </a:extLst>
+          </a:blip>
+          <a:stretch>
+            <a:fillRect/>
+          </a:stretch>
+        </p:blipFill>
+        <p:spPr>
+          <a:xfrm>
+            <a:off x="239260" y="1472974"/>
+            <a:ext cx="11779250" cy="4916806"/>
+          </a:xfrm>
+        </p:spPr>
+      </p:pic>
+    </p:spTree>
+    <p:extLst>
+      <p:ext uri="{BB962C8B-B14F-4D97-AF65-F5344CB8AC3E}">
+        <p14:creationId xmlns:p14="http://schemas.microsoft.com/office/powerpoint/2010/main" val="543073848"/>
+      </p:ext>
+    </p:extLst>
+  </p:cSld>
+  <p:clrMapOvr>
+    <a:masterClrMapping/>
+  </p:clrMapOvr>
+  <p:timing>
+    <p:tnLst>
+      <p:par>
+        <p:cTn id="1" dur="indefinite" restart="never" nodeType="tmRoot"/>
+      </p:par>
+    </p:tnLst>
+  </p:timing>
+</p:sld>
+</file>
+
+<file path=ppt/slides/slide32.xml><?xml version="1.0" encoding="utf-8"?>
+<p:sld xmlns:a="http://schemas.openxmlformats.org/drawingml/2006/main" xmlns:r="http://schemas.openxmlformats.org/officeDocument/2006/relationships" xmlns:p="http://schemas.openxmlformats.org/presentationml/2006/main">
+  <p:cSld>
+    <p:spTree>
+      <p:nvGrpSpPr>
+        <p:cNvPr id="1" name=""/>
+        <p:cNvGrpSpPr/>
+        <p:nvPr/>
+      </p:nvGrpSpPr>
+      <p:grpSpPr>
+        <a:xfrm>
+          <a:off x="0" y="0"/>
+          <a:ext cx="0" cy="0"/>
+          <a:chOff x="0" y="0"/>
+          <a:chExt cx="0" cy="0"/>
+        </a:xfrm>
+      </p:grpSpPr>
+      <p:sp>
+        <p:nvSpPr>
+          <p:cNvPr id="2" name="Title 1"/>
+          <p:cNvSpPr>
+            <a:spLocks noGrp="1"/>
+          </p:cNvSpPr>
+          <p:nvPr>
+            <p:ph type="title"/>
+          </p:nvPr>
+        </p:nvSpPr>
+        <p:spPr>
+          <a:xfrm>
+            <a:off x="206828" y="219868"/>
+            <a:ext cx="10515600" cy="1325563"/>
+          </a:xfrm>
+        </p:spPr>
+        <p:txBody>
+          <a:bodyPr/>
+          <a:lstStyle/>
+          <a:p>
+            <a:r>
+              <a:rPr lang="en-US" b="1" dirty="0" smtClean="0"/>
+              <a:t>Scenario after 1 upload</a:t>
+            </a:r>
+            <a:endParaRPr lang="en-US" b="1" dirty="0"/>
+          </a:p>
+        </p:txBody>
+      </p:sp>
+      <p:pic>
+        <p:nvPicPr>
+          <p:cNvPr id="4" name="Content Placeholder 3"/>
+          <p:cNvPicPr>
+            <a:picLocks noGrp="1" noChangeAspect="1"/>
+          </p:cNvPicPr>
+          <p:nvPr>
+            <p:ph idx="1"/>
+          </p:nvPr>
+        </p:nvPicPr>
+        <p:blipFill>
+          <a:blip r:embed="rId2">
+            <a:extLst>
+              <a:ext uri="{28A0092B-C50C-407E-A947-70E740481C1C}">
+                <a14:useLocalDpi xmlns:a14="http://schemas.microsoft.com/office/drawing/2010/main" val="0"/>
+              </a:ext>
+            </a:extLst>
+          </a:blip>
+          <a:stretch>
+            <a:fillRect/>
+          </a:stretch>
+        </p:blipFill>
+        <p:spPr>
+          <a:xfrm>
             <a:off x="5659242" y="1981199"/>
             <a:ext cx="6263337" cy="2630941"/>
           </a:xfrm>
@@ -18734,8 +20912,8 @@
             </p:nvSpPr>
             <p:spPr>
               <a:xfrm>
-                <a:off x="206828" y="1981199"/>
-                <a:ext cx="5452414" cy="2862322"/>
+                <a:off x="206828" y="1595433"/>
+                <a:ext cx="5452414" cy="4893647"/>
               </a:xfrm>
               <a:prstGeom prst="rect">
                 <a:avLst/>
@@ -18770,14 +20948,14 @@
                     <m:sSub>
                       <m:sSubPr>
                         <m:ctrlPr>
-                          <a:rPr lang="en-US" i="1" smtClean="0">
+                          <a:rPr lang="en-US" sz="2400" i="1" smtClean="0">
                             <a:latin typeface="Cambria Math" charset="0"/>
                           </a:rPr>
                         </m:ctrlPr>
                       </m:sSubPr>
                       <m:e>
                         <m:r>
-                          <a:rPr lang="en-US" b="0" i="1" smtClean="0">
+                          <a:rPr lang="en-US" sz="2400" b="0" i="1" smtClean="0">
                             <a:latin typeface="Cambria Math" charset="0"/>
                           </a:rPr>
                           <m:t>𝑡</m:t>
@@ -18785,7 +20963,7 @@
                       </m:e>
                       <m:sub>
                         <m:r>
-                          <a:rPr lang="en-US" b="0" i="1" smtClean="0">
+                          <a:rPr lang="en-US" sz="2400" b="0" i="1" smtClean="0">
                             <a:latin typeface="Cambria Math" charset="0"/>
                           </a:rPr>
                           <m:t>0</m:t>
@@ -18795,7 +20973,7 @@
                   </m:oMath>
                 </a14:m>
                 <a:r>
-                  <a:rPr lang="en-US" dirty="0" smtClean="0"/>
+                  <a:rPr lang="en-US" sz="2400" dirty="0" smtClean="0"/>
                   <a:t> = 10 seconds, </a:t>
                 </a:r>
                 <a14:m>
@@ -18803,14 +20981,14 @@
                     <m:sSub>
                       <m:sSubPr>
                         <m:ctrlPr>
-                          <a:rPr lang="en-US" i="1" smtClean="0">
+                          <a:rPr lang="en-US" sz="2400" i="1" smtClean="0">
                             <a:latin typeface="Cambria Math" charset="0"/>
                           </a:rPr>
                         </m:ctrlPr>
                       </m:sSubPr>
                       <m:e>
                         <m:r>
-                          <a:rPr lang="en-US" b="0" i="1" smtClean="0">
+                          <a:rPr lang="en-US" sz="2400" b="0" i="1" smtClean="0">
                             <a:latin typeface="Cambria Math" charset="0"/>
                           </a:rPr>
                           <m:t>𝑡</m:t>
@@ -18818,7 +20996,7 @@
                       </m:e>
                       <m:sub>
                         <m:r>
-                          <a:rPr lang="en-US" b="0" i="1" smtClean="0">
+                          <a:rPr lang="en-US" sz="2400" b="0" i="1" smtClean="0">
                             <a:latin typeface="Cambria Math" charset="0"/>
                           </a:rPr>
                           <m:t>𝑠𝑒𝑟𝑣𝑒𝑟</m:t>
@@ -18828,7 +21006,7 @@
                   </m:oMath>
                 </a14:m>
                 <a:r>
-                  <a:rPr lang="en-US" dirty="0" smtClean="0"/>
+                  <a:rPr lang="en-US" sz="2400" dirty="0" smtClean="0"/>
                   <a:t> = 45 seconds</a:t>
                 </a:r>
               </a:p>
@@ -18838,7 +21016,7 @@
                   <a:buChar char="•"/>
                 </a:pPr>
                 <a:r>
-                  <a:rPr lang="en-US" dirty="0" smtClean="0"/>
+                  <a:rPr lang="en-US" sz="2400" dirty="0" smtClean="0"/>
                   <a:t>Total delay= 45-10 =35 seconds</a:t>
                 </a:r>
               </a:p>
@@ -18848,7 +21026,7 @@
                   <a:buChar char="•"/>
                 </a:pPr>
                 <a:r>
-                  <a:rPr lang="en-US" dirty="0" smtClean="0"/>
+                  <a:rPr lang="en-US" sz="2400" dirty="0" smtClean="0"/>
                   <a:t>Speed = 55 mph</a:t>
                 </a:r>
               </a:p>
@@ -18858,7 +21036,7 @@
                   <a:buChar char="•"/>
                 </a:pPr>
                 <a:r>
-                  <a:rPr lang="en-US" dirty="0" smtClean="0"/>
+                  <a:rPr lang="en-US" sz="2400" dirty="0" smtClean="0"/>
                   <a:t>Distance traveled (r) in 35 seconds is 875 meters.</a:t>
                 </a:r>
               </a:p>
@@ -18868,7 +21046,7 @@
                   <a:buChar char="•"/>
                 </a:pPr>
                 <a:r>
-                  <a:rPr lang="en-US" dirty="0" smtClean="0"/>
+                  <a:rPr lang="en-US" sz="2400" dirty="0" smtClean="0"/>
                   <a:t>Adversary will draw a circle of radius 875 meters from (X,Y).</a:t>
                 </a:r>
               </a:p>
@@ -18878,7 +21056,7 @@
                   <a:buChar char="•"/>
                 </a:pPr>
                 <a:r>
-                  <a:rPr lang="en-US" dirty="0" smtClean="0"/>
+                  <a:rPr lang="en-US" sz="2400" dirty="0" smtClean="0"/>
                   <a:t>Node14 will be inside this area of 875 meters.</a:t>
                 </a:r>
               </a:p>
@@ -18888,7 +21066,7 @@
                   <a:buChar char="•"/>
                 </a:pPr>
                 <a:r>
-                  <a:rPr lang="en-US" dirty="0" smtClean="0"/>
+                  <a:rPr lang="en-US" sz="2400" dirty="0" smtClean="0"/>
                   <a:t>Privacy evaluation metrics-</a:t>
                 </a:r>
               </a:p>
@@ -18898,7 +21076,11 @@
                   <a:buChar char="•"/>
                 </a:pPr>
                 <a:r>
-                  <a:rPr lang="en-US" dirty="0" smtClean="0"/>
+                  <a:rPr lang="en-US" sz="2400" b="1" dirty="0" smtClean="0">
+                    <a:solidFill>
+                      <a:srgbClr val="FF0000"/>
+                    </a:solidFill>
+                  </a:rPr>
                   <a:t>k=15</a:t>
                 </a:r>
               </a:p>
@@ -18908,10 +21090,18 @@
                   <a:buChar char="•"/>
                 </a:pPr>
                 <a:r>
-                  <a:rPr lang="en-US" dirty="0" smtClean="0"/>
+                  <a:rPr lang="en-US" sz="2400" b="1" dirty="0" smtClean="0">
+                    <a:solidFill>
+                      <a:srgbClr val="FF0000"/>
+                    </a:solidFill>
+                  </a:rPr>
                   <a:t>Area of region of interest=875 meters</a:t>
                 </a:r>
-                <a:endParaRPr lang="en-US" dirty="0"/>
+                <a:endParaRPr lang="en-US" sz="2400" b="1" dirty="0">
+                  <a:solidFill>
+                    <a:srgbClr val="FF0000"/>
+                  </a:solidFill>
+                </a:endParaRPr>
               </a:p>
             </p:txBody>
           </p:sp>
@@ -18927,8 +21117,8 @@
             </p:nvSpPr>
             <p:spPr>
               <a:xfrm>
-                <a:off x="206828" y="1981199"/>
-                <a:ext cx="5452414" cy="2862322"/>
+                <a:off x="206828" y="1595433"/>
+                <a:ext cx="5452414" cy="4893647"/>
               </a:xfrm>
               <a:prstGeom prst="rect">
                 <a:avLst/>
@@ -18936,7 +21126,7 @@
               <a:blipFill rotWithShape="0">
                 <a:blip r:embed="rId3"/>
                 <a:stretch>
-                  <a:fillRect l="-670" t="-847" b="-2119"/>
+                  <a:fillRect l="-1451" t="-871" b="-1866"/>
                 </a:stretch>
               </a:blipFill>
             </p:spPr>
@@ -18975,7 +21165,7 @@
 </p:sld>
 </file>
 
-<file path=ppt/slides/slide29.xml><?xml version="1.0" encoding="utf-8"?>
+<file path=ppt/slides/slide33.xml><?xml version="1.0" encoding="utf-8"?>
 <p:sld xmlns:a="http://schemas.openxmlformats.org/drawingml/2006/main" xmlns:r="http://schemas.openxmlformats.org/officeDocument/2006/relationships" xmlns:p="http://schemas.openxmlformats.org/presentationml/2006/main">
   <p:cSld>
     <p:spTree>
@@ -19041,7 +21231,7 @@
 </p:sld>
 </file>
 
-<file path=ppt/slides/slide3.xml><?xml version="1.0" encoding="utf-8"?>
+<file path=ppt/slides/slide34.xml><?xml version="1.0" encoding="utf-8"?>
 <p:sld xmlns:a="http://schemas.openxmlformats.org/drawingml/2006/main" xmlns:r="http://schemas.openxmlformats.org/officeDocument/2006/relationships" xmlns:p="http://schemas.openxmlformats.org/presentationml/2006/main">
   <p:cSld>
     <p:spTree>
@@ -19074,10 +21264,10 @@
           <a:lstStyle/>
           <a:p>
             <a:r>
-              <a:rPr lang="en-US" dirty="0" smtClean="0"/>
-              <a:t>Different applications</a:t>
-            </a:r>
-            <a:endParaRPr lang="en-US" dirty="0"/>
+              <a:rPr lang="en-US" b="1" dirty="0" smtClean="0"/>
+              <a:t>Work done till now</a:t>
+            </a:r>
+            <a:endParaRPr lang="en-US" b="1" dirty="0"/>
           </a:p>
         </p:txBody>
       </p:sp>
@@ -19096,14 +21286,48 @@
           <a:bodyPr/>
           <a:lstStyle/>
           <a:p>
-            <a:endParaRPr lang="en-US"/>
+            <a:r>
+              <a:rPr lang="en-US" dirty="0" smtClean="0"/>
+              <a:t>Simulation setup complete.</a:t>
+            </a:r>
+          </a:p>
+          <a:p>
+            <a:r>
+              <a:rPr lang="en-US" dirty="0" smtClean="0"/>
+              <a:t>Vehicles can generate new messages and can forward old messages to other vehicles with some probability</a:t>
+            </a:r>
+          </a:p>
+          <a:p>
+            <a:r>
+              <a:rPr lang="en-US" dirty="0" smtClean="0"/>
+              <a:t>Random delay is added before every transmission</a:t>
+            </a:r>
+          </a:p>
+          <a:p>
+            <a:r>
+              <a:rPr lang="en-US" b="1" dirty="0" smtClean="0">
+                <a:solidFill>
+                  <a:srgbClr val="FF0000"/>
+                </a:solidFill>
+              </a:rPr>
+              <a:t>After one upload the adversary has a large area under consideration which has a large number of vehicles. [Privacy preserved]</a:t>
+            </a:r>
+          </a:p>
+          <a:p>
+            <a:endParaRPr lang="en-US" dirty="0" smtClean="0"/>
+          </a:p>
+          <a:p>
+            <a:endParaRPr lang="en-US" dirty="0" smtClean="0"/>
+          </a:p>
+          <a:p>
+            <a:endParaRPr lang="en-US" dirty="0"/>
           </a:p>
         </p:txBody>
       </p:sp>
     </p:spTree>
     <p:extLst>
       <p:ext uri="{BB962C8B-B14F-4D97-AF65-F5344CB8AC3E}">
-        <p14:creationId xmlns:p14="http://schemas.microsoft.com/office/powerpoint/2010/main" val="1492076107"/>
+        <p14:creationId xmlns:p14="http://schemas.microsoft.com/office/powerpoint/2010/main" val="276072018"/>
       </p:ext>
     </p:extLst>
   </p:cSld>
@@ -19120,7 +21344,7 @@
 </p:sld>
 </file>
 
-<file path=ppt/slides/slide30.xml><?xml version="1.0" encoding="utf-8"?>
+<file path=ppt/slides/slide35.xml><?xml version="1.0" encoding="utf-8"?>
 <p:sld xmlns:a="http://schemas.openxmlformats.org/drawingml/2006/main" xmlns:r="http://schemas.openxmlformats.org/officeDocument/2006/relationships" xmlns:p="http://schemas.openxmlformats.org/presentationml/2006/main">
   <p:cSld>
     <p:spTree>
@@ -19153,10 +21377,10 @@
           <a:lstStyle/>
           <a:p>
             <a:r>
-              <a:rPr lang="en-US" dirty="0" smtClean="0"/>
+              <a:rPr lang="en-US" b="1" dirty="0" smtClean="0"/>
               <a:t>Future Work</a:t>
             </a:r>
-            <a:endParaRPr lang="en-US" dirty="0"/>
+            <a:endParaRPr lang="en-US" b="1" dirty="0"/>
           </a:p>
         </p:txBody>
       </p:sp>
@@ -19175,14 +21399,453 @@
           <a:bodyPr/>
           <a:lstStyle/>
           <a:p>
-            <a:endParaRPr lang="en-US"/>
-          </a:p>
-        </p:txBody>
-      </p:sp>
+            <a:r>
+              <a:rPr lang="en-US" dirty="0" smtClean="0"/>
+              <a:t>Experiment with different values Random Delays</a:t>
+            </a:r>
+          </a:p>
+          <a:p>
+            <a:r>
+              <a:rPr lang="en-US" dirty="0" smtClean="0"/>
+              <a:t>Apply </a:t>
+            </a:r>
+            <a:r>
+              <a:rPr lang="en-US" dirty="0"/>
+              <a:t>different algorithms to choose the neighboring nodes for </a:t>
+            </a:r>
+            <a:r>
+              <a:rPr lang="en-US" dirty="0" smtClean="0"/>
+              <a:t>Indirections</a:t>
+            </a:r>
+            <a:r>
+              <a:rPr lang="en-US" dirty="0"/>
+              <a:t>. </a:t>
+            </a:r>
+            <a:endParaRPr lang="en-US" dirty="0" smtClean="0"/>
+          </a:p>
+          <a:p>
+            <a:r>
+              <a:rPr lang="en-US" dirty="0"/>
+              <a:t>C</a:t>
+            </a:r>
+            <a:r>
+              <a:rPr lang="en-US" dirty="0" smtClean="0"/>
+              <a:t>hoose </a:t>
+            </a:r>
+            <a:r>
+              <a:rPr lang="en-US" dirty="0"/>
+              <a:t>the neighboring nodes at random, choose the node which is traveling in the opposite direction of the source node, choose the node which is at the maximum distance from the source node, etc. </a:t>
+            </a:r>
+            <a:endParaRPr lang="en-US" dirty="0" smtClean="0"/>
+          </a:p>
+          <a:p>
+            <a:r>
+              <a:rPr lang="en-US" dirty="0" smtClean="0"/>
+              <a:t>How the parameters would change in case of freeways and downtown areas.</a:t>
+            </a:r>
+          </a:p>
+          <a:p>
+            <a:r>
+              <a:rPr lang="en-US" dirty="0" smtClean="0"/>
+              <a:t>After how many uploads the adversary can localize uploader</a:t>
+            </a:r>
+          </a:p>
+          <a:p>
+            <a:endParaRPr lang="en-US" dirty="0" smtClean="0"/>
+          </a:p>
+          <a:p>
+            <a:endParaRPr lang="en-US" dirty="0" smtClean="0"/>
+          </a:p>
+          <a:p>
+            <a:endParaRPr lang="en-US" dirty="0" smtClean="0"/>
+          </a:p>
+          <a:p>
+            <a:endParaRPr lang="en-US" dirty="0"/>
+          </a:p>
+        </p:txBody>
+      </p:sp>
+    </p:spTree>
+    <p:extLst>
+      <p:ext uri="{BB962C8B-B14F-4D97-AF65-F5344CB8AC3E}">
+        <p14:creationId xmlns:p14="http://schemas.microsoft.com/office/powerpoint/2010/main" val="1821543279"/>
+      </p:ext>
+    </p:extLst>
+  </p:cSld>
+  <p:clrMapOvr>
+    <a:masterClrMapping/>
+  </p:clrMapOvr>
+  <p:timing>
+    <p:tnLst>
+      <p:par>
+        <p:cTn id="1" dur="indefinite" restart="never" nodeType="tmRoot"/>
+      </p:par>
+    </p:tnLst>
+  </p:timing>
+</p:sld>
+</file>
+
+<file path=ppt/slides/slide36.xml><?xml version="1.0" encoding="utf-8"?>
+<p:sld xmlns:a="http://schemas.openxmlformats.org/drawingml/2006/main" xmlns:r="http://schemas.openxmlformats.org/officeDocument/2006/relationships" xmlns:p="http://schemas.openxmlformats.org/presentationml/2006/main">
+  <p:cSld>
+    <p:spTree>
+      <p:nvGrpSpPr>
+        <p:cNvPr id="1" name=""/>
+        <p:cNvGrpSpPr/>
+        <p:nvPr/>
+      </p:nvGrpSpPr>
+      <p:grpSpPr>
+        <a:xfrm>
+          <a:off x="0" y="0"/>
+          <a:ext cx="0" cy="0"/>
+          <a:chOff x="0" y="0"/>
+          <a:chExt cx="0" cy="0"/>
+        </a:xfrm>
+      </p:grpSpPr>
+      <p:sp>
+        <p:nvSpPr>
+          <p:cNvPr id="2" name="Title 1"/>
+          <p:cNvSpPr>
+            <a:spLocks noGrp="1"/>
+          </p:cNvSpPr>
+          <p:nvPr>
+            <p:ph type="title"/>
+          </p:nvPr>
+        </p:nvSpPr>
+        <p:spPr/>
+        <p:txBody>
+          <a:bodyPr/>
+          <a:lstStyle/>
+          <a:p>
+            <a:r>
+              <a:rPr lang="en-US" b="1" dirty="0" smtClean="0"/>
+              <a:t>Timeline of Future Work</a:t>
+            </a:r>
+            <a:endParaRPr lang="en-US" b="1" dirty="0"/>
+          </a:p>
+        </p:txBody>
+      </p:sp>
+      <p:pic>
+        <p:nvPicPr>
+          <p:cNvPr id="4" name="Content Placeholder 3"/>
+          <p:cNvPicPr>
+            <a:picLocks noGrp="1" noChangeAspect="1"/>
+          </p:cNvPicPr>
+          <p:nvPr>
+            <p:ph idx="1"/>
+          </p:nvPr>
+        </p:nvPicPr>
+        <p:blipFill>
+          <a:blip r:embed="rId2">
+            <a:extLst>
+              <a:ext uri="{28A0092B-C50C-407E-A947-70E740481C1C}">
+                <a14:useLocalDpi xmlns:a14="http://schemas.microsoft.com/office/drawing/2010/main" val="0"/>
+              </a:ext>
+            </a:extLst>
+          </a:blip>
+          <a:stretch>
+            <a:fillRect/>
+          </a:stretch>
+        </p:blipFill>
+        <p:spPr>
+          <a:xfrm>
+            <a:off x="182503" y="1847849"/>
+            <a:ext cx="11826994" cy="3267075"/>
+          </a:xfrm>
+        </p:spPr>
+      </p:pic>
+    </p:spTree>
+    <p:extLst>
+      <p:ext uri="{BB962C8B-B14F-4D97-AF65-F5344CB8AC3E}">
+        <p14:creationId xmlns:p14="http://schemas.microsoft.com/office/powerpoint/2010/main" val="380800034"/>
+      </p:ext>
+    </p:extLst>
+  </p:cSld>
+  <p:clrMapOvr>
+    <a:masterClrMapping/>
+  </p:clrMapOvr>
+  <p:timing>
+    <p:tnLst>
+      <p:par>
+        <p:cTn id="1" dur="indefinite" restart="never" nodeType="tmRoot"/>
+      </p:par>
+    </p:tnLst>
+  </p:timing>
+</p:sld>
+</file>
+
+<file path=ppt/slides/slide37.xml><?xml version="1.0" encoding="utf-8"?>
+<p:sld xmlns:a="http://schemas.openxmlformats.org/drawingml/2006/main" xmlns:r="http://schemas.openxmlformats.org/officeDocument/2006/relationships" xmlns:p="http://schemas.openxmlformats.org/presentationml/2006/main">
+  <p:cSld>
+    <p:spTree>
+      <p:nvGrpSpPr>
+        <p:cNvPr id="1" name=""/>
+        <p:cNvGrpSpPr/>
+        <p:nvPr/>
+      </p:nvGrpSpPr>
+      <p:grpSpPr>
+        <a:xfrm>
+          <a:off x="0" y="0"/>
+          <a:ext cx="0" cy="0"/>
+          <a:chOff x="0" y="0"/>
+          <a:chExt cx="0" cy="0"/>
+        </a:xfrm>
+      </p:grpSpPr>
+      <p:sp>
+        <p:nvSpPr>
+          <p:cNvPr id="2" name="Title 1"/>
+          <p:cNvSpPr>
+            <a:spLocks noGrp="1"/>
+          </p:cNvSpPr>
+          <p:nvPr>
+            <p:ph type="title"/>
+          </p:nvPr>
+        </p:nvSpPr>
+        <p:spPr/>
+        <p:txBody>
+          <a:bodyPr/>
+          <a:lstStyle/>
+          <a:p>
+            <a:r>
+              <a:rPr lang="en-US" b="1" dirty="0" smtClean="0"/>
+              <a:t>Conclusion</a:t>
+            </a:r>
+            <a:endParaRPr lang="en-US" b="1" dirty="0"/>
+          </a:p>
+        </p:txBody>
+      </p:sp>
+      <mc:AlternateContent xmlns:mc="http://schemas.openxmlformats.org/markup-compatibility/2006">
+        <mc:Choice xmlns:a14="http://schemas.microsoft.com/office/drawing/2010/main" Requires="a14">
+          <p:sp>
+            <p:nvSpPr>
+              <p:cNvPr id="3" name="Content Placeholder 2"/>
+              <p:cNvSpPr>
+                <a:spLocks noGrp="1"/>
+              </p:cNvSpPr>
+              <p:nvPr>
+                <p:ph idx="1"/>
+              </p:nvPr>
+            </p:nvSpPr>
+            <p:spPr>
+              <a:xfrm>
+                <a:off x="628650" y="1690688"/>
+                <a:ext cx="10725150" cy="4486275"/>
+              </a:xfrm>
+            </p:spPr>
+            <p:txBody>
+              <a:bodyPr/>
+              <a:lstStyle/>
+              <a:p>
+                <a:r>
+                  <a:rPr lang="en-US" dirty="0" smtClean="0"/>
+                  <a:t>Initial results show that after introducing Random Delays and Indirections the </a:t>
+                </a:r>
+                <a:r>
+                  <a:rPr lang="en-US" b="1" dirty="0" smtClean="0">
+                    <a:solidFill>
+                      <a:srgbClr val="FF0000"/>
+                    </a:solidFill>
+                  </a:rPr>
+                  <a:t>privacy of the uploader is preserved after 1 upload.</a:t>
+                </a:r>
+              </a:p>
+              <a:p>
+                <a:r>
+                  <a:rPr lang="en-US" dirty="0" smtClean="0"/>
+                  <a:t>The </a:t>
+                </a:r>
+                <a:r>
+                  <a:rPr lang="en-US" b="1" dirty="0" smtClean="0">
+                    <a:solidFill>
+                      <a:srgbClr val="FF0000"/>
+                    </a:solidFill>
+                  </a:rPr>
+                  <a:t>privacy of the data source is also preserved </a:t>
+                </a:r>
+                <a:r>
+                  <a:rPr lang="en-US" dirty="0" smtClean="0"/>
+                  <a:t>as adversary has no idea of the location of the source node at time </a:t>
+                </a:r>
+                <a14:m>
+                  <m:oMath xmlns:m="http://schemas.openxmlformats.org/officeDocument/2006/math">
+                    <m:sSub>
+                      <m:sSubPr>
+                        <m:ctrlPr>
+                          <a:rPr lang="en-US" i="1" smtClean="0">
+                            <a:latin typeface="Cambria Math" charset="0"/>
+                          </a:rPr>
+                        </m:ctrlPr>
+                      </m:sSubPr>
+                      <m:e>
+                        <m:r>
+                          <a:rPr lang="en-US" b="0" i="1" smtClean="0">
+                            <a:latin typeface="Cambria Math" charset="0"/>
+                          </a:rPr>
+                          <m:t>𝑡</m:t>
+                        </m:r>
+                      </m:e>
+                      <m:sub>
+                        <m:r>
+                          <a:rPr lang="en-US" b="0" i="1" smtClean="0">
+                            <a:latin typeface="Cambria Math" charset="0"/>
+                          </a:rPr>
+                          <m:t>𝑠𝑒𝑟𝑣𝑒𝑟</m:t>
+                        </m:r>
+                      </m:sub>
+                    </m:sSub>
+                  </m:oMath>
+                </a14:m>
+                <a:endParaRPr lang="en-US" dirty="0" smtClean="0"/>
+              </a:p>
+              <a:p>
+                <a:r>
+                  <a:rPr lang="en-US" dirty="0" smtClean="0"/>
+                  <a:t>The </a:t>
+                </a:r>
+                <a:r>
+                  <a:rPr lang="en-US" b="1" dirty="0" smtClean="0">
+                    <a:solidFill>
+                      <a:srgbClr val="FF0000"/>
+                    </a:solidFill>
+                  </a:rPr>
+                  <a:t>privacy is preserved without adding any noise </a:t>
+                </a:r>
+                <a:r>
+                  <a:rPr lang="en-US" dirty="0" smtClean="0"/>
+                  <a:t>to the data sample.</a:t>
+                </a:r>
+              </a:p>
+              <a:p>
+                <a:endParaRPr lang="en-US" dirty="0" smtClean="0"/>
+              </a:p>
+              <a:p>
+                <a:endParaRPr lang="en-US" dirty="0"/>
+              </a:p>
+            </p:txBody>
+          </p:sp>
+        </mc:Choice>
+        <mc:Fallback>
+          <p:sp>
+            <p:nvSpPr>
+              <p:cNvPr id="3" name="Content Placeholder 2"/>
+              <p:cNvSpPr>
+                <a:spLocks noGrp="1" noRot="1" noChangeAspect="1" noMove="1" noResize="1" noEditPoints="1" noAdjustHandles="1" noChangeArrowheads="1" noChangeShapeType="1" noTextEdit="1"/>
+              </p:cNvSpPr>
+              <p:nvPr>
+                <p:ph idx="1"/>
+              </p:nvPr>
+            </p:nvSpPr>
+            <p:spPr>
+              <a:xfrm>
+                <a:off x="628650" y="1690688"/>
+                <a:ext cx="10725150" cy="4486275"/>
+              </a:xfrm>
+              <a:blipFill rotWithShape="0">
+                <a:blip r:embed="rId2"/>
+                <a:stretch>
+                  <a:fillRect l="-1023" t="-2174" r="-455"/>
+                </a:stretch>
+              </a:blipFill>
+            </p:spPr>
+            <p:txBody>
+              <a:bodyPr/>
+              <a:lstStyle/>
+              <a:p>
+                <a:r>
+                  <a:rPr lang="en-US">
+                    <a:noFill/>
+                  </a:rPr>
+                  <a:t> </a:t>
+                </a:r>
+              </a:p>
+            </p:txBody>
+          </p:sp>
+        </mc:Fallback>
+      </mc:AlternateContent>
     </p:spTree>
     <p:extLst>
       <p:ext uri="{BB962C8B-B14F-4D97-AF65-F5344CB8AC3E}">
         <p14:creationId xmlns:p14="http://schemas.microsoft.com/office/powerpoint/2010/main" val="1517619564"/>
+      </p:ext>
+    </p:extLst>
+  </p:cSld>
+  <p:clrMapOvr>
+    <a:masterClrMapping/>
+  </p:clrMapOvr>
+  <p:timing>
+    <p:tnLst>
+      <p:par>
+        <p:cTn id="1" dur="indefinite" restart="never" nodeType="tmRoot"/>
+      </p:par>
+    </p:tnLst>
+  </p:timing>
+</p:sld>
+</file>
+
+<file path=ppt/slides/slide38.xml><?xml version="1.0" encoding="utf-8"?>
+<p:sld xmlns:a="http://schemas.openxmlformats.org/drawingml/2006/main" xmlns:r="http://schemas.openxmlformats.org/officeDocument/2006/relationships" xmlns:p="http://schemas.openxmlformats.org/presentationml/2006/main">
+  <p:cSld>
+    <p:spTree>
+      <p:nvGrpSpPr>
+        <p:cNvPr id="1" name=""/>
+        <p:cNvGrpSpPr/>
+        <p:nvPr/>
+      </p:nvGrpSpPr>
+      <p:grpSpPr>
+        <a:xfrm>
+          <a:off x="0" y="0"/>
+          <a:ext cx="0" cy="0"/>
+          <a:chOff x="0" y="0"/>
+          <a:chExt cx="0" cy="0"/>
+        </a:xfrm>
+      </p:grpSpPr>
+      <p:sp>
+        <p:nvSpPr>
+          <p:cNvPr id="2" name="Title 1"/>
+          <p:cNvSpPr>
+            <a:spLocks noGrp="1"/>
+          </p:cNvSpPr>
+          <p:nvPr>
+            <p:ph type="title"/>
+          </p:nvPr>
+        </p:nvSpPr>
+        <p:spPr>
+          <a:xfrm>
+            <a:off x="3843338" y="1371601"/>
+            <a:ext cx="3300412" cy="4100511"/>
+          </a:xfrm>
+        </p:spPr>
+        <p:txBody>
+          <a:bodyPr>
+            <a:normAutofit/>
+          </a:bodyPr>
+          <a:lstStyle/>
+          <a:p>
+            <a:r>
+              <a:rPr lang="en-US" dirty="0" smtClean="0"/>
+              <a:t>Thank you.</a:t>
+            </a:r>
+            <a:br>
+              <a:rPr lang="en-US" dirty="0" smtClean="0"/>
+            </a:br>
+            <a:r>
+              <a:rPr lang="en-US" dirty="0" smtClean="0"/>
+              <a:t/>
+            </a:r>
+            <a:br>
+              <a:rPr lang="en-US" dirty="0" smtClean="0"/>
+            </a:br>
+            <a:r>
+              <a:rPr lang="en-US" dirty="0" smtClean="0"/>
+              <a:t>Questions?</a:t>
+            </a:r>
+            <a:endParaRPr lang="en-US" dirty="0"/>
+          </a:p>
+        </p:txBody>
+      </p:sp>
+    </p:spTree>
+    <p:extLst>
+      <p:ext uri="{BB962C8B-B14F-4D97-AF65-F5344CB8AC3E}">
+        <p14:creationId xmlns:p14="http://schemas.microsoft.com/office/powerpoint/2010/main" val="1790591495"/>
       </p:ext>
     </p:extLst>
   </p:cSld>
@@ -19232,10 +21895,10 @@
           <a:lstStyle/>
           <a:p>
             <a:r>
-              <a:rPr lang="en-US" dirty="0" smtClean="0"/>
-              <a:t>What if Privacy is lost</a:t>
-            </a:r>
-            <a:endParaRPr lang="en-US" dirty="0"/>
+              <a:rPr lang="en-US" b="1" dirty="0" smtClean="0"/>
+              <a:t>Importance of Preserving Privacy</a:t>
+            </a:r>
+            <a:endParaRPr lang="en-US" b="1" dirty="0"/>
           </a:p>
         </p:txBody>
       </p:sp>
@@ -19249,12 +21912,77 @@
             <p:ph idx="1"/>
           </p:nvPr>
         </p:nvSpPr>
-        <p:spPr/>
+        <p:spPr>
+          <a:xfrm>
+            <a:off x="838200" y="1825625"/>
+            <a:ext cx="10891838" cy="4660900"/>
+          </a:xfrm>
+        </p:spPr>
         <p:txBody>
           <a:bodyPr/>
           <a:lstStyle/>
           <a:p>
-            <a:endParaRPr lang="en-US"/>
+            <a:r>
+              <a:rPr lang="en-US" dirty="0" smtClean="0"/>
+              <a:t>Adversary can come to know personal information about the users thereby making them uncomfortable.</a:t>
+            </a:r>
+            <a:endParaRPr lang="en-US" dirty="0"/>
+          </a:p>
+          <a:p>
+            <a:r>
+              <a:rPr lang="en-US" dirty="0" smtClean="0"/>
+              <a:t>Adversary over the period of time can come to know the following things about a user if privacy is lost-</a:t>
+            </a:r>
+          </a:p>
+          <a:p>
+            <a:pPr lvl="1"/>
+            <a:r>
+              <a:rPr lang="en-US" dirty="0" smtClean="0"/>
+              <a:t>Driving patterns</a:t>
+            </a:r>
+          </a:p>
+          <a:p>
+            <a:pPr lvl="1"/>
+            <a:r>
+              <a:rPr lang="en-US" dirty="0" smtClean="0"/>
+              <a:t>Frequently visited places</a:t>
+            </a:r>
+          </a:p>
+          <a:p>
+            <a:pPr lvl="1"/>
+            <a:r>
+              <a:rPr lang="en-US" dirty="0" smtClean="0"/>
+              <a:t>Track a user</a:t>
+            </a:r>
+          </a:p>
+          <a:p>
+            <a:pPr lvl="1"/>
+            <a:r>
+              <a:rPr lang="en-US" dirty="0" smtClean="0"/>
+              <a:t>Religious beliefs</a:t>
+            </a:r>
+          </a:p>
+          <a:p>
+            <a:pPr lvl="1"/>
+            <a:r>
+              <a:rPr lang="en-US" dirty="0" smtClean="0"/>
+              <a:t>Political affiliations</a:t>
+            </a:r>
+            <a:endParaRPr lang="en-US" dirty="0"/>
+          </a:p>
+          <a:p>
+            <a:r>
+              <a:rPr lang="en-US" b="1" dirty="0" smtClean="0">
+                <a:solidFill>
+                  <a:srgbClr val="FF0000"/>
+                </a:solidFill>
+              </a:rPr>
+              <a:t>If privacy is not preserved the users would stop collecting data</a:t>
+            </a:r>
+            <a:r>
+              <a:rPr lang="en-US" dirty="0" smtClean="0"/>
+              <a:t>.</a:t>
+            </a:r>
           </a:p>
         </p:txBody>
       </p:sp>
@@ -19311,10 +22039,10 @@
           <a:lstStyle/>
           <a:p>
             <a:r>
-              <a:rPr lang="en-US" dirty="0" smtClean="0"/>
+              <a:rPr lang="en-US" b="1" dirty="0" smtClean="0"/>
               <a:t>How to preserve privacy</a:t>
             </a:r>
-            <a:endParaRPr lang="en-US" dirty="0"/>
+            <a:endParaRPr lang="en-US" b="1" dirty="0"/>
           </a:p>
         </p:txBody>
       </p:sp>
@@ -19328,12 +22056,90 @@
             <p:ph idx="1"/>
           </p:nvPr>
         </p:nvSpPr>
-        <p:spPr/>
-        <p:txBody>
-          <a:bodyPr/>
-          <a:lstStyle/>
-          <a:p>
-            <a:endParaRPr lang="en-US"/>
+        <p:spPr>
+          <a:xfrm>
+            <a:off x="823911" y="1854200"/>
+            <a:ext cx="11091863" cy="4832350"/>
+          </a:xfrm>
+        </p:spPr>
+        <p:txBody>
+          <a:bodyPr>
+            <a:normAutofit fontScale="85000" lnSpcReduction="20000"/>
+          </a:bodyPr>
+          <a:lstStyle/>
+          <a:p>
+            <a:r>
+              <a:rPr lang="en-US" dirty="0" smtClean="0"/>
+              <a:t>Using pseudonyms ID’s</a:t>
+            </a:r>
+          </a:p>
+          <a:p>
+            <a:r>
+              <a:rPr lang="en-US" dirty="0" smtClean="0"/>
+              <a:t>Group pseudonyms</a:t>
+            </a:r>
+          </a:p>
+          <a:p>
+            <a:r>
+              <a:rPr lang="en-US" dirty="0" smtClean="0"/>
+              <a:t>Adding noise to data samples</a:t>
+            </a:r>
+          </a:p>
+          <a:p>
+            <a:pPr lvl="1"/>
+            <a:r>
+              <a:rPr lang="en-US" dirty="0" smtClean="0"/>
+              <a:t>Leads to decrease in utility commonly known as utility-privacy trade-off.</a:t>
+            </a:r>
+          </a:p>
+          <a:p>
+            <a:pPr lvl="1"/>
+            <a:r>
+              <a:rPr lang="en-US" dirty="0" smtClean="0"/>
+              <a:t>Have to compromise on accuracy because of privacy</a:t>
+            </a:r>
+          </a:p>
+          <a:p>
+            <a:pPr marL="457200" lvl="1" indent="0">
+              <a:buNone/>
+            </a:pPr>
+            <a:endParaRPr lang="en-US" dirty="0" smtClean="0"/>
+          </a:p>
+          <a:p>
+            <a:r>
+              <a:rPr lang="en-US" sz="4400" dirty="0" smtClean="0"/>
+              <a:t>Can we preserve the privacy without adding noise to the data samples?</a:t>
+            </a:r>
+          </a:p>
+          <a:p>
+            <a:endParaRPr lang="en-US" sz="2200" dirty="0" smtClean="0">
+              <a:solidFill>
+                <a:srgbClr val="FF0000"/>
+              </a:solidFill>
+            </a:endParaRPr>
+          </a:p>
+          <a:p>
+            <a:r>
+              <a:rPr lang="en-US" sz="3000" b="1" dirty="0" smtClean="0">
+                <a:solidFill>
+                  <a:srgbClr val="FF0000"/>
+                </a:solidFill>
+              </a:rPr>
+              <a:t>If noise is not added to the data samples then there would be no decrease in utility. </a:t>
+            </a:r>
+          </a:p>
+          <a:p>
+            <a:pPr marL="457200" lvl="1" indent="0">
+              <a:buNone/>
+            </a:pPr>
+            <a:r>
+              <a:rPr lang="en-US" dirty="0" smtClean="0"/>
+              <a:t/>
+            </a:r>
+            <a:br>
+              <a:rPr lang="en-US" dirty="0" smtClean="0"/>
+            </a:br>
+            <a:endParaRPr lang="en-US" dirty="0"/>
           </a:p>
         </p:txBody>
       </p:sp>
@@ -19384,16 +22190,21 @@
             <p:ph type="title"/>
           </p:nvPr>
         </p:nvSpPr>
-        <p:spPr/>
+        <p:spPr>
+          <a:xfrm>
+            <a:off x="511629" y="278039"/>
+            <a:ext cx="10515600" cy="1325563"/>
+          </a:xfrm>
+        </p:spPr>
         <p:txBody>
           <a:bodyPr/>
           <a:lstStyle/>
           <a:p>
             <a:r>
-              <a:rPr lang="en-US" dirty="0" smtClean="0"/>
-              <a:t>Focus of our work</a:t>
-            </a:r>
-            <a:endParaRPr lang="en-US" dirty="0"/>
+              <a:rPr lang="en-US" b="1" dirty="0" smtClean="0"/>
+              <a:t>                        Focus of our work</a:t>
+            </a:r>
+            <a:endParaRPr lang="en-US" b="1" dirty="0"/>
           </a:p>
         </p:txBody>
       </p:sp>
@@ -19407,12 +22218,102 @@
             <p:ph idx="1"/>
           </p:nvPr>
         </p:nvSpPr>
-        <p:spPr/>
+        <p:spPr>
+          <a:xfrm>
+            <a:off x="768804" y="2700337"/>
+            <a:ext cx="10515600" cy="1279751"/>
+          </a:xfrm>
+          <a:ln w="22225"/>
+        </p:spPr>
+        <p:style>
+          <a:lnRef idx="2">
+            <a:schemeClr val="dk1"/>
+          </a:lnRef>
+          <a:fillRef idx="1">
+            <a:schemeClr val="lt1"/>
+          </a:fillRef>
+          <a:effectRef idx="0">
+            <a:schemeClr val="dk1"/>
+          </a:effectRef>
+          <a:fontRef idx="minor">
+            <a:schemeClr val="dk1"/>
+          </a:fontRef>
+        </p:style>
         <p:txBody>
           <a:bodyPr/>
           <a:lstStyle/>
           <a:p>
-            <a:endParaRPr lang="en-US"/>
+            <a:pPr marL="0" indent="0">
+              <a:buNone/>
+            </a:pPr>
+            <a:r>
+              <a:rPr lang="en-US" b="1" dirty="0">
+                <a:solidFill>
+                  <a:srgbClr val="FF0000"/>
+                </a:solidFill>
+              </a:rPr>
+              <a:t>Privacy</a:t>
+            </a:r>
+            <a:r>
+              <a:rPr lang="en-US" dirty="0"/>
+              <a:t> Enabled </a:t>
+            </a:r>
+            <a:r>
+              <a:rPr lang="en-US" b="1" dirty="0">
+                <a:solidFill>
+                  <a:srgbClr val="FF0000"/>
+                </a:solidFill>
+              </a:rPr>
+              <a:t>Noise Free</a:t>
+            </a:r>
+            <a:r>
+              <a:rPr lang="en-US" dirty="0"/>
+              <a:t> data collection approach in </a:t>
+            </a:r>
+            <a:r>
+              <a:rPr lang="en-US" b="1" dirty="0" smtClean="0">
+                <a:solidFill>
+                  <a:srgbClr val="FF0000"/>
+                </a:solidFill>
+              </a:rPr>
+              <a:t>Vehicle</a:t>
+            </a:r>
+            <a:r>
+              <a:rPr lang="en-US" dirty="0" smtClean="0"/>
+              <a:t> </a:t>
+            </a:r>
+            <a:r>
+              <a:rPr lang="en-US" b="1" dirty="0">
+                <a:solidFill>
+                  <a:srgbClr val="FF0000"/>
+                </a:solidFill>
+              </a:rPr>
+              <a:t>Networks</a:t>
+            </a:r>
+            <a:r>
+              <a:rPr lang="en-US" dirty="0"/>
+              <a:t> by introducing temporal and spatial variations using the concept of </a:t>
+            </a:r>
+            <a:r>
+              <a:rPr lang="en-US" b="1" dirty="0">
+                <a:solidFill>
+                  <a:srgbClr val="FF0000"/>
+                </a:solidFill>
+              </a:rPr>
+              <a:t>Random Delays</a:t>
+            </a:r>
+            <a:r>
+              <a:rPr lang="en-US" dirty="0"/>
+              <a:t> and </a:t>
+            </a:r>
+            <a:r>
+              <a:rPr lang="en-US" b="1" dirty="0" smtClean="0">
+                <a:solidFill>
+                  <a:srgbClr val="FF0000"/>
+                </a:solidFill>
+              </a:rPr>
+              <a:t>Indirections</a:t>
+            </a:r>
           </a:p>
         </p:txBody>
       </p:sp>
@@ -19469,10 +22370,22 @@
           <a:lstStyle/>
           <a:p>
             <a:r>
-              <a:rPr lang="en-US" dirty="0" smtClean="0"/>
-              <a:t>How does mobility helps us</a:t>
-            </a:r>
-            <a:endParaRPr lang="en-US" dirty="0"/>
+              <a:rPr lang="en-US" b="1" dirty="0" smtClean="0"/>
+              <a:t>How does </a:t>
+            </a:r>
+            <a:r>
+              <a:rPr lang="en-US" b="1" dirty="0" smtClean="0">
+                <a:solidFill>
+                  <a:srgbClr val="FF0000"/>
+                </a:solidFill>
+              </a:rPr>
+              <a:t>mobility</a:t>
+            </a:r>
+            <a:r>
+              <a:rPr lang="en-US" b="1" dirty="0" smtClean="0"/>
+              <a:t> helps us</a:t>
+            </a:r>
+            <a:endParaRPr lang="en-US" b="1" dirty="0"/>
           </a:p>
         </p:txBody>
       </p:sp>
@@ -19491,7 +22404,84 @@
           <a:bodyPr/>
           <a:lstStyle/>
           <a:p>
-            <a:endParaRPr lang="en-US"/>
+            <a:r>
+              <a:rPr lang="en-US" dirty="0"/>
+              <a:t>If an adversary receives a data sample after some delay </a:t>
+            </a:r>
+            <a:r>
+              <a:rPr lang="en-US" dirty="0" smtClean="0"/>
+              <a:t>it </a:t>
+            </a:r>
+            <a:r>
+              <a:rPr lang="en-US" dirty="0"/>
+              <a:t>cannot </a:t>
+            </a:r>
+            <a:r>
+              <a:rPr lang="en-US" dirty="0" smtClean="0"/>
+              <a:t>be associated with </a:t>
+            </a:r>
+            <a:r>
+              <a:rPr lang="en-US" dirty="0"/>
+              <a:t>the vehicle which is currently at the location where the data was collected. </a:t>
+            </a:r>
+            <a:endParaRPr lang="en-US" dirty="0" smtClean="0"/>
+          </a:p>
+          <a:p>
+            <a:r>
+              <a:rPr lang="en-US" dirty="0" smtClean="0"/>
+              <a:t>This </a:t>
+            </a:r>
+            <a:r>
+              <a:rPr lang="en-US" dirty="0"/>
+              <a:t>is because the vehicle which collected the data would have moved to a new location of which the adversary has no idea. </a:t>
+            </a:r>
+            <a:endParaRPr lang="en-US" dirty="0" smtClean="0"/>
+          </a:p>
+          <a:p>
+            <a:r>
+              <a:rPr lang="en-US" dirty="0"/>
+              <a:t>This approach gives us a </a:t>
+            </a:r>
+            <a:r>
+              <a:rPr lang="en-US" b="1" dirty="0">
+                <a:solidFill>
+                  <a:srgbClr val="FF0000"/>
+                </a:solidFill>
+              </a:rPr>
+              <a:t>two fold benefit </a:t>
+            </a:r>
+            <a:r>
+              <a:rPr lang="en-US" dirty="0"/>
+              <a:t>of preserving the </a:t>
+            </a:r>
+            <a:r>
+              <a:rPr lang="en-US" b="1" dirty="0">
+                <a:solidFill>
+                  <a:srgbClr val="FF0000"/>
+                </a:solidFill>
+              </a:rPr>
+              <a:t>privacy</a:t>
+            </a:r>
+            <a:r>
+              <a:rPr lang="en-US" dirty="0"/>
+              <a:t> and getting the data samples in a </a:t>
+            </a:r>
+            <a:r>
+              <a:rPr lang="en-US" b="1" dirty="0">
+                <a:solidFill>
+                  <a:srgbClr val="FF0000"/>
+                </a:solidFill>
+              </a:rPr>
+              <a:t>noise free </a:t>
+            </a:r>
+            <a:r>
+              <a:rPr lang="en-US" dirty="0"/>
+              <a:t>form. </a:t>
+            </a:r>
+            <a:endParaRPr lang="en-US" dirty="0" smtClean="0"/>
+          </a:p>
+          <a:p>
+            <a:endParaRPr lang="en-US" dirty="0"/>
           </a:p>
         </p:txBody>
       </p:sp>
@@ -19548,10 +22538,10 @@
           <a:lstStyle/>
           <a:p>
             <a:r>
-              <a:rPr lang="en-US" dirty="0" smtClean="0"/>
-              <a:t>Vehicle protocol- some quick facts</a:t>
-            </a:r>
-            <a:endParaRPr lang="en-US" dirty="0"/>
+              <a:rPr lang="en-US" b="1" dirty="0" smtClean="0"/>
+              <a:t>Protocol for vehicle communication</a:t>
+            </a:r>
+            <a:endParaRPr lang="en-US" b="1" dirty="0"/>
           </a:p>
         </p:txBody>
       </p:sp>
@@ -19570,7 +22560,49 @@
           <a:bodyPr/>
           <a:lstStyle/>
           <a:p>
-            <a:endParaRPr lang="en-US"/>
+            <a:r>
+              <a:rPr lang="en-US" dirty="0" smtClean="0"/>
+              <a:t>Dedicated Short Range Communication (DSRC)</a:t>
+            </a:r>
+          </a:p>
+          <a:p>
+            <a:r>
+              <a:rPr lang="en-US" dirty="0" smtClean="0"/>
+              <a:t>Broadcasting protocol</a:t>
+            </a:r>
+          </a:p>
+          <a:p>
+            <a:r>
+              <a:rPr lang="en-US" dirty="0" smtClean="0"/>
+              <a:t>Operates in 5.9 GHz band</a:t>
+            </a:r>
+          </a:p>
+          <a:p>
+            <a:r>
+              <a:rPr lang="en-US" dirty="0" smtClean="0"/>
+              <a:t>Maximum range is 1000 meters</a:t>
+            </a:r>
+          </a:p>
+          <a:p>
+            <a:r>
+              <a:rPr lang="en-US" dirty="0" smtClean="0"/>
+              <a:t>Typical range used is </a:t>
+            </a:r>
+            <a:r>
+              <a:rPr lang="en-US" b="1" dirty="0" smtClean="0">
+                <a:solidFill>
+                  <a:srgbClr val="FF0000"/>
+                </a:solidFill>
+              </a:rPr>
+              <a:t>100-300 meters </a:t>
+            </a:r>
+            <a:r>
+              <a:rPr lang="en-US" dirty="0" smtClean="0"/>
+              <a:t>based on application type.</a:t>
+            </a:r>
+          </a:p>
+          <a:p>
+            <a:endParaRPr lang="en-US" dirty="0"/>
           </a:p>
         </p:txBody>
       </p:sp>
@@ -19621,381 +22653,69 @@
             <p:ph type="title"/>
           </p:nvPr>
         </p:nvSpPr>
-        <p:spPr>
-          <a:xfrm>
-            <a:off x="838200" y="386897"/>
-            <a:ext cx="10515600" cy="1325563"/>
-          </a:xfrm>
-        </p:spPr>
+        <p:spPr/>
         <p:txBody>
           <a:bodyPr/>
           <a:lstStyle/>
           <a:p>
             <a:r>
-              <a:rPr lang="en-US" dirty="0" smtClean="0"/>
-              <a:t>Adversary Model</a:t>
-            </a:r>
-            <a:endParaRPr lang="en-US" dirty="0"/>
-          </a:p>
-        </p:txBody>
-      </p:sp>
-      <mc:AlternateContent xmlns:mc="http://schemas.openxmlformats.org/markup-compatibility/2006">
-        <mc:Choice xmlns:a14="http://schemas.microsoft.com/office/drawing/2010/main" Requires="a14">
-          <p:sp>
-            <p:nvSpPr>
-              <p:cNvPr id="5" name="TextBox 4"/>
-              <p:cNvSpPr txBox="1"/>
-              <p:nvPr/>
-            </p:nvSpPr>
-            <p:spPr>
-              <a:xfrm>
-                <a:off x="119743" y="1502228"/>
-                <a:ext cx="11887200" cy="3416320"/>
-              </a:xfrm>
-              <a:prstGeom prst="rect">
-                <a:avLst/>
-              </a:prstGeom>
-              <a:noFill/>
-            </p:spPr>
-            <p:txBody>
-              <a:bodyPr wrap="square" rtlCol="0">
-                <a:spAutoFit/>
-              </a:bodyPr>
-              <a:lstStyle/>
-              <a:p>
-                <a:pPr marL="285750" indent="-285750">
-                  <a:buFont typeface="Arial" charset="0"/>
-                  <a:buChar char="•"/>
-                </a:pPr>
-                <a:r>
-                  <a:rPr lang="en-US" dirty="0" smtClean="0"/>
-                  <a:t>We assume that the central coordinator/server is the adversary.</a:t>
-                </a:r>
-              </a:p>
-              <a:p>
-                <a:pPr marL="285750" indent="-285750">
-                  <a:buFont typeface="Arial" charset="0"/>
-                  <a:buChar char="•"/>
-                </a:pPr>
-                <a:r>
-                  <a:rPr lang="en-US" dirty="0" smtClean="0"/>
-                  <a:t>The server sees the following- </a:t>
-                </a:r>
-              </a:p>
-              <a:p>
-                <a:r>
-                  <a:rPr lang="en-US" dirty="0"/>
-                  <a:t>	</a:t>
-                </a:r>
-                <a:r>
-                  <a:rPr lang="en-US" dirty="0" smtClean="0"/>
-                  <a:t>(</a:t>
-                </a:r>
-                <a:r>
-                  <a:rPr lang="en-US" b="1" dirty="0" smtClean="0">
-                    <a:solidFill>
-                      <a:srgbClr val="FF0000"/>
-                    </a:solidFill>
-                  </a:rPr>
-                  <a:t>X,Y, </a:t>
-                </a:r>
-                <a14:m>
-                  <m:oMath xmlns:m="http://schemas.openxmlformats.org/officeDocument/2006/math">
-                    <m:sSub>
-                      <m:sSubPr>
-                        <m:ctrlPr>
-                          <a:rPr lang="en-US" b="1" i="1" smtClean="0">
-                            <a:solidFill>
-                              <a:srgbClr val="FF0000"/>
-                            </a:solidFill>
-                            <a:latin typeface="Cambria Math" charset="0"/>
-                          </a:rPr>
-                        </m:ctrlPr>
-                      </m:sSubPr>
-                      <m:e>
-                        <m:r>
-                          <a:rPr lang="en-US" b="1" i="1" smtClean="0">
-                            <a:solidFill>
-                              <a:srgbClr val="FF0000"/>
-                            </a:solidFill>
-                            <a:latin typeface="Cambria Math" charset="0"/>
-                          </a:rPr>
-                          <m:t>𝒕</m:t>
-                        </m:r>
-                      </m:e>
-                      <m:sub>
-                        <m:r>
-                          <a:rPr lang="en-US" b="1" i="1" smtClean="0">
-                            <a:solidFill>
-                              <a:srgbClr val="FF0000"/>
-                            </a:solidFill>
-                            <a:latin typeface="Cambria Math" charset="0"/>
-                          </a:rPr>
-                          <m:t>𝟎</m:t>
-                        </m:r>
-                      </m:sub>
-                    </m:sSub>
-                  </m:oMath>
-                </a14:m>
-                <a:r>
-                  <a:rPr lang="en-US" b="1" dirty="0" smtClean="0">
-                    <a:solidFill>
-                      <a:srgbClr val="FF0000"/>
-                    </a:solidFill>
-                  </a:rPr>
-                  <a:t>, </a:t>
-                </a:r>
-                <a14:m>
-                  <m:oMath xmlns:m="http://schemas.openxmlformats.org/officeDocument/2006/math">
-                    <m:sSub>
-                      <m:sSubPr>
-                        <m:ctrlPr>
-                          <a:rPr lang="en-US" b="1" i="1" smtClean="0">
-                            <a:solidFill>
-                              <a:srgbClr val="FF0000"/>
-                            </a:solidFill>
-                            <a:latin typeface="Cambria Math" charset="0"/>
-                          </a:rPr>
-                        </m:ctrlPr>
-                      </m:sSubPr>
-                      <m:e>
-                        <m:r>
-                          <a:rPr lang="en-US" b="1" i="1" smtClean="0">
-                            <a:solidFill>
-                              <a:srgbClr val="FF0000"/>
-                            </a:solidFill>
-                            <a:latin typeface="Cambria Math" charset="0"/>
-                          </a:rPr>
-                          <m:t>𝒕</m:t>
-                        </m:r>
-                      </m:e>
-                      <m:sub>
-                        <m:r>
-                          <a:rPr lang="en-US" b="1" i="1" smtClean="0">
-                            <a:solidFill>
-                              <a:srgbClr val="FF0000"/>
-                            </a:solidFill>
-                            <a:latin typeface="Cambria Math" charset="0"/>
-                          </a:rPr>
-                          <m:t>𝒔𝒆𝒓𝒗𝒆𝒓</m:t>
-                        </m:r>
-                      </m:sub>
-                    </m:sSub>
-                  </m:oMath>
-                </a14:m>
-                <a:r>
-                  <a:rPr lang="en-US" b="1" dirty="0" smtClean="0">
-                    <a:solidFill>
-                      <a:srgbClr val="FF0000"/>
-                    </a:solidFill>
-                  </a:rPr>
-                  <a:t>,U, </a:t>
-                </a:r>
-                <a:r>
-                  <a:rPr lang="en-US" dirty="0" smtClean="0"/>
-                  <a:t>some measurements</a:t>
-                </a:r>
-                <a:r>
-                  <a:rPr lang="en-US" dirty="0" smtClean="0"/>
-                  <a:t>).</a:t>
-                </a:r>
-              </a:p>
-              <a:p>
-                <a:pPr marL="285750" indent="-285750">
-                  <a:buFont typeface="Arial" charset="0"/>
-                  <a:buChar char="•"/>
-                </a:pPr>
-                <a:r>
-                  <a:rPr lang="en-US" dirty="0" smtClean="0"/>
-                  <a:t>X,Y </a:t>
-                </a:r>
-                <a:r>
-                  <a:rPr lang="mr-IN" dirty="0" smtClean="0"/>
-                  <a:t>–</a:t>
-                </a:r>
-                <a:r>
-                  <a:rPr lang="en-US" dirty="0" smtClean="0"/>
-                  <a:t> Latitude, longitude where data was collected.</a:t>
-                </a:r>
-              </a:p>
-              <a:p>
-                <a:pPr marL="285750" indent="-285750">
-                  <a:buFont typeface="Arial" charset="0"/>
-                  <a:buChar char="•"/>
-                </a:pPr>
-                <a14:m>
-                  <m:oMath xmlns:m="http://schemas.openxmlformats.org/officeDocument/2006/math">
-                    <m:sSub>
-                      <m:sSubPr>
-                        <m:ctrlPr>
-                          <a:rPr lang="en-US" i="1" smtClean="0">
-                            <a:latin typeface="Cambria Math" charset="0"/>
-                          </a:rPr>
-                        </m:ctrlPr>
-                      </m:sSubPr>
-                      <m:e>
-                        <m:r>
-                          <a:rPr lang="en-US" b="0" i="1" smtClean="0">
-                            <a:latin typeface="Cambria Math" charset="0"/>
-                          </a:rPr>
-                          <m:t>𝑡</m:t>
-                        </m:r>
-                      </m:e>
-                      <m:sub>
-                        <m:r>
-                          <a:rPr lang="en-US" b="0" i="1" smtClean="0">
-                            <a:latin typeface="Cambria Math" charset="0"/>
-                          </a:rPr>
-                          <m:t>0</m:t>
-                        </m:r>
-                      </m:sub>
-                    </m:sSub>
-                  </m:oMath>
-                </a14:m>
-                <a:r>
-                  <a:rPr lang="en-US" dirty="0" smtClean="0"/>
-                  <a:t> - Time at which data was collected</a:t>
-                </a:r>
-              </a:p>
-              <a:p>
-                <a:pPr marL="285750" indent="-285750">
-                  <a:buFont typeface="Arial" charset="0"/>
-                  <a:buChar char="•"/>
-                </a:pPr>
-                <a14:m>
-                  <m:oMath xmlns:m="http://schemas.openxmlformats.org/officeDocument/2006/math">
-                    <m:sSub>
-                      <m:sSubPr>
-                        <m:ctrlPr>
-                          <a:rPr lang="en-US" i="1" smtClean="0">
-                            <a:latin typeface="Cambria Math" charset="0"/>
-                          </a:rPr>
-                        </m:ctrlPr>
-                      </m:sSubPr>
-                      <m:e>
-                        <m:r>
-                          <a:rPr lang="en-US" b="0" i="1" smtClean="0">
-                            <a:latin typeface="Cambria Math" charset="0"/>
-                          </a:rPr>
-                          <m:t>𝑡</m:t>
-                        </m:r>
-                      </m:e>
-                      <m:sub>
-                        <m:r>
-                          <a:rPr lang="en-US" b="0" i="1" smtClean="0">
-                            <a:latin typeface="Cambria Math" charset="0"/>
-                          </a:rPr>
-                          <m:t>𝑠𝑒𝑟𝑣𝑒𝑟</m:t>
-                        </m:r>
-                      </m:sub>
-                    </m:sSub>
-                    <m:r>
-                      <a:rPr lang="en-US" b="0" i="1" smtClean="0">
-                        <a:latin typeface="Cambria Math" charset="0"/>
-                      </a:rPr>
-                      <m:t>− </m:t>
-                    </m:r>
-                  </m:oMath>
-                </a14:m>
-                <a:r>
-                  <a:rPr lang="en-US" dirty="0" smtClean="0"/>
-                  <a:t>Time at which data was uploaded to the server</a:t>
-                </a:r>
-              </a:p>
-              <a:p>
-                <a:pPr marL="285750" indent="-285750">
-                  <a:buFont typeface="Arial" charset="0"/>
-                  <a:buChar char="•"/>
-                </a:pPr>
-                <a:r>
-                  <a:rPr lang="en-US" dirty="0" smtClean="0"/>
-                  <a:t>U- Unique ID of the vehicle which uploads the data</a:t>
-                </a:r>
-              </a:p>
-              <a:p>
-                <a:pPr marL="285750" indent="-285750">
-                  <a:buFont typeface="Arial" charset="0"/>
-                  <a:buChar char="•"/>
-                </a:pPr>
-                <a:r>
-                  <a:rPr lang="en-US" dirty="0" smtClean="0"/>
-                  <a:t>Some measurements- application specific data like RSS values, speed of the vehicle, etc.</a:t>
-                </a:r>
-              </a:p>
-              <a:p>
-                <a:pPr marL="285750" indent="-285750">
-                  <a:buFont typeface="Arial" charset="0"/>
-                  <a:buChar char="•"/>
-                </a:pPr>
-                <a:endParaRPr lang="en-US" dirty="0" smtClean="0"/>
-              </a:p>
-              <a:p>
-                <a:pPr marL="285750" indent="-285750">
-                  <a:buFont typeface="Arial" charset="0"/>
-                  <a:buChar char="•"/>
-                </a:pPr>
-                <a:endParaRPr lang="en-US" dirty="0" smtClean="0"/>
-              </a:p>
-              <a:p>
-                <a:pPr marL="285750" indent="-285750">
-                  <a:buFont typeface="Arial" charset="0"/>
-                  <a:buChar char="•"/>
-                </a:pPr>
-                <a:endParaRPr lang="en-US" dirty="0" smtClean="0"/>
-              </a:p>
-              <a:p>
-                <a:pPr marL="285750" indent="-285750">
-                  <a:buFont typeface="Arial" charset="0"/>
-                  <a:buChar char="•"/>
-                </a:pPr>
-                <a:endParaRPr lang="en-US" dirty="0"/>
-              </a:p>
-            </p:txBody>
-          </p:sp>
-        </mc:Choice>
-        <mc:Fallback>
-          <p:sp>
-            <p:nvSpPr>
-              <p:cNvPr id="5" name="TextBox 4"/>
-              <p:cNvSpPr txBox="1">
-                <a:spLocks noRot="1" noChangeAspect="1" noMove="1" noResize="1" noEditPoints="1" noAdjustHandles="1" noChangeArrowheads="1" noChangeShapeType="1" noTextEdit="1"/>
-              </p:cNvSpPr>
-              <p:nvPr/>
-            </p:nvSpPr>
-            <p:spPr>
-              <a:xfrm>
-                <a:off x="119743" y="1502228"/>
-                <a:ext cx="11887200" cy="3416320"/>
-              </a:xfrm>
-              <a:prstGeom prst="rect">
-                <a:avLst/>
-              </a:prstGeom>
-              <a:blipFill rotWithShape="0">
-                <a:blip r:embed="rId2"/>
-                <a:stretch>
-                  <a:fillRect l="-359" t="-891"/>
-                </a:stretch>
-              </a:blipFill>
-            </p:spPr>
-            <p:txBody>
-              <a:bodyPr/>
-              <a:lstStyle/>
-              <a:p>
-                <a:r>
-                  <a:rPr lang="en-US">
-                    <a:noFill/>
-                  </a:rPr>
-                  <a:t> </a:t>
-                </a:r>
-              </a:p>
-            </p:txBody>
-          </p:sp>
-        </mc:Fallback>
-      </mc:AlternateContent>
+              <a:rPr lang="en-US" b="1" dirty="0" smtClean="0"/>
+              <a:t>Our Contributions</a:t>
+            </a:r>
+            <a:endParaRPr lang="en-US" b="1" dirty="0"/>
+          </a:p>
+        </p:txBody>
+      </p:sp>
+      <p:sp>
+        <p:nvSpPr>
+          <p:cNvPr id="3" name="Content Placeholder 2"/>
+          <p:cNvSpPr>
+            <a:spLocks noGrp="1"/>
+          </p:cNvSpPr>
+          <p:nvPr>
+            <p:ph idx="1"/>
+          </p:nvPr>
+        </p:nvSpPr>
+        <p:spPr/>
+        <p:txBody>
+          <a:bodyPr/>
+          <a:lstStyle/>
+          <a:p>
+            <a:r>
+              <a:rPr lang="en-US" dirty="0"/>
+              <a:t>Introduce Random Delays and Indirections in the data collection process. </a:t>
+            </a:r>
+          </a:p>
+          <a:p>
+            <a:r>
+              <a:rPr lang="en-US" dirty="0"/>
+              <a:t>Implement different ways to cause Indirections and experiment with different Random Delays. </a:t>
+            </a:r>
+          </a:p>
+          <a:p>
+            <a:r>
+              <a:rPr lang="en-US" dirty="0"/>
+              <a:t>Run simulations based on above techniques to get vehicle traces. </a:t>
+            </a:r>
+          </a:p>
+          <a:p>
+            <a:r>
+              <a:rPr lang="en-US" dirty="0"/>
+              <a:t>Based on application type explore the trade-off between privacy and total delay which is acceptable for the message to be delivered. </a:t>
+            </a:r>
+          </a:p>
+          <a:p>
+            <a:r>
+              <a:rPr lang="en-US" dirty="0"/>
+              <a:t>Evaluate our methods based on user defined privacy levels. </a:t>
+            </a:r>
+          </a:p>
+        </p:txBody>
+      </p:sp>
     </p:spTree>
     <p:extLst>
       <p:ext uri="{BB962C8B-B14F-4D97-AF65-F5344CB8AC3E}">
-        <p14:creationId xmlns:p14="http://schemas.microsoft.com/office/powerpoint/2010/main" val="136980106"/>
+        <p14:creationId xmlns:p14="http://schemas.microsoft.com/office/powerpoint/2010/main" val="984585309"/>
       </p:ext>
     </p:extLst>
   </p:cSld>
